--- a/ForwardPlus/Forward+梁骏图.pptx
+++ b/ForwardPlus/Forward+梁骏图.pptx
@@ -15,9 +15,13 @@
     <p:sldId id="263" r:id="rId9"/>
     <p:sldId id="266" r:id="rId10"/>
     <p:sldId id="267" r:id="rId11"/>
-    <p:sldId id="265" r:id="rId12"/>
-    <p:sldId id="264" r:id="rId13"/>
-    <p:sldId id="268" r:id="rId14"/>
+    <p:sldId id="270" r:id="rId12"/>
+    <p:sldId id="271" r:id="rId13"/>
+    <p:sldId id="269" r:id="rId14"/>
+    <p:sldId id="272" r:id="rId15"/>
+    <p:sldId id="273" r:id="rId16"/>
+    <p:sldId id="265" r:id="rId17"/>
+    <p:sldId id="268" r:id="rId18"/>
   </p:sldIdLst>
   <p:sldSz cx="12192000" cy="6858000"/>
   <p:notesSz cx="6858000" cy="9144000"/>
@@ -253,7 +257,7 @@
           <a:p>
             <a:fld id="{D997B5FA-0921-464F-AAE1-844C04324D75}" type="datetimeFigureOut">
               <a:rPr lang="zh-CN" altLang="en-US" smtClean="0"/>
-              <a:t>2019/8/3</a:t>
+              <a:t>2019/8/4</a:t>
             </a:fld>
             <a:endParaRPr lang="zh-CN" altLang="en-US"/>
           </a:p>
@@ -421,7 +425,7 @@
           <a:p>
             <a:fld id="{D997B5FA-0921-464F-AAE1-844C04324D75}" type="datetimeFigureOut">
               <a:rPr lang="zh-CN" altLang="en-US" smtClean="0"/>
-              <a:t>2019/8/3</a:t>
+              <a:t>2019/8/4</a:t>
             </a:fld>
             <a:endParaRPr lang="zh-CN" altLang="en-US"/>
           </a:p>
@@ -599,7 +603,7 @@
           <a:p>
             <a:fld id="{D997B5FA-0921-464F-AAE1-844C04324D75}" type="datetimeFigureOut">
               <a:rPr lang="zh-CN" altLang="en-US" smtClean="0"/>
-              <a:t>2019/8/3</a:t>
+              <a:t>2019/8/4</a:t>
             </a:fld>
             <a:endParaRPr lang="zh-CN" altLang="en-US"/>
           </a:p>
@@ -767,7 +771,7 @@
           <a:p>
             <a:fld id="{D997B5FA-0921-464F-AAE1-844C04324D75}" type="datetimeFigureOut">
               <a:rPr lang="zh-CN" altLang="en-US" smtClean="0"/>
-              <a:t>2019/8/3</a:t>
+              <a:t>2019/8/4</a:t>
             </a:fld>
             <a:endParaRPr lang="zh-CN" altLang="en-US"/>
           </a:p>
@@ -1012,7 +1016,7 @@
           <a:p>
             <a:fld id="{D997B5FA-0921-464F-AAE1-844C04324D75}" type="datetimeFigureOut">
               <a:rPr lang="zh-CN" altLang="en-US" smtClean="0"/>
-              <a:t>2019/8/3</a:t>
+              <a:t>2019/8/4</a:t>
             </a:fld>
             <a:endParaRPr lang="zh-CN" altLang="en-US"/>
           </a:p>
@@ -1241,7 +1245,7 @@
           <a:p>
             <a:fld id="{D997B5FA-0921-464F-AAE1-844C04324D75}" type="datetimeFigureOut">
               <a:rPr lang="zh-CN" altLang="en-US" smtClean="0"/>
-              <a:t>2019/8/3</a:t>
+              <a:t>2019/8/4</a:t>
             </a:fld>
             <a:endParaRPr lang="zh-CN" altLang="en-US"/>
           </a:p>
@@ -1605,7 +1609,7 @@
           <a:p>
             <a:fld id="{D997B5FA-0921-464F-AAE1-844C04324D75}" type="datetimeFigureOut">
               <a:rPr lang="zh-CN" altLang="en-US" smtClean="0"/>
-              <a:t>2019/8/3</a:t>
+              <a:t>2019/8/4</a:t>
             </a:fld>
             <a:endParaRPr lang="zh-CN" altLang="en-US"/>
           </a:p>
@@ -1722,7 +1726,7 @@
           <a:p>
             <a:fld id="{D997B5FA-0921-464F-AAE1-844C04324D75}" type="datetimeFigureOut">
               <a:rPr lang="zh-CN" altLang="en-US" smtClean="0"/>
-              <a:t>2019/8/3</a:t>
+              <a:t>2019/8/4</a:t>
             </a:fld>
             <a:endParaRPr lang="zh-CN" altLang="en-US"/>
           </a:p>
@@ -1817,7 +1821,7 @@
           <a:p>
             <a:fld id="{D997B5FA-0921-464F-AAE1-844C04324D75}" type="datetimeFigureOut">
               <a:rPr lang="zh-CN" altLang="en-US" smtClean="0"/>
-              <a:t>2019/8/3</a:t>
+              <a:t>2019/8/4</a:t>
             </a:fld>
             <a:endParaRPr lang="zh-CN" altLang="en-US"/>
           </a:p>
@@ -2092,7 +2096,7 @@
           <a:p>
             <a:fld id="{D997B5FA-0921-464F-AAE1-844C04324D75}" type="datetimeFigureOut">
               <a:rPr lang="zh-CN" altLang="en-US" smtClean="0"/>
-              <a:t>2019/8/3</a:t>
+              <a:t>2019/8/4</a:t>
             </a:fld>
             <a:endParaRPr lang="zh-CN" altLang="en-US"/>
           </a:p>
@@ -2344,7 +2348,7 @@
           <a:p>
             <a:fld id="{D997B5FA-0921-464F-AAE1-844C04324D75}" type="datetimeFigureOut">
               <a:rPr lang="zh-CN" altLang="en-US" smtClean="0"/>
-              <a:t>2019/8/3</a:t>
+              <a:t>2019/8/4</a:t>
             </a:fld>
             <a:endParaRPr lang="zh-CN" altLang="en-US"/>
           </a:p>
@@ -2555,7 +2559,7 @@
           <a:p>
             <a:fld id="{D997B5FA-0921-464F-AAE1-844C04324D75}" type="datetimeFigureOut">
               <a:rPr lang="zh-CN" altLang="en-US" smtClean="0"/>
-              <a:t>2019/8/3</a:t>
+              <a:t>2019/8/4</a:t>
             </a:fld>
             <a:endParaRPr lang="zh-CN" altLang="en-US"/>
           </a:p>
@@ -3087,7 +3091,11 @@
           <a:bodyPr/>
           <a:lstStyle/>
           <a:p>
-            <a:endParaRPr lang="zh-CN" altLang="en-US"/>
+            <a:r>
+              <a:rPr lang="en-US" altLang="zh-CN" b="1" dirty="0"/>
+              <a:t>Light Culling</a:t>
+            </a:r>
+            <a:endParaRPr lang="zh-CN" altLang="en-US" dirty="0"/>
           </a:p>
         </p:txBody>
       </p:sp>
@@ -3112,10 +3120,316 @@
           <a:bodyPr/>
           <a:lstStyle/>
           <a:p>
-            <a:endParaRPr lang="zh-CN" altLang="en-US"/>
-          </a:p>
-        </p:txBody>
-      </p:sp>
+            <a:r>
+              <a:rPr lang="en-US" altLang="zh-CN" dirty="0"/>
+              <a:t>Opaque: </a:t>
+            </a:r>
+          </a:p>
+          <a:p>
+            <a:pPr lvl="1"/>
+            <a:r>
+              <a:rPr lang="zh-CN" altLang="en-US" dirty="0"/>
+              <a:t>保留</a:t>
+            </a:r>
+            <a:r>
+              <a:rPr lang="en-US" altLang="zh-CN" dirty="0"/>
+              <a:t>Min</a:t>
+            </a:r>
+            <a:r>
+              <a:rPr lang="zh-CN" altLang="en-US" dirty="0"/>
+              <a:t>和</a:t>
+            </a:r>
+            <a:r>
+              <a:rPr lang="en-US" altLang="zh-CN" dirty="0"/>
+              <a:t>Max Depth</a:t>
+            </a:r>
+            <a:r>
+              <a:rPr lang="zh-CN" altLang="en-US" dirty="0"/>
+              <a:t>之间的</a:t>
+            </a:r>
+            <a:endParaRPr lang="en-US" altLang="zh-CN" dirty="0"/>
+          </a:p>
+          <a:p>
+            <a:pPr lvl="2"/>
+            <a:r>
+              <a:rPr lang="en-US" altLang="zh-CN" dirty="0"/>
+              <a:t>Light1: </a:t>
+            </a:r>
+            <a:r>
+              <a:rPr lang="zh-CN" altLang="en-US" dirty="0"/>
+              <a:t>在</a:t>
+            </a:r>
+            <a:r>
+              <a:rPr lang="en-US" altLang="zh-CN" dirty="0"/>
+              <a:t>Tile2</a:t>
+            </a:r>
+            <a:r>
+              <a:rPr lang="zh-CN" altLang="en-US" dirty="0"/>
+              <a:t>被剔</a:t>
+            </a:r>
+            <a:endParaRPr lang="en-US" altLang="zh-CN" dirty="0"/>
+          </a:p>
+          <a:p>
+            <a:pPr lvl="3"/>
+            <a:r>
+              <a:rPr lang="zh-CN" altLang="en-US" dirty="0"/>
+              <a:t>在</a:t>
+            </a:r>
+            <a:r>
+              <a:rPr lang="en-US" altLang="zh-CN" dirty="0"/>
+              <a:t>Tile1</a:t>
+            </a:r>
+            <a:r>
+              <a:rPr lang="zh-CN" altLang="en-US" dirty="0"/>
+              <a:t>虽然没照到任何物体，但没被剔</a:t>
+            </a:r>
+            <a:r>
+              <a:rPr lang="en-US" altLang="zh-CN" dirty="0"/>
+              <a:t>(</a:t>
+            </a:r>
+            <a:r>
+              <a:rPr lang="zh-CN" altLang="en-US" dirty="0"/>
+              <a:t>局限</a:t>
+            </a:r>
+            <a:r>
+              <a:rPr lang="en-US" altLang="zh-CN" dirty="0"/>
+              <a:t>)</a:t>
+            </a:r>
+          </a:p>
+          <a:p>
+            <a:pPr lvl="2"/>
+            <a:r>
+              <a:rPr lang="en-US" altLang="zh-CN" dirty="0"/>
+              <a:t>Light2: </a:t>
+            </a:r>
+            <a:r>
+              <a:rPr lang="zh-CN" altLang="en-US" dirty="0"/>
+              <a:t>加到</a:t>
+            </a:r>
+            <a:r>
+              <a:rPr lang="en-US" altLang="zh-CN" dirty="0"/>
+              <a:t>Tile2</a:t>
+            </a:r>
+            <a:r>
+              <a:rPr lang="zh-CN" altLang="en-US" dirty="0"/>
+              <a:t>和</a:t>
+            </a:r>
+            <a:r>
+              <a:rPr lang="en-US" altLang="zh-CN" dirty="0"/>
+              <a:t>3; </a:t>
+            </a:r>
+            <a:r>
+              <a:rPr lang="zh-CN" altLang="en-US" dirty="0"/>
+              <a:t>在</a:t>
+            </a:r>
+            <a:r>
+              <a:rPr lang="en-US" altLang="zh-CN" dirty="0"/>
+              <a:t>Tile4</a:t>
+            </a:r>
+            <a:r>
+              <a:rPr lang="zh-CN" altLang="en-US" dirty="0"/>
+              <a:t>被剔</a:t>
+            </a:r>
+            <a:endParaRPr lang="en-US" altLang="zh-CN" dirty="0"/>
+          </a:p>
+          <a:p>
+            <a:pPr lvl="2"/>
+            <a:r>
+              <a:rPr lang="en-US" altLang="zh-CN" dirty="0"/>
+              <a:t>Light3: </a:t>
+            </a:r>
+            <a:r>
+              <a:rPr lang="zh-CN" altLang="en-US" dirty="0"/>
+              <a:t>在</a:t>
+            </a:r>
+            <a:r>
+              <a:rPr lang="en-US" altLang="zh-CN" dirty="0"/>
+              <a:t>Tile4</a:t>
+            </a:r>
+            <a:r>
+              <a:rPr lang="zh-CN" altLang="en-US" dirty="0"/>
+              <a:t>和</a:t>
+            </a:r>
+            <a:r>
+              <a:rPr lang="en-US" altLang="zh-CN" dirty="0"/>
+              <a:t>5</a:t>
+            </a:r>
+            <a:r>
+              <a:rPr lang="zh-CN" altLang="en-US" dirty="0"/>
+              <a:t>被剔，被</a:t>
+            </a:r>
+            <a:r>
+              <a:rPr lang="en-US" altLang="zh-CN" dirty="0"/>
+              <a:t>Obj3</a:t>
+            </a:r>
+            <a:r>
+              <a:rPr lang="zh-CN" altLang="en-US" dirty="0"/>
+              <a:t>遮挡了</a:t>
+            </a:r>
+            <a:endParaRPr lang="en-US" altLang="zh-CN" dirty="0"/>
+          </a:p>
+          <a:p>
+            <a:pPr lvl="2"/>
+            <a:r>
+              <a:rPr lang="en-US" altLang="zh-CN" dirty="0"/>
+              <a:t>Light4: </a:t>
+            </a:r>
+            <a:r>
+              <a:rPr lang="zh-CN" altLang="en-US" dirty="0"/>
+              <a:t>在</a:t>
+            </a:r>
+            <a:r>
+              <a:rPr lang="en-US" altLang="zh-CN" dirty="0"/>
+              <a:t>Tile6</a:t>
+            </a:r>
+            <a:r>
+              <a:rPr lang="zh-CN" altLang="en-US" dirty="0"/>
+              <a:t>被剔，加到</a:t>
+            </a:r>
+            <a:r>
+              <a:rPr lang="en-US" altLang="zh-CN" dirty="0"/>
+              <a:t>Tile7</a:t>
+            </a:r>
+          </a:p>
+          <a:p>
+            <a:r>
+              <a:rPr lang="en-US" altLang="zh-CN" dirty="0"/>
+              <a:t>Transparent</a:t>
+            </a:r>
+            <a:r>
+              <a:rPr lang="zh-CN" altLang="en-US" dirty="0"/>
+              <a:t>：</a:t>
+            </a:r>
+            <a:endParaRPr lang="en-US" altLang="zh-CN" dirty="0"/>
+          </a:p>
+          <a:p>
+            <a:pPr lvl="1"/>
+            <a:r>
+              <a:rPr lang="zh-CN" altLang="en-US" dirty="0"/>
+              <a:t>只能剔除</a:t>
+            </a:r>
+            <a:r>
+              <a:rPr lang="en-US" altLang="zh-CN" dirty="0"/>
+              <a:t>Max Depth</a:t>
+            </a:r>
+            <a:r>
+              <a:rPr lang="zh-CN" altLang="en-US" dirty="0"/>
+              <a:t>后的</a:t>
+            </a:r>
+            <a:endParaRPr lang="en-US" altLang="zh-CN" dirty="0"/>
+          </a:p>
+          <a:p>
+            <a:pPr lvl="2"/>
+            <a:r>
+              <a:rPr lang="en-US" altLang="zh-CN" dirty="0"/>
+              <a:t>Depth</a:t>
+            </a:r>
+            <a:r>
+              <a:rPr lang="zh-CN" altLang="en-US" dirty="0"/>
+              <a:t>由</a:t>
+            </a:r>
+            <a:r>
+              <a:rPr lang="en-US" altLang="zh-CN" dirty="0"/>
+              <a:t>Opaque</a:t>
+            </a:r>
+            <a:r>
+              <a:rPr lang="zh-CN" altLang="en-US" dirty="0"/>
+              <a:t>生成</a:t>
+            </a:r>
+            <a:endParaRPr lang="en-US" altLang="zh-CN" dirty="0"/>
+          </a:p>
+        </p:txBody>
+      </p:sp>
+      <p:pic>
+        <p:nvPicPr>
+          <p:cNvPr id="4" name="图片 3">
+            <a:extLst>
+              <a:ext uri="{FF2B5EF4-FFF2-40B4-BE49-F238E27FC236}">
+                <a16:creationId xmlns:a16="http://schemas.microsoft.com/office/drawing/2014/main" id="{6964DD12-98BB-463C-8FEE-ED64EE91C0A6}"/>
+              </a:ext>
+            </a:extLst>
+          </p:cNvPr>
+          <p:cNvPicPr>
+            <a:picLocks noChangeAspect="1"/>
+          </p:cNvPicPr>
+          <p:nvPr/>
+        </p:nvPicPr>
+        <p:blipFill>
+          <a:blip r:embed="rId2"/>
+          <a:stretch>
+            <a:fillRect/>
+          </a:stretch>
+        </p:blipFill>
+        <p:spPr>
+          <a:xfrm>
+            <a:off x="4859323" y="6409404"/>
+            <a:ext cx="3023532" cy="430872"/>
+          </a:xfrm>
+          <a:prstGeom prst="rect">
+            <a:avLst/>
+          </a:prstGeom>
+        </p:spPr>
+      </p:pic>
+      <p:pic>
+        <p:nvPicPr>
+          <p:cNvPr id="5" name="图片 4">
+            <a:extLst>
+              <a:ext uri="{FF2B5EF4-FFF2-40B4-BE49-F238E27FC236}">
+                <a16:creationId xmlns:a16="http://schemas.microsoft.com/office/drawing/2014/main" id="{3C64D822-E92D-40BE-9933-4F8DBBBEE50A}"/>
+              </a:ext>
+            </a:extLst>
+          </p:cNvPr>
+          <p:cNvPicPr>
+            <a:picLocks noChangeAspect="1"/>
+          </p:cNvPicPr>
+          <p:nvPr/>
+        </p:nvPicPr>
+        <p:blipFill>
+          <a:blip r:embed="rId3"/>
+          <a:stretch>
+            <a:fillRect/>
+          </a:stretch>
+        </p:blipFill>
+        <p:spPr>
+          <a:xfrm>
+            <a:off x="8301277" y="73959"/>
+            <a:ext cx="3234983" cy="3302379"/>
+          </a:xfrm>
+          <a:prstGeom prst="rect">
+            <a:avLst/>
+          </a:prstGeom>
+        </p:spPr>
+      </p:pic>
+      <p:pic>
+        <p:nvPicPr>
+          <p:cNvPr id="6" name="图片 5">
+            <a:extLst>
+              <a:ext uri="{FF2B5EF4-FFF2-40B4-BE49-F238E27FC236}">
+                <a16:creationId xmlns:a16="http://schemas.microsoft.com/office/drawing/2014/main" id="{6F618647-8D84-46C8-B4A4-C390DD4691C9}"/>
+              </a:ext>
+            </a:extLst>
+          </p:cNvPr>
+          <p:cNvPicPr>
+            <a:picLocks noChangeAspect="1"/>
+          </p:cNvPicPr>
+          <p:nvPr/>
+        </p:nvPicPr>
+        <p:blipFill>
+          <a:blip r:embed="rId4"/>
+          <a:stretch>
+            <a:fillRect/>
+          </a:stretch>
+        </p:blipFill>
+        <p:spPr>
+          <a:xfrm>
+            <a:off x="8159136" y="3429000"/>
+            <a:ext cx="3377124" cy="3302379"/>
+          </a:xfrm>
+          <a:prstGeom prst="rect">
+            <a:avLst/>
+          </a:prstGeom>
+        </p:spPr>
+      </p:pic>
     </p:spTree>
     <p:extLst>
       <p:ext uri="{BB962C8B-B14F-4D97-AF65-F5344CB8AC3E}">
@@ -3151,7 +3465,7 @@
           <p:cNvPr id="2" name="标题 1">
             <a:extLst>
               <a:ext uri="{FF2B5EF4-FFF2-40B4-BE49-F238E27FC236}">
-                <a16:creationId xmlns:a16="http://schemas.microsoft.com/office/drawing/2014/main" id="{3BAF124D-66A1-49D5-A222-23AF05736141}"/>
+                <a16:creationId xmlns:a16="http://schemas.microsoft.com/office/drawing/2014/main" id="{3E5A5BFE-FA76-4BB1-B3D9-35D1A46AEA0B}"/>
               </a:ext>
             </a:extLst>
           </p:cNvPr>
@@ -3168,9 +3482,10 @@
           <a:lstStyle/>
           <a:p>
             <a:r>
-              <a:rPr lang="zh-CN" altLang="en-US" dirty="0"/>
-              <a:t>实现</a:t>
-            </a:r>
+              <a:rPr lang="en-US" altLang="zh-CN" b="1" dirty="0"/>
+              <a:t>Light Culling</a:t>
+            </a:r>
+            <a:endParaRPr lang="zh-CN" altLang="en-US" dirty="0"/>
           </a:p>
         </p:txBody>
       </p:sp>
@@ -3179,7 +3494,7 @@
           <p:cNvPr id="3" name="内容占位符 2">
             <a:extLst>
               <a:ext uri="{FF2B5EF4-FFF2-40B4-BE49-F238E27FC236}">
-                <a16:creationId xmlns:a16="http://schemas.microsoft.com/office/drawing/2014/main" id="{5BA4CCF4-2E3F-4C0A-958F-23354D1EA89D}"/>
+                <a16:creationId xmlns:a16="http://schemas.microsoft.com/office/drawing/2014/main" id="{39432D48-B67E-4EFD-8768-2B17B2986F33}"/>
               </a:ext>
             </a:extLst>
           </p:cNvPr>
@@ -3195,14 +3510,173 @@
           <a:bodyPr/>
           <a:lstStyle/>
           <a:p>
-            <a:endParaRPr lang="zh-CN" altLang="en-US"/>
-          </a:p>
-        </p:txBody>
-      </p:sp>
+            <a:r>
+              <a:rPr lang="en-US" altLang="zh-CN" dirty="0"/>
+              <a:t>Point Light</a:t>
+            </a:r>
+          </a:p>
+          <a:p>
+            <a:pPr lvl="1"/>
+            <a:r>
+              <a:rPr lang="zh-CN" altLang="en-US" dirty="0"/>
+              <a:t>判断球体不在视椎体内</a:t>
+            </a:r>
+            <a:endParaRPr lang="en-US" altLang="zh-CN" dirty="0"/>
+          </a:p>
+          <a:p>
+            <a:pPr lvl="2"/>
+            <a:r>
+              <a:rPr lang="en-US" altLang="zh-CN" dirty="0"/>
+              <a:t>Culling Plane</a:t>
+            </a:r>
+            <a:r>
+              <a:rPr lang="zh-CN" altLang="en-US" dirty="0"/>
+              <a:t>的法线朝里，分成正负半空间</a:t>
+            </a:r>
+            <a:endParaRPr lang="en-US" altLang="zh-CN" dirty="0"/>
+          </a:p>
+          <a:p>
+            <a:pPr lvl="2"/>
+            <a:r>
+              <a:rPr lang="zh-CN" altLang="en-US" dirty="0"/>
+              <a:t>剔除条件：判断球体是否完全在某一个</a:t>
+            </a:r>
+            <a:r>
+              <a:rPr lang="en-US" altLang="zh-CN" dirty="0"/>
+              <a:t>Plane</a:t>
+            </a:r>
+            <a:r>
+              <a:rPr lang="zh-CN" altLang="en-US" dirty="0"/>
+              <a:t>的负半空间</a:t>
+            </a:r>
+            <a:endParaRPr lang="en-US" altLang="zh-CN" dirty="0"/>
+          </a:p>
+        </p:txBody>
+      </p:sp>
+      <p:pic>
+        <p:nvPicPr>
+          <p:cNvPr id="4" name="图片 3">
+            <a:extLst>
+              <a:ext uri="{FF2B5EF4-FFF2-40B4-BE49-F238E27FC236}">
+                <a16:creationId xmlns:a16="http://schemas.microsoft.com/office/drawing/2014/main" id="{A10E9270-42FC-4086-8758-1521BE1BDE98}"/>
+              </a:ext>
+            </a:extLst>
+          </p:cNvPr>
+          <p:cNvPicPr>
+            <a:picLocks noChangeAspect="1"/>
+          </p:cNvPicPr>
+          <p:nvPr/>
+        </p:nvPicPr>
+        <p:blipFill>
+          <a:blip r:embed="rId2"/>
+          <a:stretch>
+            <a:fillRect/>
+          </a:stretch>
+        </p:blipFill>
+        <p:spPr>
+          <a:xfrm>
+            <a:off x="8199329" y="181820"/>
+            <a:ext cx="3897639" cy="2464091"/>
+          </a:xfrm>
+          <a:prstGeom prst="rect">
+            <a:avLst/>
+          </a:prstGeom>
+        </p:spPr>
+      </p:pic>
+      <p:pic>
+        <p:nvPicPr>
+          <p:cNvPr id="5" name="图片 4">
+            <a:extLst>
+              <a:ext uri="{FF2B5EF4-FFF2-40B4-BE49-F238E27FC236}">
+                <a16:creationId xmlns:a16="http://schemas.microsoft.com/office/drawing/2014/main" id="{F4954186-74B2-4C47-B2A4-026E885273D6}"/>
+              </a:ext>
+            </a:extLst>
+          </p:cNvPr>
+          <p:cNvPicPr>
+            <a:picLocks noChangeAspect="1"/>
+          </p:cNvPicPr>
+          <p:nvPr/>
+        </p:nvPicPr>
+        <p:blipFill>
+          <a:blip r:embed="rId3"/>
+          <a:stretch>
+            <a:fillRect/>
+          </a:stretch>
+        </p:blipFill>
+        <p:spPr>
+          <a:xfrm>
+            <a:off x="8749760" y="2980044"/>
+            <a:ext cx="2975624" cy="2464091"/>
+          </a:xfrm>
+          <a:prstGeom prst="rect">
+            <a:avLst/>
+          </a:prstGeom>
+        </p:spPr>
+      </p:pic>
+      <p:pic>
+        <p:nvPicPr>
+          <p:cNvPr id="6" name="图片 5">
+            <a:extLst>
+              <a:ext uri="{FF2B5EF4-FFF2-40B4-BE49-F238E27FC236}">
+                <a16:creationId xmlns:a16="http://schemas.microsoft.com/office/drawing/2014/main" id="{DD786628-E0A3-4F77-9016-B69E81A13107}"/>
+              </a:ext>
+            </a:extLst>
+          </p:cNvPr>
+          <p:cNvPicPr>
+            <a:picLocks noChangeAspect="1"/>
+          </p:cNvPicPr>
+          <p:nvPr/>
+        </p:nvPicPr>
+        <p:blipFill>
+          <a:blip r:embed="rId4"/>
+          <a:stretch>
+            <a:fillRect/>
+          </a:stretch>
+        </p:blipFill>
+        <p:spPr>
+          <a:xfrm>
+            <a:off x="318781" y="3552973"/>
+            <a:ext cx="7094508" cy="1059529"/>
+          </a:xfrm>
+          <a:prstGeom prst="rect">
+            <a:avLst/>
+          </a:prstGeom>
+        </p:spPr>
+      </p:pic>
+      <p:pic>
+        <p:nvPicPr>
+          <p:cNvPr id="7" name="图片 6">
+            <a:extLst>
+              <a:ext uri="{FF2B5EF4-FFF2-40B4-BE49-F238E27FC236}">
+                <a16:creationId xmlns:a16="http://schemas.microsoft.com/office/drawing/2014/main" id="{00B4A3C4-36E8-499A-B96C-D0D3BA5C6D0C}"/>
+              </a:ext>
+            </a:extLst>
+          </p:cNvPr>
+          <p:cNvPicPr>
+            <a:picLocks noChangeAspect="1"/>
+          </p:cNvPicPr>
+          <p:nvPr/>
+        </p:nvPicPr>
+        <p:blipFill>
+          <a:blip r:embed="rId5"/>
+          <a:stretch>
+            <a:fillRect/>
+          </a:stretch>
+        </p:blipFill>
+        <p:spPr>
+          <a:xfrm>
+            <a:off x="318781" y="4719537"/>
+            <a:ext cx="5371750" cy="2603139"/>
+          </a:xfrm>
+          <a:prstGeom prst="rect">
+            <a:avLst/>
+          </a:prstGeom>
+        </p:spPr>
+      </p:pic>
     </p:spTree>
     <p:extLst>
       <p:ext uri="{BB962C8B-B14F-4D97-AF65-F5344CB8AC3E}">
-        <p14:creationId xmlns:p14="http://schemas.microsoft.com/office/powerpoint/2010/main" val="4071073254"/>
+        <p14:creationId xmlns:p14="http://schemas.microsoft.com/office/powerpoint/2010/main" val="1150078705"/>
       </p:ext>
     </p:extLst>
   </p:cSld>
@@ -3231,10 +3705,39 @@
       </p:grpSpPr>
       <p:sp>
         <p:nvSpPr>
+          <p:cNvPr id="2" name="标题 1">
+            <a:extLst>
+              <a:ext uri="{FF2B5EF4-FFF2-40B4-BE49-F238E27FC236}">
+                <a16:creationId xmlns:a16="http://schemas.microsoft.com/office/drawing/2014/main" id="{B761087A-31BC-4E9B-8ABA-877A5CE079B8}"/>
+              </a:ext>
+            </a:extLst>
+          </p:cNvPr>
+          <p:cNvSpPr>
+            <a:spLocks noGrp="1"/>
+          </p:cNvSpPr>
+          <p:nvPr>
+            <p:ph type="title"/>
+          </p:nvPr>
+        </p:nvSpPr>
+        <p:spPr/>
+        <p:txBody>
+          <a:bodyPr/>
+          <a:lstStyle/>
+          <a:p>
+            <a:r>
+              <a:rPr lang="en-US" altLang="zh-CN" b="1" dirty="0"/>
+              <a:t>Light Culling</a:t>
+            </a:r>
+            <a:endParaRPr lang="zh-CN" altLang="en-US" dirty="0"/>
+          </a:p>
+        </p:txBody>
+      </p:sp>
+      <p:sp>
+        <p:nvSpPr>
           <p:cNvPr id="3" name="内容占位符 2">
             <a:extLst>
               <a:ext uri="{FF2B5EF4-FFF2-40B4-BE49-F238E27FC236}">
-                <a16:creationId xmlns:a16="http://schemas.microsoft.com/office/drawing/2014/main" id="{5867C76E-83B3-48DD-A6D7-A033AC3F41CD}"/>
+                <a16:creationId xmlns:a16="http://schemas.microsoft.com/office/drawing/2014/main" id="{0D9E4D92-0334-4BC5-8699-94E06611E881}"/>
               </a:ext>
             </a:extLst>
           </p:cNvPr>
@@ -3245,36 +3748,347 @@
             <p:ph idx="1"/>
           </p:nvPr>
         </p:nvSpPr>
+        <p:spPr/>
+        <p:txBody>
+          <a:bodyPr/>
+          <a:lstStyle/>
+          <a:p>
+            <a:r>
+              <a:rPr lang="en-US" altLang="zh-CN" dirty="0"/>
+              <a:t>Spot Light</a:t>
+            </a:r>
+          </a:p>
+          <a:p>
+            <a:pPr lvl="1"/>
+            <a:r>
+              <a:rPr lang="zh-CN" altLang="en-US" dirty="0"/>
+              <a:t>求与</a:t>
+            </a:r>
+            <a:r>
+              <a:rPr lang="en-US" altLang="zh-CN" dirty="0"/>
+              <a:t>Plane</a:t>
+            </a:r>
+            <a:r>
+              <a:rPr lang="zh-CN" altLang="en-US" dirty="0"/>
+              <a:t>最近的一点</a:t>
+            </a:r>
+            <a:r>
+              <a:rPr lang="en-US" altLang="zh-CN" dirty="0"/>
+              <a:t>Q</a:t>
+            </a:r>
+          </a:p>
+          <a:p>
+            <a:pPr lvl="1"/>
+            <a:r>
+              <a:rPr lang="zh-CN" altLang="en-US" dirty="0"/>
+              <a:t>剔除条件：判断</a:t>
+            </a:r>
+            <a:r>
+              <a:rPr lang="en-US" altLang="zh-CN" dirty="0"/>
+              <a:t>T</a:t>
+            </a:r>
+            <a:r>
+              <a:rPr lang="zh-CN" altLang="en-US" dirty="0"/>
+              <a:t>和</a:t>
+            </a:r>
+            <a:r>
+              <a:rPr lang="en-US" altLang="zh-CN" dirty="0"/>
+              <a:t>Q</a:t>
+            </a:r>
+            <a:r>
+              <a:rPr lang="zh-CN" altLang="en-US" dirty="0"/>
+              <a:t>同时在负半平面</a:t>
+            </a:r>
+            <a:endParaRPr lang="en-US" altLang="zh-CN" dirty="0"/>
+          </a:p>
+          <a:p>
+            <a:pPr lvl="2"/>
+            <a:r>
+              <a:rPr lang="zh-CN" altLang="en-US" dirty="0"/>
+              <a:t>求底部跟</a:t>
+            </a:r>
+            <a:r>
+              <a:rPr lang="en-US" altLang="zh-CN" dirty="0"/>
+              <a:t>N</a:t>
+            </a:r>
+            <a:r>
+              <a:rPr lang="zh-CN" altLang="en-US" dirty="0"/>
+              <a:t>同向的</a:t>
+            </a:r>
+            <a:r>
+              <a:rPr lang="en-US" altLang="zh-CN" dirty="0"/>
+              <a:t>m</a:t>
+            </a:r>
+          </a:p>
+          <a:p>
+            <a:pPr marL="914400" lvl="2" indent="0">
+              <a:buNone/>
+            </a:pPr>
+            <a:endParaRPr lang="en-US" altLang="zh-CN" dirty="0"/>
+          </a:p>
+        </p:txBody>
+      </p:sp>
+      <p:pic>
+        <p:nvPicPr>
+          <p:cNvPr id="4098" name="Picture 2" descr="Cone-Plane Intersection">
+            <a:extLst>
+              <a:ext uri="{FF2B5EF4-FFF2-40B4-BE49-F238E27FC236}">
+                <a16:creationId xmlns:a16="http://schemas.microsoft.com/office/drawing/2014/main" id="{89D8DCFF-D524-490B-AE6A-1E9A95CFD9D9}"/>
+              </a:ext>
+            </a:extLst>
+          </p:cNvPr>
+          <p:cNvPicPr>
+            <a:picLocks noChangeAspect="1" noChangeArrowheads="1"/>
+          </p:cNvPicPr>
+          <p:nvPr/>
+        </p:nvPicPr>
+        <p:blipFill>
+          <a:blip r:embed="rId2">
+            <a:extLst>
+              <a:ext uri="{28A0092B-C50C-407E-A947-70E740481C1C}">
+                <a14:useLocalDpi xmlns:a14="http://schemas.microsoft.com/office/drawing/2010/main" val="0"/>
+              </a:ext>
+            </a:extLst>
+          </a:blip>
+          <a:srcRect/>
+          <a:stretch>
+            <a:fillRect/>
+          </a:stretch>
+        </p:blipFill>
+        <p:spPr bwMode="auto">
+          <a:xfrm>
+            <a:off x="6555853" y="82144"/>
+            <a:ext cx="4557418" cy="2303136"/>
+          </a:xfrm>
+          <a:prstGeom prst="rect">
+            <a:avLst/>
+          </a:prstGeom>
+          <a:noFill/>
+          <a:extLst>
+            <a:ext uri="{909E8E84-426E-40DD-AFC4-6F175D3DCCD1}">
+              <a14:hiddenFill xmlns:a14="http://schemas.microsoft.com/office/drawing/2010/main">
+                <a:solidFill>
+                  <a:srgbClr val="FFFFFF"/>
+                </a:solidFill>
+              </a14:hiddenFill>
+            </a:ext>
+          </a:extLst>
+        </p:spPr>
+      </p:pic>
+      <p:pic>
+        <p:nvPicPr>
+          <p:cNvPr id="4" name="图片 3">
+            <a:extLst>
+              <a:ext uri="{FF2B5EF4-FFF2-40B4-BE49-F238E27FC236}">
+                <a16:creationId xmlns:a16="http://schemas.microsoft.com/office/drawing/2014/main" id="{B05B533F-319F-4C52-AAB0-EF733C8F9EF9}"/>
+              </a:ext>
+            </a:extLst>
+          </p:cNvPr>
+          <p:cNvPicPr>
+            <a:picLocks noChangeAspect="1"/>
+          </p:cNvPicPr>
+          <p:nvPr/>
+        </p:nvPicPr>
+        <p:blipFill>
+          <a:blip r:embed="rId3"/>
+          <a:stretch>
+            <a:fillRect/>
+          </a:stretch>
+        </p:blipFill>
         <p:spPr>
           <a:xfrm>
-            <a:off x="838200" y="226503"/>
-            <a:ext cx="10515600" cy="5950460"/>
+            <a:off x="6741854" y="2750423"/>
+            <a:ext cx="5024437" cy="281845"/>
           </a:xfrm>
+          <a:prstGeom prst="rect">
+            <a:avLst/>
+          </a:prstGeom>
         </p:spPr>
-        <p:txBody>
-          <a:bodyPr/>
-          <a:lstStyle/>
-          <a:p>
-            <a:r>
-              <a:rPr lang="en-US" altLang="zh-CN" dirty="0"/>
-              <a:t>Compute Shader</a:t>
-            </a:r>
-            <a:r>
-              <a:rPr lang="zh-CN" altLang="en-US" dirty="0"/>
-              <a:t>求</a:t>
-            </a:r>
-            <a:r>
-              <a:rPr lang="en-US" altLang="zh-CN" dirty="0"/>
-              <a:t>Tile Frustum</a:t>
-            </a:r>
-            <a:endParaRPr lang="zh-CN" altLang="en-US" dirty="0"/>
-          </a:p>
-        </p:txBody>
-      </p:sp>
+      </p:pic>
+      <p:pic>
+        <p:nvPicPr>
+          <p:cNvPr id="5" name="图片 4">
+            <a:extLst>
+              <a:ext uri="{FF2B5EF4-FFF2-40B4-BE49-F238E27FC236}">
+                <a16:creationId xmlns:a16="http://schemas.microsoft.com/office/drawing/2014/main" id="{BEE333DE-4702-464F-A1E1-D1C07A452DC8}"/>
+              </a:ext>
+            </a:extLst>
+          </p:cNvPr>
+          <p:cNvPicPr>
+            <a:picLocks noChangeAspect="1"/>
+          </p:cNvPicPr>
+          <p:nvPr/>
+        </p:nvPicPr>
+        <p:blipFill>
+          <a:blip r:embed="rId4"/>
+          <a:stretch>
+            <a:fillRect/>
+          </a:stretch>
+        </p:blipFill>
+        <p:spPr>
+          <a:xfrm>
+            <a:off x="915667" y="4012469"/>
+            <a:ext cx="3171825" cy="819150"/>
+          </a:xfrm>
+          <a:prstGeom prst="rect">
+            <a:avLst/>
+          </a:prstGeom>
+        </p:spPr>
+      </p:pic>
+      <p:pic>
+        <p:nvPicPr>
+          <p:cNvPr id="6" name="图片 5">
+            <a:extLst>
+              <a:ext uri="{FF2B5EF4-FFF2-40B4-BE49-F238E27FC236}">
+                <a16:creationId xmlns:a16="http://schemas.microsoft.com/office/drawing/2014/main" id="{330FB19C-E47B-494A-9B02-200AEBFC9FE4}"/>
+              </a:ext>
+            </a:extLst>
+          </p:cNvPr>
+          <p:cNvPicPr>
+            <a:picLocks noChangeAspect="1"/>
+          </p:cNvPicPr>
+          <p:nvPr/>
+        </p:nvPicPr>
+        <p:blipFill>
+          <a:blip r:embed="rId5"/>
+          <a:stretch>
+            <a:fillRect/>
+          </a:stretch>
+        </p:blipFill>
+        <p:spPr>
+          <a:xfrm>
+            <a:off x="425709" y="4712872"/>
+            <a:ext cx="3781425" cy="1047750"/>
+          </a:xfrm>
+          <a:prstGeom prst="rect">
+            <a:avLst/>
+          </a:prstGeom>
+        </p:spPr>
+      </p:pic>
+      <p:pic>
+        <p:nvPicPr>
+          <p:cNvPr id="7" name="图片 6">
+            <a:extLst>
+              <a:ext uri="{FF2B5EF4-FFF2-40B4-BE49-F238E27FC236}">
+                <a16:creationId xmlns:a16="http://schemas.microsoft.com/office/drawing/2014/main" id="{9FE1969A-4C5F-4643-A35A-263A5CA0666A}"/>
+              </a:ext>
+            </a:extLst>
+          </p:cNvPr>
+          <p:cNvPicPr>
+            <a:picLocks noChangeAspect="1"/>
+          </p:cNvPicPr>
+          <p:nvPr/>
+        </p:nvPicPr>
+        <p:blipFill>
+          <a:blip r:embed="rId6"/>
+          <a:stretch>
+            <a:fillRect/>
+          </a:stretch>
+        </p:blipFill>
+        <p:spPr>
+          <a:xfrm>
+            <a:off x="1240408" y="5743575"/>
+            <a:ext cx="2381250" cy="866775"/>
+          </a:xfrm>
+          <a:prstGeom prst="rect">
+            <a:avLst/>
+          </a:prstGeom>
+        </p:spPr>
+      </p:pic>
+      <p:pic>
+        <p:nvPicPr>
+          <p:cNvPr id="8" name="图片 7">
+            <a:extLst>
+              <a:ext uri="{FF2B5EF4-FFF2-40B4-BE49-F238E27FC236}">
+                <a16:creationId xmlns:a16="http://schemas.microsoft.com/office/drawing/2014/main" id="{5EB4E847-4EDC-4437-B28A-2FAB88C7175D}"/>
+              </a:ext>
+            </a:extLst>
+          </p:cNvPr>
+          <p:cNvPicPr>
+            <a:picLocks noChangeAspect="1"/>
+          </p:cNvPicPr>
+          <p:nvPr/>
+        </p:nvPicPr>
+        <p:blipFill>
+          <a:blip r:embed="rId7"/>
+          <a:stretch>
+            <a:fillRect/>
+          </a:stretch>
+        </p:blipFill>
+        <p:spPr>
+          <a:xfrm>
+            <a:off x="4284601" y="4831619"/>
+            <a:ext cx="4005129" cy="1396722"/>
+          </a:xfrm>
+          <a:prstGeom prst="rect">
+            <a:avLst/>
+          </a:prstGeom>
+        </p:spPr>
+      </p:pic>
+      <p:pic>
+        <p:nvPicPr>
+          <p:cNvPr id="9" name="图片 8">
+            <a:extLst>
+              <a:ext uri="{FF2B5EF4-FFF2-40B4-BE49-F238E27FC236}">
+                <a16:creationId xmlns:a16="http://schemas.microsoft.com/office/drawing/2014/main" id="{5F76CC14-A41E-4A24-BA14-D4C6C95C06B0}"/>
+              </a:ext>
+            </a:extLst>
+          </p:cNvPr>
+          <p:cNvPicPr>
+            <a:picLocks noChangeAspect="1"/>
+          </p:cNvPicPr>
+          <p:nvPr/>
+        </p:nvPicPr>
+        <p:blipFill>
+          <a:blip r:embed="rId8"/>
+          <a:stretch>
+            <a:fillRect/>
+          </a:stretch>
+        </p:blipFill>
+        <p:spPr>
+          <a:xfrm>
+            <a:off x="8590284" y="4434617"/>
+            <a:ext cx="4198668" cy="2667144"/>
+          </a:xfrm>
+          <a:prstGeom prst="rect">
+            <a:avLst/>
+          </a:prstGeom>
+        </p:spPr>
+      </p:pic>
+      <p:pic>
+        <p:nvPicPr>
+          <p:cNvPr id="10" name="图片 9">
+            <a:extLst>
+              <a:ext uri="{FF2B5EF4-FFF2-40B4-BE49-F238E27FC236}">
+                <a16:creationId xmlns:a16="http://schemas.microsoft.com/office/drawing/2014/main" id="{69E27CB0-E019-4FA9-80A3-86643FCF2574}"/>
+              </a:ext>
+            </a:extLst>
+          </p:cNvPr>
+          <p:cNvPicPr>
+            <a:picLocks noChangeAspect="1"/>
+          </p:cNvPicPr>
+          <p:nvPr/>
+        </p:nvPicPr>
+        <p:blipFill>
+          <a:blip r:embed="rId9"/>
+          <a:stretch>
+            <a:fillRect/>
+          </a:stretch>
+        </p:blipFill>
+        <p:spPr>
+          <a:xfrm>
+            <a:off x="4207134" y="3453033"/>
+            <a:ext cx="5800725" cy="909638"/>
+          </a:xfrm>
+          <a:prstGeom prst="rect">
+            <a:avLst/>
+          </a:prstGeom>
+        </p:spPr>
+      </p:pic>
     </p:spTree>
     <p:extLst>
       <p:ext uri="{BB962C8B-B14F-4D97-AF65-F5344CB8AC3E}">
-        <p14:creationId xmlns:p14="http://schemas.microsoft.com/office/powerpoint/2010/main" val="15235958"/>
+        <p14:creationId xmlns:p14="http://schemas.microsoft.com/office/powerpoint/2010/main" val="2035756957"/>
       </p:ext>
     </p:extLst>
   </p:cSld>
@@ -3285,6 +4099,667 @@
 </file>
 
 <file path=ppt/slides/slide13.xml><?xml version="1.0" encoding="utf-8"?>
+<p:sld xmlns:a="http://schemas.openxmlformats.org/drawingml/2006/main" xmlns:r="http://schemas.openxmlformats.org/officeDocument/2006/relationships" xmlns:p="http://schemas.openxmlformats.org/presentationml/2006/main">
+  <p:cSld>
+    <p:spTree>
+      <p:nvGrpSpPr>
+        <p:cNvPr id="1" name=""/>
+        <p:cNvGrpSpPr/>
+        <p:nvPr/>
+      </p:nvGrpSpPr>
+      <p:grpSpPr>
+        <a:xfrm>
+          <a:off x="0" y="0"/>
+          <a:ext cx="0" cy="0"/>
+          <a:chOff x="0" y="0"/>
+          <a:chExt cx="0" cy="0"/>
+        </a:xfrm>
+      </p:grpSpPr>
+      <p:sp>
+        <p:nvSpPr>
+          <p:cNvPr id="2" name="标题 1">
+            <a:extLst>
+              <a:ext uri="{FF2B5EF4-FFF2-40B4-BE49-F238E27FC236}">
+                <a16:creationId xmlns:a16="http://schemas.microsoft.com/office/drawing/2014/main" id="{D93DF63E-059E-48D9-AA6F-27D284150D9E}"/>
+              </a:ext>
+            </a:extLst>
+          </p:cNvPr>
+          <p:cNvSpPr>
+            <a:spLocks noGrp="1"/>
+          </p:cNvSpPr>
+          <p:nvPr>
+            <p:ph type="title"/>
+          </p:nvPr>
+        </p:nvSpPr>
+        <p:spPr/>
+        <p:txBody>
+          <a:bodyPr/>
+          <a:lstStyle/>
+          <a:p>
+            <a:r>
+              <a:rPr lang="en-US" altLang="zh-CN" b="1" dirty="0"/>
+              <a:t>Light Culling</a:t>
+            </a:r>
+            <a:endParaRPr lang="zh-CN" altLang="en-US" dirty="0"/>
+          </a:p>
+        </p:txBody>
+      </p:sp>
+      <p:sp>
+        <p:nvSpPr>
+          <p:cNvPr id="3" name="内容占位符 2">
+            <a:extLst>
+              <a:ext uri="{FF2B5EF4-FFF2-40B4-BE49-F238E27FC236}">
+                <a16:creationId xmlns:a16="http://schemas.microsoft.com/office/drawing/2014/main" id="{46FEE71C-180C-409A-89FD-CE1FA7AB2520}"/>
+              </a:ext>
+            </a:extLst>
+          </p:cNvPr>
+          <p:cNvSpPr>
+            <a:spLocks noGrp="1"/>
+          </p:cNvSpPr>
+          <p:nvPr>
+            <p:ph idx="1"/>
+          </p:nvPr>
+        </p:nvSpPr>
+        <p:spPr/>
+        <p:txBody>
+          <a:bodyPr/>
+          <a:lstStyle/>
+          <a:p>
+            <a:r>
+              <a:rPr lang="zh-CN" altLang="en-US" dirty="0"/>
+              <a:t>结果怎么放</a:t>
+            </a:r>
+            <a:endParaRPr lang="en-US" altLang="zh-CN" dirty="0"/>
+          </a:p>
+          <a:p>
+            <a:pPr lvl="1"/>
+            <a:r>
+              <a:rPr lang="en-US" altLang="zh-CN" dirty="0"/>
+              <a:t>Light Grid </a:t>
+            </a:r>
+            <a:r>
+              <a:rPr lang="en-US" altLang="zh-CN" dirty="0">
+                <a:sym typeface="Wingdings" panose="05000000000000000000" pitchFamily="2" charset="2"/>
+              </a:rPr>
+              <a:t> Tile</a:t>
+            </a:r>
+            <a:endParaRPr lang="zh-CN" altLang="en-US" dirty="0"/>
+          </a:p>
+        </p:txBody>
+      </p:sp>
+      <p:pic>
+        <p:nvPicPr>
+          <p:cNvPr id="3074" name="Picture 2" descr="Light List Data Structure">
+            <a:extLst>
+              <a:ext uri="{FF2B5EF4-FFF2-40B4-BE49-F238E27FC236}">
+                <a16:creationId xmlns:a16="http://schemas.microsoft.com/office/drawing/2014/main" id="{CD8F4C88-026F-423F-98BE-CF06738FD83B}"/>
+              </a:ext>
+            </a:extLst>
+          </p:cNvPr>
+          <p:cNvPicPr>
+            <a:picLocks noChangeAspect="1" noChangeArrowheads="1"/>
+          </p:cNvPicPr>
+          <p:nvPr/>
+        </p:nvPicPr>
+        <p:blipFill>
+          <a:blip r:embed="rId2">
+            <a:extLst>
+              <a:ext uri="{28A0092B-C50C-407E-A947-70E740481C1C}">
+                <a14:useLocalDpi xmlns:a14="http://schemas.microsoft.com/office/drawing/2010/main" val="0"/>
+              </a:ext>
+            </a:extLst>
+          </a:blip>
+          <a:srcRect/>
+          <a:stretch>
+            <a:fillRect/>
+          </a:stretch>
+        </p:blipFill>
+        <p:spPr bwMode="auto">
+          <a:xfrm>
+            <a:off x="4428954" y="1325461"/>
+            <a:ext cx="6526253" cy="5167414"/>
+          </a:xfrm>
+          <a:prstGeom prst="rect">
+            <a:avLst/>
+          </a:prstGeom>
+          <a:noFill/>
+          <a:extLst>
+            <a:ext uri="{909E8E84-426E-40DD-AFC4-6F175D3DCCD1}">
+              <a14:hiddenFill xmlns:a14="http://schemas.microsoft.com/office/drawing/2010/main">
+                <a:solidFill>
+                  <a:srgbClr val="FFFFFF"/>
+                </a:solidFill>
+              </a14:hiddenFill>
+            </a:ext>
+          </a:extLst>
+        </p:spPr>
+      </p:pic>
+    </p:spTree>
+    <p:extLst>
+      <p:ext uri="{BB962C8B-B14F-4D97-AF65-F5344CB8AC3E}">
+        <p14:creationId xmlns:p14="http://schemas.microsoft.com/office/powerpoint/2010/main" val="2662684276"/>
+      </p:ext>
+    </p:extLst>
+  </p:cSld>
+  <p:clrMapOvr>
+    <a:masterClrMapping/>
+  </p:clrMapOvr>
+</p:sld>
+</file>
+
+<file path=ppt/slides/slide14.xml><?xml version="1.0" encoding="utf-8"?>
+<p:sld xmlns:a="http://schemas.openxmlformats.org/drawingml/2006/main" xmlns:r="http://schemas.openxmlformats.org/officeDocument/2006/relationships" xmlns:p="http://schemas.openxmlformats.org/presentationml/2006/main">
+  <p:cSld>
+    <p:spTree>
+      <p:nvGrpSpPr>
+        <p:cNvPr id="1" name=""/>
+        <p:cNvGrpSpPr/>
+        <p:nvPr/>
+      </p:nvGrpSpPr>
+      <p:grpSpPr>
+        <a:xfrm>
+          <a:off x="0" y="0"/>
+          <a:ext cx="0" cy="0"/>
+          <a:chOff x="0" y="0"/>
+          <a:chExt cx="0" cy="0"/>
+        </a:xfrm>
+      </p:grpSpPr>
+      <p:sp>
+        <p:nvSpPr>
+          <p:cNvPr id="2" name="标题 1">
+            <a:extLst>
+              <a:ext uri="{FF2B5EF4-FFF2-40B4-BE49-F238E27FC236}">
+                <a16:creationId xmlns:a16="http://schemas.microsoft.com/office/drawing/2014/main" id="{FF50BFB2-C3A1-48E8-BD15-B15BE0DF42DD}"/>
+              </a:ext>
+            </a:extLst>
+          </p:cNvPr>
+          <p:cNvSpPr>
+            <a:spLocks noGrp="1"/>
+          </p:cNvSpPr>
+          <p:nvPr>
+            <p:ph type="title"/>
+          </p:nvPr>
+        </p:nvSpPr>
+        <p:spPr/>
+        <p:txBody>
+          <a:bodyPr/>
+          <a:lstStyle/>
+          <a:p>
+            <a:r>
+              <a:rPr lang="en-US" altLang="zh-CN" b="1" dirty="0"/>
+              <a:t>Light Culling</a:t>
+            </a:r>
+            <a:endParaRPr lang="zh-CN" altLang="en-US" dirty="0"/>
+          </a:p>
+        </p:txBody>
+      </p:sp>
+      <p:sp>
+        <p:nvSpPr>
+          <p:cNvPr id="3" name="内容占位符 2">
+            <a:extLst>
+              <a:ext uri="{FF2B5EF4-FFF2-40B4-BE49-F238E27FC236}">
+                <a16:creationId xmlns:a16="http://schemas.microsoft.com/office/drawing/2014/main" id="{C3E28F13-38A0-41B4-A624-E94C74CF0155}"/>
+              </a:ext>
+            </a:extLst>
+          </p:cNvPr>
+          <p:cNvSpPr>
+            <a:spLocks noGrp="1"/>
+          </p:cNvSpPr>
+          <p:nvPr>
+            <p:ph idx="1"/>
+          </p:nvPr>
+        </p:nvSpPr>
+        <p:spPr/>
+        <p:txBody>
+          <a:bodyPr/>
+          <a:lstStyle/>
+          <a:p>
+            <a:r>
+              <a:rPr lang="en-US" altLang="zh-CN" dirty="0" err="1"/>
+              <a:t>LightCulling.compute</a:t>
+            </a:r>
+            <a:endParaRPr lang="en-US" altLang="zh-CN" dirty="0"/>
+          </a:p>
+          <a:p>
+            <a:r>
+              <a:rPr lang="zh-CN" altLang="en-US" dirty="0"/>
+              <a:t>对应关系</a:t>
+            </a:r>
+            <a:endParaRPr lang="en-US" altLang="zh-CN" dirty="0"/>
+          </a:p>
+          <a:p>
+            <a:pPr lvl="1"/>
+            <a:r>
+              <a:rPr lang="zh-CN" altLang="en-US" dirty="0"/>
+              <a:t>一个</a:t>
+            </a:r>
+            <a:r>
+              <a:rPr lang="en-US" altLang="zh-CN" dirty="0"/>
+              <a:t>Group =&gt; </a:t>
+            </a:r>
+            <a:r>
+              <a:rPr lang="zh-CN" altLang="en-US" dirty="0"/>
+              <a:t>一个</a:t>
+            </a:r>
+            <a:r>
+              <a:rPr lang="en-US" altLang="zh-CN" dirty="0"/>
+              <a:t>Tile</a:t>
+            </a:r>
+          </a:p>
+          <a:p>
+            <a:pPr lvl="2"/>
+            <a:r>
+              <a:rPr lang="en-US" altLang="zh-CN" dirty="0"/>
+              <a:t>Group</a:t>
+            </a:r>
+            <a:r>
+              <a:rPr lang="zh-CN" altLang="en-US" dirty="0"/>
+              <a:t>内有</a:t>
+            </a:r>
+            <a:r>
+              <a:rPr lang="en-US" altLang="zh-CN" dirty="0" err="1"/>
+              <a:t>groupshared</a:t>
+            </a:r>
+            <a:r>
+              <a:rPr lang="zh-CN" altLang="en-US" dirty="0"/>
+              <a:t>变量</a:t>
+            </a:r>
+            <a:r>
+              <a:rPr lang="en-US" altLang="zh-CN" dirty="0"/>
+              <a:t>(</a:t>
+            </a:r>
+            <a:r>
+              <a:rPr lang="zh-CN" altLang="en-US" dirty="0"/>
+              <a:t>如</a:t>
+            </a:r>
+            <a:r>
+              <a:rPr lang="en-US" altLang="zh-CN" dirty="0" err="1"/>
+              <a:t>GroupFrustum</a:t>
+            </a:r>
+            <a:r>
+              <a:rPr lang="zh-CN" altLang="en-US" dirty="0"/>
+              <a:t>）</a:t>
+            </a:r>
+            <a:endParaRPr lang="en-US" altLang="zh-CN" dirty="0"/>
+          </a:p>
+          <a:p>
+            <a:pPr lvl="2"/>
+            <a:r>
+              <a:rPr lang="zh-CN" altLang="en-US" dirty="0"/>
+              <a:t>还可同步</a:t>
+            </a:r>
+            <a:r>
+              <a:rPr lang="en-US" altLang="zh-CN" dirty="0" err="1"/>
+              <a:t>GroupMemoryBarrierWithGroupSync</a:t>
+            </a:r>
+            <a:r>
+              <a:rPr lang="en-US" altLang="zh-CN" dirty="0"/>
+              <a:t>()</a:t>
+            </a:r>
+          </a:p>
+          <a:p>
+            <a:pPr lvl="1"/>
+            <a:r>
+              <a:rPr lang="zh-CN" altLang="en-US" dirty="0"/>
+              <a:t>一个</a:t>
+            </a:r>
+            <a:r>
+              <a:rPr lang="en-US" altLang="zh-CN" dirty="0"/>
+              <a:t>Thread</a:t>
+            </a:r>
+          </a:p>
+          <a:p>
+            <a:pPr lvl="2"/>
+            <a:r>
+              <a:rPr lang="zh-CN" altLang="en-US" dirty="0"/>
+              <a:t>算深度时，</a:t>
+            </a:r>
+            <a:r>
+              <a:rPr lang="en-US" altLang="zh-CN" dirty="0"/>
+              <a:t>Tile</a:t>
+            </a:r>
+            <a:r>
+              <a:rPr lang="zh-CN" altLang="en-US" dirty="0"/>
+              <a:t>的各个像素</a:t>
+            </a:r>
+            <a:endParaRPr lang="en-US" altLang="zh-CN" dirty="0"/>
+          </a:p>
+          <a:p>
+            <a:pPr lvl="2"/>
+            <a:r>
+              <a:rPr lang="zh-CN" altLang="en-US" dirty="0"/>
+              <a:t>算</a:t>
+            </a:r>
+            <a:r>
+              <a:rPr lang="en-US" altLang="zh-CN" dirty="0"/>
+              <a:t>Light Culling</a:t>
+            </a:r>
+            <a:r>
+              <a:rPr lang="zh-CN" altLang="en-US" dirty="0"/>
+              <a:t>时，对应一个光源</a:t>
+            </a:r>
+            <a:endParaRPr lang="en-US" altLang="zh-CN" dirty="0"/>
+          </a:p>
+          <a:p>
+            <a:pPr lvl="3"/>
+            <a:r>
+              <a:rPr lang="zh-CN" altLang="en-US" dirty="0"/>
+              <a:t>并行计算</a:t>
+            </a:r>
+            <a:endParaRPr lang="en-US" altLang="zh-CN" dirty="0"/>
+          </a:p>
+          <a:p>
+            <a:pPr lvl="2"/>
+            <a:endParaRPr lang="en-US" altLang="zh-CN" dirty="0"/>
+          </a:p>
+          <a:p>
+            <a:pPr lvl="1"/>
+            <a:endParaRPr lang="zh-CN" altLang="en-US" dirty="0"/>
+          </a:p>
+        </p:txBody>
+      </p:sp>
+      <p:pic>
+        <p:nvPicPr>
+          <p:cNvPr id="5" name="图片 4">
+            <a:extLst>
+              <a:ext uri="{FF2B5EF4-FFF2-40B4-BE49-F238E27FC236}">
+                <a16:creationId xmlns:a16="http://schemas.microsoft.com/office/drawing/2014/main" id="{366CFAC0-8881-482E-B4E7-46340CF2E7C9}"/>
+              </a:ext>
+            </a:extLst>
+          </p:cNvPr>
+          <p:cNvPicPr>
+            <a:picLocks noChangeAspect="1"/>
+          </p:cNvPicPr>
+          <p:nvPr/>
+        </p:nvPicPr>
+        <p:blipFill>
+          <a:blip r:embed="rId2"/>
+          <a:stretch>
+            <a:fillRect/>
+          </a:stretch>
+        </p:blipFill>
+        <p:spPr>
+          <a:xfrm>
+            <a:off x="7340367" y="4174137"/>
+            <a:ext cx="3922902" cy="1305665"/>
+          </a:xfrm>
+          <a:prstGeom prst="rect">
+            <a:avLst/>
+          </a:prstGeom>
+        </p:spPr>
+      </p:pic>
+    </p:spTree>
+    <p:extLst>
+      <p:ext uri="{BB962C8B-B14F-4D97-AF65-F5344CB8AC3E}">
+        <p14:creationId xmlns:p14="http://schemas.microsoft.com/office/powerpoint/2010/main" val="3174941821"/>
+      </p:ext>
+    </p:extLst>
+  </p:cSld>
+  <p:clrMapOvr>
+    <a:masterClrMapping/>
+  </p:clrMapOvr>
+</p:sld>
+</file>
+
+<file path=ppt/slides/slide15.xml><?xml version="1.0" encoding="utf-8"?>
+<p:sld xmlns:a="http://schemas.openxmlformats.org/drawingml/2006/main" xmlns:r="http://schemas.openxmlformats.org/officeDocument/2006/relationships" xmlns:p="http://schemas.openxmlformats.org/presentationml/2006/main">
+  <p:cSld>
+    <p:spTree>
+      <p:nvGrpSpPr>
+        <p:cNvPr id="1" name=""/>
+        <p:cNvGrpSpPr/>
+        <p:nvPr/>
+      </p:nvGrpSpPr>
+      <p:grpSpPr>
+        <a:xfrm>
+          <a:off x="0" y="0"/>
+          <a:ext cx="0" cy="0"/>
+          <a:chOff x="0" y="0"/>
+          <a:chExt cx="0" cy="0"/>
+        </a:xfrm>
+      </p:grpSpPr>
+      <p:sp>
+        <p:nvSpPr>
+          <p:cNvPr id="2" name="标题 1">
+            <a:extLst>
+              <a:ext uri="{FF2B5EF4-FFF2-40B4-BE49-F238E27FC236}">
+                <a16:creationId xmlns:a16="http://schemas.microsoft.com/office/drawing/2014/main" id="{FCA36F5C-F69F-4A2B-BBD7-E8C4DA602BB5}"/>
+              </a:ext>
+            </a:extLst>
+          </p:cNvPr>
+          <p:cNvSpPr>
+            <a:spLocks noGrp="1"/>
+          </p:cNvSpPr>
+          <p:nvPr>
+            <p:ph type="title"/>
+          </p:nvPr>
+        </p:nvSpPr>
+        <p:spPr/>
+        <p:txBody>
+          <a:bodyPr/>
+          <a:lstStyle/>
+          <a:p>
+            <a:r>
+              <a:rPr lang="en-US" altLang="zh-CN" b="1" dirty="0"/>
+              <a:t>Final Shading</a:t>
+            </a:r>
+            <a:endParaRPr lang="zh-CN" altLang="en-US" dirty="0"/>
+          </a:p>
+        </p:txBody>
+      </p:sp>
+      <p:sp>
+        <p:nvSpPr>
+          <p:cNvPr id="3" name="内容占位符 2">
+            <a:extLst>
+              <a:ext uri="{FF2B5EF4-FFF2-40B4-BE49-F238E27FC236}">
+                <a16:creationId xmlns:a16="http://schemas.microsoft.com/office/drawing/2014/main" id="{580C1ED9-5D7A-4B6F-B05B-22C8567818C6}"/>
+              </a:ext>
+            </a:extLst>
+          </p:cNvPr>
+          <p:cNvSpPr>
+            <a:spLocks noGrp="1"/>
+          </p:cNvSpPr>
+          <p:nvPr>
+            <p:ph idx="1"/>
+          </p:nvPr>
+        </p:nvSpPr>
+        <p:spPr/>
+        <p:txBody>
+          <a:bodyPr/>
+          <a:lstStyle/>
+          <a:p>
+            <a:r>
+              <a:rPr lang="zh-CN" altLang="en-US" dirty="0"/>
+              <a:t>渲染</a:t>
+            </a:r>
+            <a:endParaRPr lang="en-US" altLang="zh-CN" dirty="0"/>
+          </a:p>
+          <a:p>
+            <a:pPr lvl="1"/>
+            <a:r>
+              <a:rPr lang="zh-CN" altLang="en-US" dirty="0"/>
+              <a:t>算出当前像素的</a:t>
+            </a:r>
+            <a:r>
+              <a:rPr lang="en-US" altLang="zh-CN" dirty="0"/>
+              <a:t>Tile</a:t>
+            </a:r>
+            <a:r>
+              <a:rPr lang="zh-CN" altLang="en-US" dirty="0"/>
+              <a:t>，读取光源的</a:t>
+            </a:r>
+            <a:r>
+              <a:rPr lang="en-US" altLang="zh-CN" dirty="0"/>
+              <a:t>Offset</a:t>
+            </a:r>
+            <a:r>
+              <a:rPr lang="zh-CN" altLang="en-US" dirty="0"/>
+              <a:t>和</a:t>
+            </a:r>
+            <a:r>
+              <a:rPr lang="en-US" altLang="zh-CN" dirty="0"/>
+              <a:t>Count</a:t>
+            </a:r>
+          </a:p>
+          <a:p>
+            <a:pPr lvl="1"/>
+            <a:r>
+              <a:rPr lang="zh-CN" altLang="en-US" dirty="0"/>
+              <a:t>遍历</a:t>
+            </a:r>
+            <a:r>
+              <a:rPr lang="en-US" altLang="zh-CN" dirty="0"/>
+              <a:t>Count</a:t>
+            </a:r>
+            <a:r>
+              <a:rPr lang="zh-CN" altLang="en-US" dirty="0"/>
+              <a:t>个光源做光照计算</a:t>
+            </a:r>
+            <a:endParaRPr lang="en-US" altLang="zh-CN" dirty="0"/>
+          </a:p>
+          <a:p>
+            <a:pPr lvl="1"/>
+            <a:endParaRPr lang="zh-CN" altLang="en-US" dirty="0"/>
+          </a:p>
+        </p:txBody>
+      </p:sp>
+      <p:pic>
+        <p:nvPicPr>
+          <p:cNvPr id="4" name="图片 3">
+            <a:extLst>
+              <a:ext uri="{FF2B5EF4-FFF2-40B4-BE49-F238E27FC236}">
+                <a16:creationId xmlns:a16="http://schemas.microsoft.com/office/drawing/2014/main" id="{F5EE7DD0-8394-4010-82D5-8FED7F90EE66}"/>
+              </a:ext>
+            </a:extLst>
+          </p:cNvPr>
+          <p:cNvPicPr>
+            <a:picLocks noChangeAspect="1"/>
+          </p:cNvPicPr>
+          <p:nvPr/>
+        </p:nvPicPr>
+        <p:blipFill>
+          <a:blip r:embed="rId2"/>
+          <a:stretch>
+            <a:fillRect/>
+          </a:stretch>
+        </p:blipFill>
+        <p:spPr>
+          <a:xfrm>
+            <a:off x="5648467" y="3179428"/>
+            <a:ext cx="6229208" cy="3473784"/>
+          </a:xfrm>
+          <a:prstGeom prst="rect">
+            <a:avLst/>
+          </a:prstGeom>
+        </p:spPr>
+      </p:pic>
+    </p:spTree>
+    <p:extLst>
+      <p:ext uri="{BB962C8B-B14F-4D97-AF65-F5344CB8AC3E}">
+        <p14:creationId xmlns:p14="http://schemas.microsoft.com/office/powerpoint/2010/main" val="2600570354"/>
+      </p:ext>
+    </p:extLst>
+  </p:cSld>
+  <p:clrMapOvr>
+    <a:masterClrMapping/>
+  </p:clrMapOvr>
+</p:sld>
+</file>
+
+<file path=ppt/slides/slide16.xml><?xml version="1.0" encoding="utf-8"?>
+<p:sld xmlns:a="http://schemas.openxmlformats.org/drawingml/2006/main" xmlns:r="http://schemas.openxmlformats.org/officeDocument/2006/relationships" xmlns:p="http://schemas.openxmlformats.org/presentationml/2006/main">
+  <p:cSld>
+    <p:spTree>
+      <p:nvGrpSpPr>
+        <p:cNvPr id="1" name=""/>
+        <p:cNvGrpSpPr/>
+        <p:nvPr/>
+      </p:nvGrpSpPr>
+      <p:grpSpPr>
+        <a:xfrm>
+          <a:off x="0" y="0"/>
+          <a:ext cx="0" cy="0"/>
+          <a:chOff x="0" y="0"/>
+          <a:chExt cx="0" cy="0"/>
+        </a:xfrm>
+      </p:grpSpPr>
+      <p:sp>
+        <p:nvSpPr>
+          <p:cNvPr id="2" name="标题 1">
+            <a:extLst>
+              <a:ext uri="{FF2B5EF4-FFF2-40B4-BE49-F238E27FC236}">
+                <a16:creationId xmlns:a16="http://schemas.microsoft.com/office/drawing/2014/main" id="{3BAF124D-66A1-49D5-A222-23AF05736141}"/>
+              </a:ext>
+            </a:extLst>
+          </p:cNvPr>
+          <p:cNvSpPr>
+            <a:spLocks noGrp="1"/>
+          </p:cNvSpPr>
+          <p:nvPr>
+            <p:ph type="title"/>
+          </p:nvPr>
+        </p:nvSpPr>
+        <p:spPr/>
+        <p:txBody>
+          <a:bodyPr/>
+          <a:lstStyle/>
+          <a:p>
+            <a:r>
+              <a:rPr lang="zh-CN" altLang="en-US" dirty="0"/>
+              <a:t>对比</a:t>
+            </a:r>
+          </a:p>
+        </p:txBody>
+      </p:sp>
+      <p:sp>
+        <p:nvSpPr>
+          <p:cNvPr id="3" name="内容占位符 2">
+            <a:extLst>
+              <a:ext uri="{FF2B5EF4-FFF2-40B4-BE49-F238E27FC236}">
+                <a16:creationId xmlns:a16="http://schemas.microsoft.com/office/drawing/2014/main" id="{5BA4CCF4-2E3F-4C0A-958F-23354D1EA89D}"/>
+              </a:ext>
+            </a:extLst>
+          </p:cNvPr>
+          <p:cNvSpPr>
+            <a:spLocks noGrp="1"/>
+          </p:cNvSpPr>
+          <p:nvPr>
+            <p:ph idx="1"/>
+          </p:nvPr>
+        </p:nvSpPr>
+        <p:spPr/>
+        <p:txBody>
+          <a:bodyPr/>
+          <a:lstStyle/>
+          <a:p>
+            <a:r>
+              <a:rPr lang="en-US" altLang="zh-CN" dirty="0"/>
+              <a:t>Large lights with a range of 35-40 units</a:t>
+            </a:r>
+          </a:p>
+          <a:p>
+            <a:r>
+              <a:rPr lang="en-US" altLang="zh-CN" dirty="0"/>
+              <a:t>Small lights with a range of 1-2 units</a:t>
+            </a:r>
+            <a:endParaRPr lang="zh-CN" altLang="en-US" dirty="0"/>
+          </a:p>
+        </p:txBody>
+      </p:sp>
+    </p:spTree>
+    <p:extLst>
+      <p:ext uri="{BB962C8B-B14F-4D97-AF65-F5344CB8AC3E}">
+        <p14:creationId xmlns:p14="http://schemas.microsoft.com/office/powerpoint/2010/main" val="4071073254"/>
+      </p:ext>
+    </p:extLst>
+  </p:cSld>
+  <p:clrMapOvr>
+    <a:masterClrMapping/>
+  </p:clrMapOvr>
+</p:sld>
+</file>
+
+<file path=ppt/slides/slide17.xml><?xml version="1.0" encoding="utf-8"?>
 <p:sld xmlns:a="http://schemas.openxmlformats.org/drawingml/2006/main" xmlns:r="http://schemas.openxmlformats.org/officeDocument/2006/relationships" xmlns:p="http://schemas.openxmlformats.org/presentationml/2006/main">
   <p:cSld>
     <p:spTree>
@@ -3437,7 +4912,7 @@
           <a:p>
             <a:r>
               <a:rPr lang="zh-CN" altLang="en-US" dirty="0"/>
-              <a:t>核心问题：如何处理多个光源？</a:t>
+              <a:t>如何处理多个光源？</a:t>
             </a:r>
           </a:p>
         </p:txBody>
@@ -5023,24 +6498,8 @@
           <a:p>
             <a:pPr lvl="1"/>
             <a:r>
-              <a:rPr lang="en-US" altLang="zh-CN" dirty="0"/>
-              <a:t>TODO </a:t>
-            </a:r>
-            <a:r>
-              <a:rPr lang="zh-CN" altLang="en-US" dirty="0"/>
-              <a:t>移到后面具体实现</a:t>
-            </a:r>
-            <a:endParaRPr lang="en-US" altLang="zh-CN"/>
-          </a:p>
-          <a:p>
-            <a:pPr lvl="1"/>
-            <a:r>
-              <a:rPr lang="zh-CN" altLang="en-US"/>
-              <a:t>那么</a:t>
-            </a:r>
-            <a:r>
-              <a:rPr lang="zh-CN" altLang="en-US" dirty="0"/>
-              <a:t>三点可以确定一个平面</a:t>
+              <a:rPr lang="zh-CN" altLang="en-US" dirty="0"/>
+              <a:t>那么三点可以确定一个平面</a:t>
             </a:r>
             <a:r>
               <a:rPr lang="en-US" altLang="zh-CN" dirty="0"/>
@@ -5402,10 +6861,17 @@
           <a:lstStyle/>
           <a:p>
             <a:r>
-              <a:rPr lang="en-US" altLang="zh-CN" b="1" dirty="0"/>
-              <a:t>Light Culling</a:t>
-            </a:r>
-            <a:endParaRPr lang="zh-CN" altLang="en-US" dirty="0"/>
+              <a:rPr lang="zh-CN" altLang="en-US" dirty="0"/>
+              <a:t>如何求</a:t>
+            </a:r>
+            <a:r>
+              <a:rPr lang="en-US" altLang="zh-CN" dirty="0"/>
+              <a:t>Tile Frustum</a:t>
+            </a:r>
+            <a:r>
+              <a:rPr lang="zh-CN" altLang="en-US" dirty="0"/>
+              <a:t>？</a:t>
+            </a:r>
           </a:p>
         </p:txBody>
       </p:sp>
@@ -5432,17 +6898,12 @@
           <a:p>
             <a:r>
               <a:rPr lang="zh-CN" altLang="en-US" dirty="0"/>
-              <a:t>计算</a:t>
-            </a:r>
-            <a:r>
-              <a:rPr lang="en-US" altLang="zh-CN" dirty="0"/>
-              <a:t>Tile Frustum</a:t>
-            </a:r>
-            <a:r>
-              <a:rPr lang="zh-CN" altLang="en-US" dirty="0"/>
-              <a:t>的前后裁剪平面</a:t>
-            </a:r>
-            <a:endParaRPr lang="en-US" altLang="zh-CN" dirty="0"/>
+              <a:t>前后</a:t>
+            </a:r>
+            <a:r>
+              <a:rPr lang="en-US" altLang="zh-CN" dirty="0"/>
+              <a:t>Plane</a:t>
+            </a:r>
           </a:p>
           <a:p>
             <a:pPr lvl="1"/>
@@ -5487,16 +6948,8 @@
                   <a:schemeClr val="accent1"/>
                 </a:solidFill>
               </a:rPr>
-              <a:t>蓝色是物体</a:t>
-            </a:r>
-            <a:endParaRPr lang="en-US" altLang="zh-CN" dirty="0">
-              <a:solidFill>
-                <a:schemeClr val="accent1"/>
-              </a:solidFill>
-            </a:endParaRPr>
-          </a:p>
-          <a:p>
-            <a:pPr lvl="1"/>
+              <a:t>蓝色是物体；</a:t>
+            </a:r>
             <a:r>
               <a:rPr lang="zh-CN" altLang="en-US" dirty="0">
                 <a:solidFill>
@@ -5505,6 +6958,62 @@
               </a:rPr>
               <a:t>黄色是光源</a:t>
             </a:r>
+            <a:endParaRPr lang="en-US" altLang="zh-CN" dirty="0">
+              <a:solidFill>
+                <a:schemeClr val="accent4"/>
+              </a:solidFill>
+            </a:endParaRPr>
+          </a:p>
+          <a:p>
+            <a:pPr lvl="1"/>
+            <a:r>
+              <a:rPr lang="zh-CN" altLang="en-US" dirty="0"/>
+              <a:t>可以放在</a:t>
+            </a:r>
+            <a:r>
+              <a:rPr lang="en-US" altLang="zh-CN" dirty="0" err="1"/>
+              <a:t>LightCulling</a:t>
+            </a:r>
+            <a:r>
+              <a:rPr lang="zh-CN" altLang="en-US" dirty="0"/>
+              <a:t>步骤一起算</a:t>
+            </a:r>
+            <a:endParaRPr lang="en-US" altLang="zh-CN" dirty="0"/>
+          </a:p>
+          <a:p>
+            <a:r>
+              <a:rPr lang="zh-CN" altLang="en-US" dirty="0"/>
+              <a:t>实现</a:t>
+            </a:r>
+            <a:endParaRPr lang="en-US" altLang="zh-CN" dirty="0"/>
+          </a:p>
+          <a:p>
+            <a:pPr lvl="1"/>
+            <a:r>
+              <a:rPr lang="en-US" altLang="zh-CN" dirty="0" err="1"/>
+              <a:t>precomputeFrustums.compute</a:t>
+            </a:r>
+            <a:endParaRPr lang="en-US" altLang="zh-CN" dirty="0"/>
+          </a:p>
+          <a:p>
+            <a:pPr lvl="1"/>
+            <a:r>
+              <a:rPr lang="en-US" altLang="zh-CN" dirty="0"/>
+              <a:t>Dispatch (x, y, z) </a:t>
+            </a:r>
+            <a:r>
+              <a:rPr lang="zh-CN" altLang="en-US" dirty="0"/>
+              <a:t>與 </a:t>
+            </a:r>
+            <a:r>
+              <a:rPr lang="en-US" altLang="zh-CN" dirty="0" err="1"/>
+              <a:t>numthreads</a:t>
+            </a:r>
+            <a:r>
+              <a:rPr lang="en-US" altLang="zh-CN" dirty="0"/>
+              <a:t> (x, y, z)</a:t>
+            </a:r>
+            <a:endParaRPr lang="zh-CN" altLang="en-US" dirty="0"/>
           </a:p>
         </p:txBody>
       </p:sp>
@@ -5523,7 +7032,7 @@
           <p:nvPr/>
         </p:nvPicPr>
         <p:blipFill>
-          <a:blip r:embed="rId2">
+          <a:blip r:embed="rId2" cstate="print">
             <a:extLst>
               <a:ext uri="{28A0092B-C50C-407E-A947-70E740481C1C}">
                 <a14:useLocalDpi xmlns:a14="http://schemas.microsoft.com/office/drawing/2010/main" val="0"/>
@@ -5537,8 +7046,8 @@
         </p:blipFill>
         <p:spPr bwMode="auto">
           <a:xfrm>
-            <a:off x="6641215" y="1690688"/>
-            <a:ext cx="5550785" cy="4889762"/>
+            <a:off x="7619528" y="-58723"/>
+            <a:ext cx="3356068" cy="2956406"/>
           </a:xfrm>
           <a:prstGeom prst="rect">
             <a:avLst/>
@@ -5553,6 +7062,83 @@
               </a14:hiddenFill>
             </a:ext>
           </a:extLst>
+        </p:spPr>
+      </p:pic>
+      <p:pic>
+        <p:nvPicPr>
+          <p:cNvPr id="1028" name="Picture 4">
+            <a:extLst>
+              <a:ext uri="{FF2B5EF4-FFF2-40B4-BE49-F238E27FC236}">
+                <a16:creationId xmlns:a16="http://schemas.microsoft.com/office/drawing/2014/main" id="{593C1788-15FF-462E-A072-08F684FEE2F5}"/>
+              </a:ext>
+            </a:extLst>
+          </p:cNvPr>
+          <p:cNvPicPr>
+            <a:picLocks noChangeAspect="1" noChangeArrowheads="1"/>
+          </p:cNvPicPr>
+          <p:nvPr/>
+        </p:nvPicPr>
+        <p:blipFill>
+          <a:blip r:embed="rId3" cstate="print">
+            <a:extLst>
+              <a:ext uri="{28A0092B-C50C-407E-A947-70E740481C1C}">
+                <a14:useLocalDpi xmlns:a14="http://schemas.microsoft.com/office/drawing/2010/main" val="0"/>
+              </a:ext>
+            </a:extLst>
+          </a:blip>
+          <a:srcRect/>
+          <a:stretch>
+            <a:fillRect/>
+          </a:stretch>
+        </p:blipFill>
+        <p:spPr bwMode="auto">
+          <a:xfrm>
+            <a:off x="8395352" y="3457635"/>
+            <a:ext cx="2958448" cy="2996600"/>
+          </a:xfrm>
+          <a:prstGeom prst="rect">
+            <a:avLst/>
+          </a:prstGeom>
+          <a:noFill/>
+          <a:extLst>
+            <a:ext uri="{909E8E84-426E-40DD-AFC4-6F175D3DCCD1}">
+              <a14:hiddenFill xmlns:a14="http://schemas.microsoft.com/office/drawing/2010/main">
+                <a:solidFill>
+                  <a:srgbClr val="FFFFFF"/>
+                </a:solidFill>
+              </a14:hiddenFill>
+            </a:ext>
+          </a:extLst>
+        </p:spPr>
+      </p:pic>
+      <p:pic>
+        <p:nvPicPr>
+          <p:cNvPr id="4" name="图片 3">
+            <a:extLst>
+              <a:ext uri="{FF2B5EF4-FFF2-40B4-BE49-F238E27FC236}">
+                <a16:creationId xmlns:a16="http://schemas.microsoft.com/office/drawing/2014/main" id="{9604D3C2-561B-4635-8064-373596612A51}"/>
+              </a:ext>
+            </a:extLst>
+          </p:cNvPr>
+          <p:cNvPicPr>
+            <a:picLocks noChangeAspect="1"/>
+          </p:cNvPicPr>
+          <p:nvPr/>
+        </p:nvPicPr>
+        <p:blipFill>
+          <a:blip r:embed="rId4"/>
+          <a:stretch>
+            <a:fillRect/>
+          </a:stretch>
+        </p:blipFill>
+        <p:spPr>
+          <a:xfrm>
+            <a:off x="612355" y="5099284"/>
+            <a:ext cx="6656880" cy="1453872"/>
+          </a:xfrm>
+          <a:prstGeom prst="rect">
+            <a:avLst/>
+          </a:prstGeom>
         </p:spPr>
       </p:pic>
     </p:spTree>

--- a/ForwardPlus/Forward+梁骏图.pptx
+++ b/ForwardPlus/Forward+梁骏图.pptx
@@ -4,24 +4,35 @@
   <p:sldMasterIdLst>
     <p:sldMasterId id="2147483648" r:id="rId1"/>
   </p:sldMasterIdLst>
+  <p:notesMasterIdLst>
+    <p:notesMasterId r:id="rId27"/>
+  </p:notesMasterIdLst>
   <p:sldIdLst>
     <p:sldId id="256" r:id="rId2"/>
     <p:sldId id="257" r:id="rId3"/>
     <p:sldId id="258" r:id="rId4"/>
     <p:sldId id="260" r:id="rId5"/>
     <p:sldId id="261" r:id="rId6"/>
-    <p:sldId id="259" r:id="rId7"/>
-    <p:sldId id="262" r:id="rId8"/>
-    <p:sldId id="263" r:id="rId9"/>
-    <p:sldId id="266" r:id="rId10"/>
-    <p:sldId id="267" r:id="rId11"/>
-    <p:sldId id="270" r:id="rId12"/>
-    <p:sldId id="271" r:id="rId13"/>
-    <p:sldId id="269" r:id="rId14"/>
-    <p:sldId id="272" r:id="rId15"/>
-    <p:sldId id="273" r:id="rId16"/>
-    <p:sldId id="265" r:id="rId17"/>
-    <p:sldId id="268" r:id="rId18"/>
+    <p:sldId id="276" r:id="rId7"/>
+    <p:sldId id="259" r:id="rId8"/>
+    <p:sldId id="262" r:id="rId9"/>
+    <p:sldId id="263" r:id="rId10"/>
+    <p:sldId id="266" r:id="rId11"/>
+    <p:sldId id="274" r:id="rId12"/>
+    <p:sldId id="267" r:id="rId13"/>
+    <p:sldId id="270" r:id="rId14"/>
+    <p:sldId id="271" r:id="rId15"/>
+    <p:sldId id="269" r:id="rId16"/>
+    <p:sldId id="272" r:id="rId17"/>
+    <p:sldId id="275" r:id="rId18"/>
+    <p:sldId id="273" r:id="rId19"/>
+    <p:sldId id="265" r:id="rId20"/>
+    <p:sldId id="277" r:id="rId21"/>
+    <p:sldId id="278" r:id="rId22"/>
+    <p:sldId id="279" r:id="rId23"/>
+    <p:sldId id="268" r:id="rId24"/>
+    <p:sldId id="280" r:id="rId25"/>
+    <p:sldId id="281" r:id="rId26"/>
   </p:sldIdLst>
   <p:sldSz cx="12192000" cy="6858000"/>
   <p:notesSz cx="6858000" cy="9144000"/>
@@ -128,6 +139,1416 @@
 </p:presentation>
 </file>
 
+<file path=ppt/notesMasters/notesMaster1.xml><?xml version="1.0" encoding="utf-8"?>
+<p:notesMaster xmlns:a="http://schemas.openxmlformats.org/drawingml/2006/main" xmlns:r="http://schemas.openxmlformats.org/officeDocument/2006/relationships" xmlns:p="http://schemas.openxmlformats.org/presentationml/2006/main">
+  <p:cSld>
+    <p:bg>
+      <p:bgRef idx="1001">
+        <a:schemeClr val="bg1"/>
+      </p:bgRef>
+    </p:bg>
+    <p:spTree>
+      <p:nvGrpSpPr>
+        <p:cNvPr id="1" name=""/>
+        <p:cNvGrpSpPr/>
+        <p:nvPr/>
+      </p:nvGrpSpPr>
+      <p:grpSpPr>
+        <a:xfrm>
+          <a:off x="0" y="0"/>
+          <a:ext cx="0" cy="0"/>
+          <a:chOff x="0" y="0"/>
+          <a:chExt cx="0" cy="0"/>
+        </a:xfrm>
+      </p:grpSpPr>
+      <p:sp>
+        <p:nvSpPr>
+          <p:cNvPr id="2" name="页眉占位符 1"/>
+          <p:cNvSpPr>
+            <a:spLocks noGrp="1"/>
+          </p:cNvSpPr>
+          <p:nvPr>
+            <p:ph type="hdr" sz="quarter"/>
+          </p:nvPr>
+        </p:nvSpPr>
+        <p:spPr>
+          <a:xfrm>
+            <a:off x="0" y="0"/>
+            <a:ext cx="2971800" cy="458788"/>
+          </a:xfrm>
+          <a:prstGeom prst="rect">
+            <a:avLst/>
+          </a:prstGeom>
+        </p:spPr>
+        <p:txBody>
+          <a:bodyPr vert="horz" lIns="91440" tIns="45720" rIns="91440" bIns="45720" rtlCol="0"/>
+          <a:lstStyle>
+            <a:lvl1pPr algn="l">
+              <a:defRPr sz="1200"/>
+            </a:lvl1pPr>
+          </a:lstStyle>
+          <a:p>
+            <a:endParaRPr lang="zh-CN" altLang="en-US"/>
+          </a:p>
+        </p:txBody>
+      </p:sp>
+      <p:sp>
+        <p:nvSpPr>
+          <p:cNvPr id="3" name="日期占位符 2"/>
+          <p:cNvSpPr>
+            <a:spLocks noGrp="1"/>
+          </p:cNvSpPr>
+          <p:nvPr>
+            <p:ph type="dt" idx="1"/>
+          </p:nvPr>
+        </p:nvSpPr>
+        <p:spPr>
+          <a:xfrm>
+            <a:off x="3884613" y="0"/>
+            <a:ext cx="2971800" cy="458788"/>
+          </a:xfrm>
+          <a:prstGeom prst="rect">
+            <a:avLst/>
+          </a:prstGeom>
+        </p:spPr>
+        <p:txBody>
+          <a:bodyPr vert="horz" lIns="91440" tIns="45720" rIns="91440" bIns="45720" rtlCol="0"/>
+          <a:lstStyle>
+            <a:lvl1pPr algn="r">
+              <a:defRPr sz="1200"/>
+            </a:lvl1pPr>
+          </a:lstStyle>
+          <a:p>
+            <a:fld id="{FC0B525C-EBB7-4424-9890-934B59CC0594}" type="datetimeFigureOut">
+              <a:rPr lang="zh-CN" altLang="en-US" smtClean="0"/>
+              <a:t>2019/8/11</a:t>
+            </a:fld>
+            <a:endParaRPr lang="zh-CN" altLang="en-US"/>
+          </a:p>
+        </p:txBody>
+      </p:sp>
+      <p:sp>
+        <p:nvSpPr>
+          <p:cNvPr id="4" name="幻灯片图像占位符 3"/>
+          <p:cNvSpPr>
+            <a:spLocks noGrp="1" noRot="1" noChangeAspect="1"/>
+          </p:cNvSpPr>
+          <p:nvPr>
+            <p:ph type="sldImg" idx="2"/>
+          </p:nvPr>
+        </p:nvSpPr>
+        <p:spPr>
+          <a:xfrm>
+            <a:off x="685800" y="1143000"/>
+            <a:ext cx="5486400" cy="3086100"/>
+          </a:xfrm>
+          <a:prstGeom prst="rect">
+            <a:avLst/>
+          </a:prstGeom>
+          <a:noFill/>
+          <a:ln w="12700">
+            <a:solidFill>
+              <a:prstClr val="black"/>
+            </a:solidFill>
+          </a:ln>
+        </p:spPr>
+        <p:txBody>
+          <a:bodyPr vert="horz" lIns="91440" tIns="45720" rIns="91440" bIns="45720" rtlCol="0" anchor="ctr"/>
+          <a:lstStyle/>
+          <a:p>
+            <a:endParaRPr lang="zh-CN" altLang="en-US"/>
+          </a:p>
+        </p:txBody>
+      </p:sp>
+      <p:sp>
+        <p:nvSpPr>
+          <p:cNvPr id="5" name="备注占位符 4"/>
+          <p:cNvSpPr>
+            <a:spLocks noGrp="1"/>
+          </p:cNvSpPr>
+          <p:nvPr>
+            <p:ph type="body" sz="quarter" idx="3"/>
+          </p:nvPr>
+        </p:nvSpPr>
+        <p:spPr>
+          <a:xfrm>
+            <a:off x="685800" y="4400550"/>
+            <a:ext cx="5486400" cy="3600450"/>
+          </a:xfrm>
+          <a:prstGeom prst="rect">
+            <a:avLst/>
+          </a:prstGeom>
+        </p:spPr>
+        <p:txBody>
+          <a:bodyPr vert="horz" lIns="91440" tIns="45720" rIns="91440" bIns="45720" rtlCol="0"/>
+          <a:lstStyle/>
+          <a:p>
+            <a:pPr lvl="0"/>
+            <a:r>
+              <a:rPr lang="zh-CN" altLang="en-US"/>
+              <a:t>单击此处编辑母版文本样式</a:t>
+            </a:r>
+          </a:p>
+          <a:p>
+            <a:pPr lvl="1"/>
+            <a:r>
+              <a:rPr lang="zh-CN" altLang="en-US"/>
+              <a:t>二级</a:t>
+            </a:r>
+          </a:p>
+          <a:p>
+            <a:pPr lvl="2"/>
+            <a:r>
+              <a:rPr lang="zh-CN" altLang="en-US"/>
+              <a:t>三级</a:t>
+            </a:r>
+          </a:p>
+          <a:p>
+            <a:pPr lvl="3"/>
+            <a:r>
+              <a:rPr lang="zh-CN" altLang="en-US"/>
+              <a:t>四级</a:t>
+            </a:r>
+          </a:p>
+          <a:p>
+            <a:pPr lvl="4"/>
+            <a:r>
+              <a:rPr lang="zh-CN" altLang="en-US"/>
+              <a:t>五级</a:t>
+            </a:r>
+          </a:p>
+        </p:txBody>
+      </p:sp>
+      <p:sp>
+        <p:nvSpPr>
+          <p:cNvPr id="6" name="页脚占位符 5"/>
+          <p:cNvSpPr>
+            <a:spLocks noGrp="1"/>
+          </p:cNvSpPr>
+          <p:nvPr>
+            <p:ph type="ftr" sz="quarter" idx="4"/>
+          </p:nvPr>
+        </p:nvSpPr>
+        <p:spPr>
+          <a:xfrm>
+            <a:off x="0" y="8685213"/>
+            <a:ext cx="2971800" cy="458787"/>
+          </a:xfrm>
+          <a:prstGeom prst="rect">
+            <a:avLst/>
+          </a:prstGeom>
+        </p:spPr>
+        <p:txBody>
+          <a:bodyPr vert="horz" lIns="91440" tIns="45720" rIns="91440" bIns="45720" rtlCol="0" anchor="b"/>
+          <a:lstStyle>
+            <a:lvl1pPr algn="l">
+              <a:defRPr sz="1200"/>
+            </a:lvl1pPr>
+          </a:lstStyle>
+          <a:p>
+            <a:endParaRPr lang="zh-CN" altLang="en-US"/>
+          </a:p>
+        </p:txBody>
+      </p:sp>
+      <p:sp>
+        <p:nvSpPr>
+          <p:cNvPr id="7" name="灯片编号占位符 6"/>
+          <p:cNvSpPr>
+            <a:spLocks noGrp="1"/>
+          </p:cNvSpPr>
+          <p:nvPr>
+            <p:ph type="sldNum" sz="quarter" idx="5"/>
+          </p:nvPr>
+        </p:nvSpPr>
+        <p:spPr>
+          <a:xfrm>
+            <a:off x="3884613" y="8685213"/>
+            <a:ext cx="2971800" cy="458787"/>
+          </a:xfrm>
+          <a:prstGeom prst="rect">
+            <a:avLst/>
+          </a:prstGeom>
+        </p:spPr>
+        <p:txBody>
+          <a:bodyPr vert="horz" lIns="91440" tIns="45720" rIns="91440" bIns="45720" rtlCol="0" anchor="b"/>
+          <a:lstStyle>
+            <a:lvl1pPr algn="r">
+              <a:defRPr sz="1200"/>
+            </a:lvl1pPr>
+          </a:lstStyle>
+          <a:p>
+            <a:fld id="{ABB34644-EA10-4666-8FBA-75A7EBD5C609}" type="slidenum">
+              <a:rPr lang="zh-CN" altLang="en-US" smtClean="0"/>
+              <a:t>‹#›</a:t>
+            </a:fld>
+            <a:endParaRPr lang="zh-CN" altLang="en-US"/>
+          </a:p>
+        </p:txBody>
+      </p:sp>
+    </p:spTree>
+    <p:extLst>
+      <p:ext uri="{BB962C8B-B14F-4D97-AF65-F5344CB8AC3E}">
+        <p14:creationId xmlns:p14="http://schemas.microsoft.com/office/powerpoint/2010/main" val="97722159"/>
+      </p:ext>
+    </p:extLst>
+  </p:cSld>
+  <p:clrMap bg1="lt1" tx1="dk1" bg2="lt2" tx2="dk2" accent1="accent1" accent2="accent2" accent3="accent3" accent4="accent4" accent5="accent5" accent6="accent6" hlink="hlink" folHlink="folHlink"/>
+  <p:notesStyle>
+    <a:lvl1pPr marL="0" algn="l" defTabSz="914400" rtl="0" eaLnBrk="1" latinLnBrk="0" hangingPunct="1">
+      <a:defRPr sz="1200" kern="1200">
+        <a:solidFill>
+          <a:schemeClr val="tx1"/>
+        </a:solidFill>
+        <a:latin typeface="+mn-lt"/>
+        <a:ea typeface="+mn-ea"/>
+        <a:cs typeface="+mn-cs"/>
+      </a:defRPr>
+    </a:lvl1pPr>
+    <a:lvl2pPr marL="457200" algn="l" defTabSz="914400" rtl="0" eaLnBrk="1" latinLnBrk="0" hangingPunct="1">
+      <a:defRPr sz="1200" kern="1200">
+        <a:solidFill>
+          <a:schemeClr val="tx1"/>
+        </a:solidFill>
+        <a:latin typeface="+mn-lt"/>
+        <a:ea typeface="+mn-ea"/>
+        <a:cs typeface="+mn-cs"/>
+      </a:defRPr>
+    </a:lvl2pPr>
+    <a:lvl3pPr marL="914400" algn="l" defTabSz="914400" rtl="0" eaLnBrk="1" latinLnBrk="0" hangingPunct="1">
+      <a:defRPr sz="1200" kern="1200">
+        <a:solidFill>
+          <a:schemeClr val="tx1"/>
+        </a:solidFill>
+        <a:latin typeface="+mn-lt"/>
+        <a:ea typeface="+mn-ea"/>
+        <a:cs typeface="+mn-cs"/>
+      </a:defRPr>
+    </a:lvl3pPr>
+    <a:lvl4pPr marL="1371600" algn="l" defTabSz="914400" rtl="0" eaLnBrk="1" latinLnBrk="0" hangingPunct="1">
+      <a:defRPr sz="1200" kern="1200">
+        <a:solidFill>
+          <a:schemeClr val="tx1"/>
+        </a:solidFill>
+        <a:latin typeface="+mn-lt"/>
+        <a:ea typeface="+mn-ea"/>
+        <a:cs typeface="+mn-cs"/>
+      </a:defRPr>
+    </a:lvl4pPr>
+    <a:lvl5pPr marL="1828800" algn="l" defTabSz="914400" rtl="0" eaLnBrk="1" latinLnBrk="0" hangingPunct="1">
+      <a:defRPr sz="1200" kern="1200">
+        <a:solidFill>
+          <a:schemeClr val="tx1"/>
+        </a:solidFill>
+        <a:latin typeface="+mn-lt"/>
+        <a:ea typeface="+mn-ea"/>
+        <a:cs typeface="+mn-cs"/>
+      </a:defRPr>
+    </a:lvl5pPr>
+    <a:lvl6pPr marL="2286000" algn="l" defTabSz="914400" rtl="0" eaLnBrk="1" latinLnBrk="0" hangingPunct="1">
+      <a:defRPr sz="1200" kern="1200">
+        <a:solidFill>
+          <a:schemeClr val="tx1"/>
+        </a:solidFill>
+        <a:latin typeface="+mn-lt"/>
+        <a:ea typeface="+mn-ea"/>
+        <a:cs typeface="+mn-cs"/>
+      </a:defRPr>
+    </a:lvl6pPr>
+    <a:lvl7pPr marL="2743200" algn="l" defTabSz="914400" rtl="0" eaLnBrk="1" latinLnBrk="0" hangingPunct="1">
+      <a:defRPr sz="1200" kern="1200">
+        <a:solidFill>
+          <a:schemeClr val="tx1"/>
+        </a:solidFill>
+        <a:latin typeface="+mn-lt"/>
+        <a:ea typeface="+mn-ea"/>
+        <a:cs typeface="+mn-cs"/>
+      </a:defRPr>
+    </a:lvl7pPr>
+    <a:lvl8pPr marL="3200400" algn="l" defTabSz="914400" rtl="0" eaLnBrk="1" latinLnBrk="0" hangingPunct="1">
+      <a:defRPr sz="1200" kern="1200">
+        <a:solidFill>
+          <a:schemeClr val="tx1"/>
+        </a:solidFill>
+        <a:latin typeface="+mn-lt"/>
+        <a:ea typeface="+mn-ea"/>
+        <a:cs typeface="+mn-cs"/>
+      </a:defRPr>
+    </a:lvl8pPr>
+    <a:lvl9pPr marL="3657600" algn="l" defTabSz="914400" rtl="0" eaLnBrk="1" latinLnBrk="0" hangingPunct="1">
+      <a:defRPr sz="1200" kern="1200">
+        <a:solidFill>
+          <a:schemeClr val="tx1"/>
+        </a:solidFill>
+        <a:latin typeface="+mn-lt"/>
+        <a:ea typeface="+mn-ea"/>
+        <a:cs typeface="+mn-cs"/>
+      </a:defRPr>
+    </a:lvl9pPr>
+  </p:notesStyle>
+</p:notesMaster>
+</file>
+
+<file path=ppt/notesSlides/notesSlide1.xml><?xml version="1.0" encoding="utf-8"?>
+<p:notes xmlns:a="http://schemas.openxmlformats.org/drawingml/2006/main" xmlns:r="http://schemas.openxmlformats.org/officeDocument/2006/relationships" xmlns:p="http://schemas.openxmlformats.org/presentationml/2006/main">
+  <p:cSld>
+    <p:spTree>
+      <p:nvGrpSpPr>
+        <p:cNvPr id="1" name=""/>
+        <p:cNvGrpSpPr/>
+        <p:nvPr/>
+      </p:nvGrpSpPr>
+      <p:grpSpPr>
+        <a:xfrm>
+          <a:off x="0" y="0"/>
+          <a:ext cx="0" cy="0"/>
+          <a:chOff x="0" y="0"/>
+          <a:chExt cx="0" cy="0"/>
+        </a:xfrm>
+      </p:grpSpPr>
+      <p:sp>
+        <p:nvSpPr>
+          <p:cNvPr id="2" name="幻灯片图像占位符 1"/>
+          <p:cNvSpPr>
+            <a:spLocks noGrp="1" noRot="1" noChangeAspect="1"/>
+          </p:cNvSpPr>
+          <p:nvPr>
+            <p:ph type="sldImg"/>
+          </p:nvPr>
+        </p:nvSpPr>
+        <p:spPr/>
+      </p:sp>
+      <p:sp>
+        <p:nvSpPr>
+          <p:cNvPr id="3" name="备注占位符 2"/>
+          <p:cNvSpPr>
+            <a:spLocks noGrp="1"/>
+          </p:cNvSpPr>
+          <p:nvPr>
+            <p:ph type="body" idx="1"/>
+          </p:nvPr>
+        </p:nvSpPr>
+        <p:spPr/>
+        <p:txBody>
+          <a:bodyPr/>
+          <a:lstStyle/>
+          <a:p>
+            <a:endParaRPr lang="zh-CN" altLang="en-US" dirty="0"/>
+          </a:p>
+        </p:txBody>
+      </p:sp>
+      <p:sp>
+        <p:nvSpPr>
+          <p:cNvPr id="4" name="灯片编号占位符 3"/>
+          <p:cNvSpPr>
+            <a:spLocks noGrp="1"/>
+          </p:cNvSpPr>
+          <p:nvPr>
+            <p:ph type="sldNum" sz="quarter" idx="5"/>
+          </p:nvPr>
+        </p:nvSpPr>
+        <p:spPr/>
+        <p:txBody>
+          <a:bodyPr/>
+          <a:lstStyle/>
+          <a:p>
+            <a:fld id="{ABB34644-EA10-4666-8FBA-75A7EBD5C609}" type="slidenum">
+              <a:rPr lang="zh-CN" altLang="en-US" smtClean="0"/>
+              <a:t>2</a:t>
+            </a:fld>
+            <a:endParaRPr lang="zh-CN" altLang="en-US"/>
+          </a:p>
+        </p:txBody>
+      </p:sp>
+    </p:spTree>
+    <p:extLst>
+      <p:ext uri="{BB962C8B-B14F-4D97-AF65-F5344CB8AC3E}">
+        <p14:creationId xmlns:p14="http://schemas.microsoft.com/office/powerpoint/2010/main" val="975707757"/>
+      </p:ext>
+    </p:extLst>
+  </p:cSld>
+  <p:clrMapOvr>
+    <a:masterClrMapping/>
+  </p:clrMapOvr>
+</p:notes>
+</file>
+
+<file path=ppt/notesSlides/notesSlide10.xml><?xml version="1.0" encoding="utf-8"?>
+<p:notes xmlns:a="http://schemas.openxmlformats.org/drawingml/2006/main" xmlns:r="http://schemas.openxmlformats.org/officeDocument/2006/relationships" xmlns:p="http://schemas.openxmlformats.org/presentationml/2006/main">
+  <p:cSld>
+    <p:spTree>
+      <p:nvGrpSpPr>
+        <p:cNvPr id="1" name=""/>
+        <p:cNvGrpSpPr/>
+        <p:nvPr/>
+      </p:nvGrpSpPr>
+      <p:grpSpPr>
+        <a:xfrm>
+          <a:off x="0" y="0"/>
+          <a:ext cx="0" cy="0"/>
+          <a:chOff x="0" y="0"/>
+          <a:chExt cx="0" cy="0"/>
+        </a:xfrm>
+      </p:grpSpPr>
+      <p:sp>
+        <p:nvSpPr>
+          <p:cNvPr id="2" name="幻灯片图像占位符 1"/>
+          <p:cNvSpPr>
+            <a:spLocks noGrp="1" noRot="1" noChangeAspect="1"/>
+          </p:cNvSpPr>
+          <p:nvPr>
+            <p:ph type="sldImg"/>
+          </p:nvPr>
+        </p:nvSpPr>
+        <p:spPr/>
+      </p:sp>
+      <p:sp>
+        <p:nvSpPr>
+          <p:cNvPr id="3" name="备注占位符 2"/>
+          <p:cNvSpPr>
+            <a:spLocks noGrp="1"/>
+          </p:cNvSpPr>
+          <p:nvPr>
+            <p:ph type="body" idx="1"/>
+          </p:nvPr>
+        </p:nvSpPr>
+        <p:spPr/>
+        <p:txBody>
+          <a:bodyPr/>
+          <a:lstStyle/>
+          <a:p>
+            <a:endParaRPr lang="zh-CN" altLang="en-US" dirty="0"/>
+          </a:p>
+        </p:txBody>
+      </p:sp>
+      <p:sp>
+        <p:nvSpPr>
+          <p:cNvPr id="4" name="灯片编号占位符 3"/>
+          <p:cNvSpPr>
+            <a:spLocks noGrp="1"/>
+          </p:cNvSpPr>
+          <p:nvPr>
+            <p:ph type="sldNum" sz="quarter" idx="5"/>
+          </p:nvPr>
+        </p:nvSpPr>
+        <p:spPr/>
+        <p:txBody>
+          <a:bodyPr/>
+          <a:lstStyle/>
+          <a:p>
+            <a:fld id="{ABB34644-EA10-4666-8FBA-75A7EBD5C609}" type="slidenum">
+              <a:rPr lang="zh-CN" altLang="en-US" smtClean="0"/>
+              <a:t>22</a:t>
+            </a:fld>
+            <a:endParaRPr lang="zh-CN" altLang="en-US"/>
+          </a:p>
+        </p:txBody>
+      </p:sp>
+    </p:spTree>
+    <p:extLst>
+      <p:ext uri="{BB962C8B-B14F-4D97-AF65-F5344CB8AC3E}">
+        <p14:creationId xmlns:p14="http://schemas.microsoft.com/office/powerpoint/2010/main" val="2526451100"/>
+      </p:ext>
+    </p:extLst>
+  </p:cSld>
+  <p:clrMapOvr>
+    <a:masterClrMapping/>
+  </p:clrMapOvr>
+</p:notes>
+</file>
+
+<file path=ppt/notesSlides/notesSlide11.xml><?xml version="1.0" encoding="utf-8"?>
+<p:notes xmlns:a="http://schemas.openxmlformats.org/drawingml/2006/main" xmlns:r="http://schemas.openxmlformats.org/officeDocument/2006/relationships" xmlns:p="http://schemas.openxmlformats.org/presentationml/2006/main">
+  <p:cSld>
+    <p:spTree>
+      <p:nvGrpSpPr>
+        <p:cNvPr id="1" name=""/>
+        <p:cNvGrpSpPr/>
+        <p:nvPr/>
+      </p:nvGrpSpPr>
+      <p:grpSpPr>
+        <a:xfrm>
+          <a:off x="0" y="0"/>
+          <a:ext cx="0" cy="0"/>
+          <a:chOff x="0" y="0"/>
+          <a:chExt cx="0" cy="0"/>
+        </a:xfrm>
+      </p:grpSpPr>
+      <p:sp>
+        <p:nvSpPr>
+          <p:cNvPr id="2" name="幻灯片图像占位符 1"/>
+          <p:cNvSpPr>
+            <a:spLocks noGrp="1" noRot="1" noChangeAspect="1"/>
+          </p:cNvSpPr>
+          <p:nvPr>
+            <p:ph type="sldImg"/>
+          </p:nvPr>
+        </p:nvSpPr>
+        <p:spPr/>
+      </p:sp>
+      <p:sp>
+        <p:nvSpPr>
+          <p:cNvPr id="3" name="备注占位符 2"/>
+          <p:cNvSpPr>
+            <a:spLocks noGrp="1"/>
+          </p:cNvSpPr>
+          <p:nvPr>
+            <p:ph type="body" idx="1"/>
+          </p:nvPr>
+        </p:nvSpPr>
+        <p:spPr/>
+        <p:txBody>
+          <a:bodyPr/>
+          <a:lstStyle/>
+          <a:p>
+            <a:r>
+              <a:rPr lang="en-US" altLang="zh-CN" dirty="0"/>
+              <a:t>https://blog.csdn.net/wolf96/article/details/85541991</a:t>
+            </a:r>
+            <a:endParaRPr lang="zh-CN" altLang="en-US" dirty="0"/>
+          </a:p>
+        </p:txBody>
+      </p:sp>
+      <p:sp>
+        <p:nvSpPr>
+          <p:cNvPr id="4" name="灯片编号占位符 3"/>
+          <p:cNvSpPr>
+            <a:spLocks noGrp="1"/>
+          </p:cNvSpPr>
+          <p:nvPr>
+            <p:ph type="sldNum" sz="quarter" idx="5"/>
+          </p:nvPr>
+        </p:nvSpPr>
+        <p:spPr/>
+        <p:txBody>
+          <a:bodyPr/>
+          <a:lstStyle/>
+          <a:p>
+            <a:fld id="{ABB34644-EA10-4666-8FBA-75A7EBD5C609}" type="slidenum">
+              <a:rPr lang="zh-CN" altLang="en-US" smtClean="0"/>
+              <a:t>23</a:t>
+            </a:fld>
+            <a:endParaRPr lang="zh-CN" altLang="en-US"/>
+          </a:p>
+        </p:txBody>
+      </p:sp>
+    </p:spTree>
+    <p:extLst>
+      <p:ext uri="{BB962C8B-B14F-4D97-AF65-F5344CB8AC3E}">
+        <p14:creationId xmlns:p14="http://schemas.microsoft.com/office/powerpoint/2010/main" val="2698608464"/>
+      </p:ext>
+    </p:extLst>
+  </p:cSld>
+  <p:clrMapOvr>
+    <a:masterClrMapping/>
+  </p:clrMapOvr>
+</p:notes>
+</file>
+
+<file path=ppt/notesSlides/notesSlide12.xml><?xml version="1.0" encoding="utf-8"?>
+<p:notes xmlns:a="http://schemas.openxmlformats.org/drawingml/2006/main" xmlns:r="http://schemas.openxmlformats.org/officeDocument/2006/relationships" xmlns:p="http://schemas.openxmlformats.org/presentationml/2006/main">
+  <p:cSld>
+    <p:spTree>
+      <p:nvGrpSpPr>
+        <p:cNvPr id="1" name=""/>
+        <p:cNvGrpSpPr/>
+        <p:nvPr/>
+      </p:nvGrpSpPr>
+      <p:grpSpPr>
+        <a:xfrm>
+          <a:off x="0" y="0"/>
+          <a:ext cx="0" cy="0"/>
+          <a:chOff x="0" y="0"/>
+          <a:chExt cx="0" cy="0"/>
+        </a:xfrm>
+      </p:grpSpPr>
+      <p:sp>
+        <p:nvSpPr>
+          <p:cNvPr id="2" name="幻灯片图像占位符 1"/>
+          <p:cNvSpPr>
+            <a:spLocks noGrp="1" noRot="1" noChangeAspect="1"/>
+          </p:cNvSpPr>
+          <p:nvPr>
+            <p:ph type="sldImg"/>
+          </p:nvPr>
+        </p:nvSpPr>
+        <p:spPr/>
+      </p:sp>
+      <p:sp>
+        <p:nvSpPr>
+          <p:cNvPr id="3" name="备注占位符 2"/>
+          <p:cNvSpPr>
+            <a:spLocks noGrp="1"/>
+          </p:cNvSpPr>
+          <p:nvPr>
+            <p:ph type="body" idx="1"/>
+          </p:nvPr>
+        </p:nvSpPr>
+        <p:spPr/>
+        <p:txBody>
+          <a:bodyPr/>
+          <a:lstStyle/>
+          <a:p>
+            <a:r>
+              <a:rPr lang="en-US" altLang="zh-CN" dirty="0"/>
+              <a:t>https://blog.csdn.net/magr_lemon/article/details/84571369</a:t>
+            </a:r>
+          </a:p>
+          <a:p>
+            <a:endParaRPr lang="zh-CN" altLang="en-US" dirty="0"/>
+          </a:p>
+        </p:txBody>
+      </p:sp>
+      <p:sp>
+        <p:nvSpPr>
+          <p:cNvPr id="4" name="灯片编号占位符 3"/>
+          <p:cNvSpPr>
+            <a:spLocks noGrp="1"/>
+          </p:cNvSpPr>
+          <p:nvPr>
+            <p:ph type="sldNum" sz="quarter" idx="5"/>
+          </p:nvPr>
+        </p:nvSpPr>
+        <p:spPr/>
+        <p:txBody>
+          <a:bodyPr/>
+          <a:lstStyle/>
+          <a:p>
+            <a:fld id="{ABB34644-EA10-4666-8FBA-75A7EBD5C609}" type="slidenum">
+              <a:rPr lang="zh-CN" altLang="en-US" smtClean="0"/>
+              <a:t>24</a:t>
+            </a:fld>
+            <a:endParaRPr lang="zh-CN" altLang="en-US"/>
+          </a:p>
+        </p:txBody>
+      </p:sp>
+    </p:spTree>
+    <p:extLst>
+      <p:ext uri="{BB962C8B-B14F-4D97-AF65-F5344CB8AC3E}">
+        <p14:creationId xmlns:p14="http://schemas.microsoft.com/office/powerpoint/2010/main" val="90746931"/>
+      </p:ext>
+    </p:extLst>
+  </p:cSld>
+  <p:clrMapOvr>
+    <a:masterClrMapping/>
+  </p:clrMapOvr>
+</p:notes>
+</file>
+
+<file path=ppt/notesSlides/notesSlide2.xml><?xml version="1.0" encoding="utf-8"?>
+<p:notes xmlns:a="http://schemas.openxmlformats.org/drawingml/2006/main" xmlns:r="http://schemas.openxmlformats.org/officeDocument/2006/relationships" xmlns:p="http://schemas.openxmlformats.org/presentationml/2006/main">
+  <p:cSld>
+    <p:spTree>
+      <p:nvGrpSpPr>
+        <p:cNvPr id="1" name=""/>
+        <p:cNvGrpSpPr/>
+        <p:nvPr/>
+      </p:nvGrpSpPr>
+      <p:grpSpPr>
+        <a:xfrm>
+          <a:off x="0" y="0"/>
+          <a:ext cx="0" cy="0"/>
+          <a:chOff x="0" y="0"/>
+          <a:chExt cx="0" cy="0"/>
+        </a:xfrm>
+      </p:grpSpPr>
+      <p:sp>
+        <p:nvSpPr>
+          <p:cNvPr id="2" name="幻灯片图像占位符 1"/>
+          <p:cNvSpPr>
+            <a:spLocks noGrp="1" noRot="1" noChangeAspect="1"/>
+          </p:cNvSpPr>
+          <p:nvPr>
+            <p:ph type="sldImg"/>
+          </p:nvPr>
+        </p:nvSpPr>
+        <p:spPr/>
+      </p:sp>
+      <p:sp>
+        <p:nvSpPr>
+          <p:cNvPr id="3" name="备注占位符 2"/>
+          <p:cNvSpPr>
+            <a:spLocks noGrp="1"/>
+          </p:cNvSpPr>
+          <p:nvPr>
+            <p:ph type="body" idx="1"/>
+          </p:nvPr>
+        </p:nvSpPr>
+        <p:spPr/>
+        <p:txBody>
+          <a:bodyPr/>
+          <a:lstStyle/>
+          <a:p>
+            <a:pPr marL="0" marR="0" lvl="0" indent="0" algn="l" defTabSz="914400" rtl="0" eaLnBrk="1" fontAlgn="auto" latinLnBrk="0" hangingPunct="1">
+              <a:lnSpc>
+                <a:spcPct val="100000"/>
+              </a:lnSpc>
+              <a:spcBef>
+                <a:spcPts val="0"/>
+              </a:spcBef>
+              <a:spcAft>
+                <a:spcPts val="0"/>
+              </a:spcAft>
+              <a:buClrTx/>
+              <a:buSzTx/>
+              <a:buFontTx/>
+              <a:buNone/>
+              <a:tabLst/>
+              <a:defRPr/>
+            </a:pPr>
+            <a:r>
+              <a:rPr lang="en-US" altLang="zh-CN" dirty="0"/>
+              <a:t>https://stackoverflow.com/questions/33808005/why-is-scissor-test-behind-fragment-operation</a:t>
+            </a:r>
+            <a:endParaRPr lang="zh-CN" altLang="en-US" dirty="0"/>
+          </a:p>
+          <a:p>
+            <a:endParaRPr lang="zh-CN" altLang="en-US" dirty="0"/>
+          </a:p>
+        </p:txBody>
+      </p:sp>
+      <p:sp>
+        <p:nvSpPr>
+          <p:cNvPr id="4" name="灯片编号占位符 3"/>
+          <p:cNvSpPr>
+            <a:spLocks noGrp="1"/>
+          </p:cNvSpPr>
+          <p:nvPr>
+            <p:ph type="sldNum" sz="quarter" idx="5"/>
+          </p:nvPr>
+        </p:nvSpPr>
+        <p:spPr/>
+        <p:txBody>
+          <a:bodyPr/>
+          <a:lstStyle/>
+          <a:p>
+            <a:fld id="{ABB34644-EA10-4666-8FBA-75A7EBD5C609}" type="slidenum">
+              <a:rPr lang="zh-CN" altLang="en-US" smtClean="0"/>
+              <a:t>5</a:t>
+            </a:fld>
+            <a:endParaRPr lang="zh-CN" altLang="en-US"/>
+          </a:p>
+        </p:txBody>
+      </p:sp>
+    </p:spTree>
+    <p:extLst>
+      <p:ext uri="{BB962C8B-B14F-4D97-AF65-F5344CB8AC3E}">
+        <p14:creationId xmlns:p14="http://schemas.microsoft.com/office/powerpoint/2010/main" val="2613547132"/>
+      </p:ext>
+    </p:extLst>
+  </p:cSld>
+  <p:clrMapOvr>
+    <a:masterClrMapping/>
+  </p:clrMapOvr>
+</p:notes>
+</file>
+
+<file path=ppt/notesSlides/notesSlide3.xml><?xml version="1.0" encoding="utf-8"?>
+<p:notes xmlns:a="http://schemas.openxmlformats.org/drawingml/2006/main" xmlns:r="http://schemas.openxmlformats.org/officeDocument/2006/relationships" xmlns:p="http://schemas.openxmlformats.org/presentationml/2006/main">
+  <p:cSld>
+    <p:spTree>
+      <p:nvGrpSpPr>
+        <p:cNvPr id="1" name=""/>
+        <p:cNvGrpSpPr/>
+        <p:nvPr/>
+      </p:nvGrpSpPr>
+      <p:grpSpPr>
+        <a:xfrm>
+          <a:off x="0" y="0"/>
+          <a:ext cx="0" cy="0"/>
+          <a:chOff x="0" y="0"/>
+          <a:chExt cx="0" cy="0"/>
+        </a:xfrm>
+      </p:grpSpPr>
+      <p:sp>
+        <p:nvSpPr>
+          <p:cNvPr id="2" name="幻灯片图像占位符 1"/>
+          <p:cNvSpPr>
+            <a:spLocks noGrp="1" noRot="1" noChangeAspect="1"/>
+          </p:cNvSpPr>
+          <p:nvPr>
+            <p:ph type="sldImg"/>
+          </p:nvPr>
+        </p:nvSpPr>
+        <p:spPr/>
+      </p:sp>
+      <p:sp>
+        <p:nvSpPr>
+          <p:cNvPr id="3" name="备注占位符 2"/>
+          <p:cNvSpPr>
+            <a:spLocks noGrp="1"/>
+          </p:cNvSpPr>
+          <p:nvPr>
+            <p:ph type="body" idx="1"/>
+          </p:nvPr>
+        </p:nvSpPr>
+        <p:spPr/>
+        <p:txBody>
+          <a:bodyPr/>
+          <a:lstStyle/>
+          <a:p>
+            <a:endParaRPr lang="zh-CN" altLang="en-US" dirty="0"/>
+          </a:p>
+        </p:txBody>
+      </p:sp>
+      <p:sp>
+        <p:nvSpPr>
+          <p:cNvPr id="4" name="灯片编号占位符 3"/>
+          <p:cNvSpPr>
+            <a:spLocks noGrp="1"/>
+          </p:cNvSpPr>
+          <p:nvPr>
+            <p:ph type="sldNum" sz="quarter" idx="5"/>
+          </p:nvPr>
+        </p:nvSpPr>
+        <p:spPr/>
+        <p:txBody>
+          <a:bodyPr/>
+          <a:lstStyle/>
+          <a:p>
+            <a:fld id="{ABB34644-EA10-4666-8FBA-75A7EBD5C609}" type="slidenum">
+              <a:rPr lang="zh-CN" altLang="en-US" smtClean="0"/>
+              <a:t>6</a:t>
+            </a:fld>
+            <a:endParaRPr lang="zh-CN" altLang="en-US"/>
+          </a:p>
+        </p:txBody>
+      </p:sp>
+    </p:spTree>
+    <p:extLst>
+      <p:ext uri="{BB962C8B-B14F-4D97-AF65-F5344CB8AC3E}">
+        <p14:creationId xmlns:p14="http://schemas.microsoft.com/office/powerpoint/2010/main" val="3883002624"/>
+      </p:ext>
+    </p:extLst>
+  </p:cSld>
+  <p:clrMapOvr>
+    <a:masterClrMapping/>
+  </p:clrMapOvr>
+</p:notes>
+</file>
+
+<file path=ppt/notesSlides/notesSlide4.xml><?xml version="1.0" encoding="utf-8"?>
+<p:notes xmlns:a="http://schemas.openxmlformats.org/drawingml/2006/main" xmlns:r="http://schemas.openxmlformats.org/officeDocument/2006/relationships" xmlns:p="http://schemas.openxmlformats.org/presentationml/2006/main">
+  <p:cSld>
+    <p:spTree>
+      <p:nvGrpSpPr>
+        <p:cNvPr id="1" name=""/>
+        <p:cNvGrpSpPr/>
+        <p:nvPr/>
+      </p:nvGrpSpPr>
+      <p:grpSpPr>
+        <a:xfrm>
+          <a:off x="0" y="0"/>
+          <a:ext cx="0" cy="0"/>
+          <a:chOff x="0" y="0"/>
+          <a:chExt cx="0" cy="0"/>
+        </a:xfrm>
+      </p:grpSpPr>
+      <p:sp>
+        <p:nvSpPr>
+          <p:cNvPr id="2" name="幻灯片图像占位符 1"/>
+          <p:cNvSpPr>
+            <a:spLocks noGrp="1" noRot="1" noChangeAspect="1"/>
+          </p:cNvSpPr>
+          <p:nvPr>
+            <p:ph type="sldImg"/>
+          </p:nvPr>
+        </p:nvSpPr>
+        <p:spPr/>
+      </p:sp>
+      <p:sp>
+        <p:nvSpPr>
+          <p:cNvPr id="3" name="备注占位符 2"/>
+          <p:cNvSpPr>
+            <a:spLocks noGrp="1"/>
+          </p:cNvSpPr>
+          <p:nvPr>
+            <p:ph type="body" idx="1"/>
+          </p:nvPr>
+        </p:nvSpPr>
+        <p:spPr/>
+        <p:txBody>
+          <a:bodyPr/>
+          <a:lstStyle/>
+          <a:p>
+            <a:endParaRPr lang="zh-CN" altLang="en-US" dirty="0"/>
+          </a:p>
+        </p:txBody>
+      </p:sp>
+      <p:sp>
+        <p:nvSpPr>
+          <p:cNvPr id="4" name="灯片编号占位符 3"/>
+          <p:cNvSpPr>
+            <a:spLocks noGrp="1"/>
+          </p:cNvSpPr>
+          <p:nvPr>
+            <p:ph type="sldNum" sz="quarter" idx="5"/>
+          </p:nvPr>
+        </p:nvSpPr>
+        <p:spPr/>
+        <p:txBody>
+          <a:bodyPr/>
+          <a:lstStyle/>
+          <a:p>
+            <a:fld id="{ABB34644-EA10-4666-8FBA-75A7EBD5C609}" type="slidenum">
+              <a:rPr lang="zh-CN" altLang="en-US" smtClean="0"/>
+              <a:t>12</a:t>
+            </a:fld>
+            <a:endParaRPr lang="zh-CN" altLang="en-US"/>
+          </a:p>
+        </p:txBody>
+      </p:sp>
+    </p:spTree>
+    <p:extLst>
+      <p:ext uri="{BB962C8B-B14F-4D97-AF65-F5344CB8AC3E}">
+        <p14:creationId xmlns:p14="http://schemas.microsoft.com/office/powerpoint/2010/main" val="69410606"/>
+      </p:ext>
+    </p:extLst>
+  </p:cSld>
+  <p:clrMapOvr>
+    <a:masterClrMapping/>
+  </p:clrMapOvr>
+</p:notes>
+</file>
+
+<file path=ppt/notesSlides/notesSlide5.xml><?xml version="1.0" encoding="utf-8"?>
+<p:notes xmlns:a="http://schemas.openxmlformats.org/drawingml/2006/main" xmlns:r="http://schemas.openxmlformats.org/officeDocument/2006/relationships" xmlns:p="http://schemas.openxmlformats.org/presentationml/2006/main">
+  <p:cSld>
+    <p:spTree>
+      <p:nvGrpSpPr>
+        <p:cNvPr id="1" name=""/>
+        <p:cNvGrpSpPr/>
+        <p:nvPr/>
+      </p:nvGrpSpPr>
+      <p:grpSpPr>
+        <a:xfrm>
+          <a:off x="0" y="0"/>
+          <a:ext cx="0" cy="0"/>
+          <a:chOff x="0" y="0"/>
+          <a:chExt cx="0" cy="0"/>
+        </a:xfrm>
+      </p:grpSpPr>
+      <p:sp>
+        <p:nvSpPr>
+          <p:cNvPr id="2" name="幻灯片图像占位符 1"/>
+          <p:cNvSpPr>
+            <a:spLocks noGrp="1" noRot="1" noChangeAspect="1"/>
+          </p:cNvSpPr>
+          <p:nvPr>
+            <p:ph type="sldImg"/>
+          </p:nvPr>
+        </p:nvSpPr>
+        <p:spPr/>
+      </p:sp>
+      <p:sp>
+        <p:nvSpPr>
+          <p:cNvPr id="3" name="备注占位符 2"/>
+          <p:cNvSpPr>
+            <a:spLocks noGrp="1"/>
+          </p:cNvSpPr>
+          <p:nvPr>
+            <p:ph type="body" idx="1"/>
+          </p:nvPr>
+        </p:nvSpPr>
+        <p:spPr/>
+        <p:txBody>
+          <a:bodyPr/>
+          <a:lstStyle/>
+          <a:p>
+            <a:endParaRPr lang="zh-CN" altLang="en-US" dirty="0"/>
+          </a:p>
+        </p:txBody>
+      </p:sp>
+      <p:sp>
+        <p:nvSpPr>
+          <p:cNvPr id="4" name="灯片编号占位符 3"/>
+          <p:cNvSpPr>
+            <a:spLocks noGrp="1"/>
+          </p:cNvSpPr>
+          <p:nvPr>
+            <p:ph type="sldNum" sz="quarter" idx="5"/>
+          </p:nvPr>
+        </p:nvSpPr>
+        <p:spPr/>
+        <p:txBody>
+          <a:bodyPr/>
+          <a:lstStyle/>
+          <a:p>
+            <a:fld id="{ABB34644-EA10-4666-8FBA-75A7EBD5C609}" type="slidenum">
+              <a:rPr lang="zh-CN" altLang="en-US" smtClean="0"/>
+              <a:t>14</a:t>
+            </a:fld>
+            <a:endParaRPr lang="zh-CN" altLang="en-US"/>
+          </a:p>
+        </p:txBody>
+      </p:sp>
+    </p:spTree>
+    <p:extLst>
+      <p:ext uri="{BB962C8B-B14F-4D97-AF65-F5344CB8AC3E}">
+        <p14:creationId xmlns:p14="http://schemas.microsoft.com/office/powerpoint/2010/main" val="2428930408"/>
+      </p:ext>
+    </p:extLst>
+  </p:cSld>
+  <p:clrMapOvr>
+    <a:masterClrMapping/>
+  </p:clrMapOvr>
+</p:notes>
+</file>
+
+<file path=ppt/notesSlides/notesSlide6.xml><?xml version="1.0" encoding="utf-8"?>
+<p:notes xmlns:a="http://schemas.openxmlformats.org/drawingml/2006/main" xmlns:r="http://schemas.openxmlformats.org/officeDocument/2006/relationships" xmlns:p="http://schemas.openxmlformats.org/presentationml/2006/main">
+  <p:cSld>
+    <p:spTree>
+      <p:nvGrpSpPr>
+        <p:cNvPr id="1" name=""/>
+        <p:cNvGrpSpPr/>
+        <p:nvPr/>
+      </p:nvGrpSpPr>
+      <p:grpSpPr>
+        <a:xfrm>
+          <a:off x="0" y="0"/>
+          <a:ext cx="0" cy="0"/>
+          <a:chOff x="0" y="0"/>
+          <a:chExt cx="0" cy="0"/>
+        </a:xfrm>
+      </p:grpSpPr>
+      <p:sp>
+        <p:nvSpPr>
+          <p:cNvPr id="2" name="幻灯片图像占位符 1"/>
+          <p:cNvSpPr>
+            <a:spLocks noGrp="1" noRot="1" noChangeAspect="1"/>
+          </p:cNvSpPr>
+          <p:nvPr>
+            <p:ph type="sldImg"/>
+          </p:nvPr>
+        </p:nvSpPr>
+        <p:spPr/>
+      </p:sp>
+      <p:sp>
+        <p:nvSpPr>
+          <p:cNvPr id="3" name="备注占位符 2"/>
+          <p:cNvSpPr>
+            <a:spLocks noGrp="1"/>
+          </p:cNvSpPr>
+          <p:nvPr>
+            <p:ph type="body" idx="1"/>
+          </p:nvPr>
+        </p:nvSpPr>
+        <p:spPr/>
+        <p:txBody>
+          <a:bodyPr/>
+          <a:lstStyle/>
+          <a:p>
+            <a:endParaRPr lang="zh-CN" altLang="en-US" dirty="0"/>
+          </a:p>
+        </p:txBody>
+      </p:sp>
+      <p:sp>
+        <p:nvSpPr>
+          <p:cNvPr id="4" name="灯片编号占位符 3"/>
+          <p:cNvSpPr>
+            <a:spLocks noGrp="1"/>
+          </p:cNvSpPr>
+          <p:nvPr>
+            <p:ph type="sldNum" sz="quarter" idx="5"/>
+          </p:nvPr>
+        </p:nvSpPr>
+        <p:spPr/>
+        <p:txBody>
+          <a:bodyPr/>
+          <a:lstStyle/>
+          <a:p>
+            <a:fld id="{ABB34644-EA10-4666-8FBA-75A7EBD5C609}" type="slidenum">
+              <a:rPr lang="zh-CN" altLang="en-US" smtClean="0"/>
+              <a:t>16</a:t>
+            </a:fld>
+            <a:endParaRPr lang="zh-CN" altLang="en-US"/>
+          </a:p>
+        </p:txBody>
+      </p:sp>
+    </p:spTree>
+    <p:extLst>
+      <p:ext uri="{BB962C8B-B14F-4D97-AF65-F5344CB8AC3E}">
+        <p14:creationId xmlns:p14="http://schemas.microsoft.com/office/powerpoint/2010/main" val="2818833540"/>
+      </p:ext>
+    </p:extLst>
+  </p:cSld>
+  <p:clrMapOvr>
+    <a:masterClrMapping/>
+  </p:clrMapOvr>
+</p:notes>
+</file>
+
+<file path=ppt/notesSlides/notesSlide7.xml><?xml version="1.0" encoding="utf-8"?>
+<p:notes xmlns:a="http://schemas.openxmlformats.org/drawingml/2006/main" xmlns:r="http://schemas.openxmlformats.org/officeDocument/2006/relationships" xmlns:p="http://schemas.openxmlformats.org/presentationml/2006/main">
+  <p:cSld>
+    <p:spTree>
+      <p:nvGrpSpPr>
+        <p:cNvPr id="1" name=""/>
+        <p:cNvGrpSpPr/>
+        <p:nvPr/>
+      </p:nvGrpSpPr>
+      <p:grpSpPr>
+        <a:xfrm>
+          <a:off x="0" y="0"/>
+          <a:ext cx="0" cy="0"/>
+          <a:chOff x="0" y="0"/>
+          <a:chExt cx="0" cy="0"/>
+        </a:xfrm>
+      </p:grpSpPr>
+      <p:sp>
+        <p:nvSpPr>
+          <p:cNvPr id="2" name="幻灯片图像占位符 1"/>
+          <p:cNvSpPr>
+            <a:spLocks noGrp="1" noRot="1" noChangeAspect="1"/>
+          </p:cNvSpPr>
+          <p:nvPr>
+            <p:ph type="sldImg"/>
+          </p:nvPr>
+        </p:nvSpPr>
+        <p:spPr/>
+      </p:sp>
+      <p:sp>
+        <p:nvSpPr>
+          <p:cNvPr id="3" name="备注占位符 2"/>
+          <p:cNvSpPr>
+            <a:spLocks noGrp="1"/>
+          </p:cNvSpPr>
+          <p:nvPr>
+            <p:ph type="body" idx="1"/>
+          </p:nvPr>
+        </p:nvSpPr>
+        <p:spPr/>
+        <p:txBody>
+          <a:bodyPr/>
+          <a:lstStyle/>
+          <a:p>
+            <a:r>
+              <a:rPr lang="en-US" altLang="zh-CN" dirty="0"/>
+              <a:t>https://gdbooks.gitbooks.io/3dcollisions/content/Chapter1/closest_point_aabb.html</a:t>
+            </a:r>
+          </a:p>
+          <a:p>
+            <a:r>
+              <a:rPr lang="en-US" altLang="zh-CN" dirty="0"/>
+              <a:t>https://gdbooks.gitbooks.io/3dcollisions/content/Chapter2/static_sphere_aabb.html</a:t>
+            </a:r>
+          </a:p>
+          <a:p>
+            <a:r>
+              <a:rPr lang="en-US" altLang="zh-CN" dirty="0"/>
+              <a:t>https://github.com/erich666/GraphicsGems/blob/master/gems/BoxSphere.c</a:t>
+            </a:r>
+            <a:br>
+              <a:rPr lang="en-US" altLang="zh-CN" dirty="0"/>
+            </a:br>
+            <a:endParaRPr lang="zh-CN" altLang="en-US" dirty="0"/>
+          </a:p>
+        </p:txBody>
+      </p:sp>
+      <p:sp>
+        <p:nvSpPr>
+          <p:cNvPr id="4" name="灯片编号占位符 3"/>
+          <p:cNvSpPr>
+            <a:spLocks noGrp="1"/>
+          </p:cNvSpPr>
+          <p:nvPr>
+            <p:ph type="sldNum" sz="quarter" idx="5"/>
+          </p:nvPr>
+        </p:nvSpPr>
+        <p:spPr/>
+        <p:txBody>
+          <a:bodyPr/>
+          <a:lstStyle/>
+          <a:p>
+            <a:fld id="{ABB34644-EA10-4666-8FBA-75A7EBD5C609}" type="slidenum">
+              <a:rPr lang="zh-CN" altLang="en-US" smtClean="0"/>
+              <a:t>17</a:t>
+            </a:fld>
+            <a:endParaRPr lang="zh-CN" altLang="en-US"/>
+          </a:p>
+        </p:txBody>
+      </p:sp>
+    </p:spTree>
+    <p:extLst>
+      <p:ext uri="{BB962C8B-B14F-4D97-AF65-F5344CB8AC3E}">
+        <p14:creationId xmlns:p14="http://schemas.microsoft.com/office/powerpoint/2010/main" val="1543322707"/>
+      </p:ext>
+    </p:extLst>
+  </p:cSld>
+  <p:clrMapOvr>
+    <a:masterClrMapping/>
+  </p:clrMapOvr>
+</p:notes>
+</file>
+
+<file path=ppt/notesSlides/notesSlide8.xml><?xml version="1.0" encoding="utf-8"?>
+<p:notes xmlns:a="http://schemas.openxmlformats.org/drawingml/2006/main" xmlns:r="http://schemas.openxmlformats.org/officeDocument/2006/relationships" xmlns:p="http://schemas.openxmlformats.org/presentationml/2006/main">
+  <p:cSld>
+    <p:spTree>
+      <p:nvGrpSpPr>
+        <p:cNvPr id="1" name=""/>
+        <p:cNvGrpSpPr/>
+        <p:nvPr/>
+      </p:nvGrpSpPr>
+      <p:grpSpPr>
+        <a:xfrm>
+          <a:off x="0" y="0"/>
+          <a:ext cx="0" cy="0"/>
+          <a:chOff x="0" y="0"/>
+          <a:chExt cx="0" cy="0"/>
+        </a:xfrm>
+      </p:grpSpPr>
+      <p:sp>
+        <p:nvSpPr>
+          <p:cNvPr id="2" name="幻灯片图像占位符 1"/>
+          <p:cNvSpPr>
+            <a:spLocks noGrp="1" noRot="1" noChangeAspect="1"/>
+          </p:cNvSpPr>
+          <p:nvPr>
+            <p:ph type="sldImg"/>
+          </p:nvPr>
+        </p:nvSpPr>
+        <p:spPr/>
+      </p:sp>
+      <p:sp>
+        <p:nvSpPr>
+          <p:cNvPr id="3" name="备注占位符 2"/>
+          <p:cNvSpPr>
+            <a:spLocks noGrp="1"/>
+          </p:cNvSpPr>
+          <p:nvPr>
+            <p:ph type="body" idx="1"/>
+          </p:nvPr>
+        </p:nvSpPr>
+        <p:spPr/>
+        <p:txBody>
+          <a:bodyPr/>
+          <a:lstStyle/>
+          <a:p>
+            <a:endParaRPr lang="zh-CN" altLang="en-US" dirty="0"/>
+          </a:p>
+        </p:txBody>
+      </p:sp>
+      <p:sp>
+        <p:nvSpPr>
+          <p:cNvPr id="4" name="灯片编号占位符 3"/>
+          <p:cNvSpPr>
+            <a:spLocks noGrp="1"/>
+          </p:cNvSpPr>
+          <p:nvPr>
+            <p:ph type="sldNum" sz="quarter" idx="5"/>
+          </p:nvPr>
+        </p:nvSpPr>
+        <p:spPr/>
+        <p:txBody>
+          <a:bodyPr/>
+          <a:lstStyle/>
+          <a:p>
+            <a:fld id="{ABB34644-EA10-4666-8FBA-75A7EBD5C609}" type="slidenum">
+              <a:rPr lang="zh-CN" altLang="en-US" smtClean="0"/>
+              <a:t>20</a:t>
+            </a:fld>
+            <a:endParaRPr lang="zh-CN" altLang="en-US"/>
+          </a:p>
+        </p:txBody>
+      </p:sp>
+    </p:spTree>
+    <p:extLst>
+      <p:ext uri="{BB962C8B-B14F-4D97-AF65-F5344CB8AC3E}">
+        <p14:creationId xmlns:p14="http://schemas.microsoft.com/office/powerpoint/2010/main" val="2614206245"/>
+      </p:ext>
+    </p:extLst>
+  </p:cSld>
+  <p:clrMapOvr>
+    <a:masterClrMapping/>
+  </p:clrMapOvr>
+</p:notes>
+</file>
+
+<file path=ppt/notesSlides/notesSlide9.xml><?xml version="1.0" encoding="utf-8"?>
+<p:notes xmlns:a="http://schemas.openxmlformats.org/drawingml/2006/main" xmlns:r="http://schemas.openxmlformats.org/officeDocument/2006/relationships" xmlns:p="http://schemas.openxmlformats.org/presentationml/2006/main">
+  <p:cSld>
+    <p:spTree>
+      <p:nvGrpSpPr>
+        <p:cNvPr id="1" name=""/>
+        <p:cNvGrpSpPr/>
+        <p:nvPr/>
+      </p:nvGrpSpPr>
+      <p:grpSpPr>
+        <a:xfrm>
+          <a:off x="0" y="0"/>
+          <a:ext cx="0" cy="0"/>
+          <a:chOff x="0" y="0"/>
+          <a:chExt cx="0" cy="0"/>
+        </a:xfrm>
+      </p:grpSpPr>
+      <p:sp>
+        <p:nvSpPr>
+          <p:cNvPr id="2" name="幻灯片图像占位符 1"/>
+          <p:cNvSpPr>
+            <a:spLocks noGrp="1" noRot="1" noChangeAspect="1"/>
+          </p:cNvSpPr>
+          <p:nvPr>
+            <p:ph type="sldImg"/>
+          </p:nvPr>
+        </p:nvSpPr>
+        <p:spPr/>
+      </p:sp>
+      <p:sp>
+        <p:nvSpPr>
+          <p:cNvPr id="3" name="备注占位符 2"/>
+          <p:cNvSpPr>
+            <a:spLocks noGrp="1"/>
+          </p:cNvSpPr>
+          <p:nvPr>
+            <p:ph type="body" idx="1"/>
+          </p:nvPr>
+        </p:nvSpPr>
+        <p:spPr/>
+        <p:txBody>
+          <a:bodyPr/>
+          <a:lstStyle/>
+          <a:p>
+            <a:endParaRPr lang="zh-CN" altLang="en-US" dirty="0"/>
+          </a:p>
+        </p:txBody>
+      </p:sp>
+      <p:sp>
+        <p:nvSpPr>
+          <p:cNvPr id="4" name="灯片编号占位符 3"/>
+          <p:cNvSpPr>
+            <a:spLocks noGrp="1"/>
+          </p:cNvSpPr>
+          <p:nvPr>
+            <p:ph type="sldNum" sz="quarter" idx="5"/>
+          </p:nvPr>
+        </p:nvSpPr>
+        <p:spPr/>
+        <p:txBody>
+          <a:bodyPr/>
+          <a:lstStyle/>
+          <a:p>
+            <a:fld id="{ABB34644-EA10-4666-8FBA-75A7EBD5C609}" type="slidenum">
+              <a:rPr lang="zh-CN" altLang="en-US" smtClean="0"/>
+              <a:t>21</a:t>
+            </a:fld>
+            <a:endParaRPr lang="zh-CN" altLang="en-US"/>
+          </a:p>
+        </p:txBody>
+      </p:sp>
+    </p:spTree>
+    <p:extLst>
+      <p:ext uri="{BB962C8B-B14F-4D97-AF65-F5344CB8AC3E}">
+        <p14:creationId xmlns:p14="http://schemas.microsoft.com/office/powerpoint/2010/main" val="358666822"/>
+      </p:ext>
+    </p:extLst>
+  </p:cSld>
+  <p:clrMapOvr>
+    <a:masterClrMapping/>
+  </p:clrMapOvr>
+</p:notes>
+</file>
+
 <file path=ppt/slideLayouts/slideLayout1.xml><?xml version="1.0" encoding="utf-8"?>
 <p:sldLayout xmlns:a="http://schemas.openxmlformats.org/drawingml/2006/main" xmlns:r="http://schemas.openxmlformats.org/officeDocument/2006/relationships" xmlns:p="http://schemas.openxmlformats.org/presentationml/2006/main" type="title" preserve="1">
   <p:cSld name="标题幻灯片">
@@ -257,7 +1678,7 @@
           <a:p>
             <a:fld id="{D997B5FA-0921-464F-AAE1-844C04324D75}" type="datetimeFigureOut">
               <a:rPr lang="zh-CN" altLang="en-US" smtClean="0"/>
-              <a:t>2019/8/4</a:t>
+              <a:t>2019/8/11</a:t>
             </a:fld>
             <a:endParaRPr lang="zh-CN" altLang="en-US"/>
           </a:p>
@@ -425,7 +1846,7 @@
           <a:p>
             <a:fld id="{D997B5FA-0921-464F-AAE1-844C04324D75}" type="datetimeFigureOut">
               <a:rPr lang="zh-CN" altLang="en-US" smtClean="0"/>
-              <a:t>2019/8/4</a:t>
+              <a:t>2019/8/11</a:t>
             </a:fld>
             <a:endParaRPr lang="zh-CN" altLang="en-US"/>
           </a:p>
@@ -603,7 +2024,7 @@
           <a:p>
             <a:fld id="{D997B5FA-0921-464F-AAE1-844C04324D75}" type="datetimeFigureOut">
               <a:rPr lang="zh-CN" altLang="en-US" smtClean="0"/>
-              <a:t>2019/8/4</a:t>
+              <a:t>2019/8/11</a:t>
             </a:fld>
             <a:endParaRPr lang="zh-CN" altLang="en-US"/>
           </a:p>
@@ -771,7 +2192,7 @@
           <a:p>
             <a:fld id="{D997B5FA-0921-464F-AAE1-844C04324D75}" type="datetimeFigureOut">
               <a:rPr lang="zh-CN" altLang="en-US" smtClean="0"/>
-              <a:t>2019/8/4</a:t>
+              <a:t>2019/8/11</a:t>
             </a:fld>
             <a:endParaRPr lang="zh-CN" altLang="en-US"/>
           </a:p>
@@ -1016,7 +2437,7 @@
           <a:p>
             <a:fld id="{D997B5FA-0921-464F-AAE1-844C04324D75}" type="datetimeFigureOut">
               <a:rPr lang="zh-CN" altLang="en-US" smtClean="0"/>
-              <a:t>2019/8/4</a:t>
+              <a:t>2019/8/11</a:t>
             </a:fld>
             <a:endParaRPr lang="zh-CN" altLang="en-US"/>
           </a:p>
@@ -1245,7 +2666,7 @@
           <a:p>
             <a:fld id="{D997B5FA-0921-464F-AAE1-844C04324D75}" type="datetimeFigureOut">
               <a:rPr lang="zh-CN" altLang="en-US" smtClean="0"/>
-              <a:t>2019/8/4</a:t>
+              <a:t>2019/8/11</a:t>
             </a:fld>
             <a:endParaRPr lang="zh-CN" altLang="en-US"/>
           </a:p>
@@ -1609,7 +3030,7 @@
           <a:p>
             <a:fld id="{D997B5FA-0921-464F-AAE1-844C04324D75}" type="datetimeFigureOut">
               <a:rPr lang="zh-CN" altLang="en-US" smtClean="0"/>
-              <a:t>2019/8/4</a:t>
+              <a:t>2019/8/11</a:t>
             </a:fld>
             <a:endParaRPr lang="zh-CN" altLang="en-US"/>
           </a:p>
@@ -1726,7 +3147,7 @@
           <a:p>
             <a:fld id="{D997B5FA-0921-464F-AAE1-844C04324D75}" type="datetimeFigureOut">
               <a:rPr lang="zh-CN" altLang="en-US" smtClean="0"/>
-              <a:t>2019/8/4</a:t>
+              <a:t>2019/8/11</a:t>
             </a:fld>
             <a:endParaRPr lang="zh-CN" altLang="en-US"/>
           </a:p>
@@ -1821,7 +3242,7 @@
           <a:p>
             <a:fld id="{D997B5FA-0921-464F-AAE1-844C04324D75}" type="datetimeFigureOut">
               <a:rPr lang="zh-CN" altLang="en-US" smtClean="0"/>
-              <a:t>2019/8/4</a:t>
+              <a:t>2019/8/11</a:t>
             </a:fld>
             <a:endParaRPr lang="zh-CN" altLang="en-US"/>
           </a:p>
@@ -2096,7 +3517,7 @@
           <a:p>
             <a:fld id="{D997B5FA-0921-464F-AAE1-844C04324D75}" type="datetimeFigureOut">
               <a:rPr lang="zh-CN" altLang="en-US" smtClean="0"/>
-              <a:t>2019/8/4</a:t>
+              <a:t>2019/8/11</a:t>
             </a:fld>
             <a:endParaRPr lang="zh-CN" altLang="en-US"/>
           </a:p>
@@ -2348,7 +3769,7 @@
           <a:p>
             <a:fld id="{D997B5FA-0921-464F-AAE1-844C04324D75}" type="datetimeFigureOut">
               <a:rPr lang="zh-CN" altLang="en-US" smtClean="0"/>
-              <a:t>2019/8/4</a:t>
+              <a:t>2019/8/11</a:t>
             </a:fld>
             <a:endParaRPr lang="zh-CN" altLang="en-US"/>
           </a:p>
@@ -2559,7 +3980,7 @@
           <a:p>
             <a:fld id="{D997B5FA-0921-464F-AAE1-844C04324D75}" type="datetimeFigureOut">
               <a:rPr lang="zh-CN" altLang="en-US" smtClean="0"/>
-              <a:t>2019/8/4</a:t>
+              <a:t>2019/8/11</a:t>
             </a:fld>
             <a:endParaRPr lang="zh-CN" altLang="en-US"/>
           </a:p>
@@ -3015,20 +4436,8 @@
           <a:lstStyle/>
           <a:p>
             <a:r>
-              <a:rPr lang="en-US" altLang="zh-CN" b="1" dirty="0"/>
-              <a:t>tiled forward </a:t>
-            </a:r>
-            <a:r>
-              <a:rPr lang="en-US" altLang="zh-CN" b="1" dirty="0" err="1"/>
-              <a:t>rendering:</a:t>
-            </a:r>
-            <a:r>
-              <a:rPr lang="en-US" altLang="zh-CN" dirty="0" err="1"/>
-              <a:t>Forward</a:t>
-            </a:r>
-            <a:r>
-              <a:rPr lang="en-US" altLang="zh-CN" dirty="0"/>
-              <a:t>+ </a:t>
+              <a:rPr lang="en-US" altLang="zh-CN" dirty="0"/>
+              <a:t>Forward+ </a:t>
             </a:r>
           </a:p>
           <a:p>
@@ -3075,7 +4484,7 @@
           <p:cNvPr id="2" name="标题 1">
             <a:extLst>
               <a:ext uri="{FF2B5EF4-FFF2-40B4-BE49-F238E27FC236}">
-                <a16:creationId xmlns:a16="http://schemas.microsoft.com/office/drawing/2014/main" id="{C6E90711-00E3-4656-A1B8-CFAB0C41C13A}"/>
+                <a16:creationId xmlns:a16="http://schemas.microsoft.com/office/drawing/2014/main" id="{AE21FC3A-C2BF-43AB-8690-94D25700DA43}"/>
               </a:ext>
             </a:extLst>
           </p:cNvPr>
@@ -3092,8 +4501,333 @@
           <a:lstStyle/>
           <a:p>
             <a:r>
-              <a:rPr lang="en-US" altLang="zh-CN" b="1" dirty="0"/>
-              <a:t>Light Culling</a:t>
+              <a:rPr lang="zh-CN" altLang="en-US" dirty="0"/>
+              <a:t>如何求</a:t>
+            </a:r>
+            <a:r>
+              <a:rPr lang="en-US" altLang="zh-CN" dirty="0"/>
+              <a:t>Tile Frustum</a:t>
+            </a:r>
+            <a:r>
+              <a:rPr lang="zh-CN" altLang="en-US" dirty="0"/>
+              <a:t>？</a:t>
+            </a:r>
+          </a:p>
+        </p:txBody>
+      </p:sp>
+      <p:sp>
+        <p:nvSpPr>
+          <p:cNvPr id="3" name="内容占位符 2">
+            <a:extLst>
+              <a:ext uri="{FF2B5EF4-FFF2-40B4-BE49-F238E27FC236}">
+                <a16:creationId xmlns:a16="http://schemas.microsoft.com/office/drawing/2014/main" id="{B67E08FD-6DA9-45DD-90DD-191D1CA55652}"/>
+              </a:ext>
+            </a:extLst>
+          </p:cNvPr>
+          <p:cNvSpPr>
+            <a:spLocks noGrp="1"/>
+          </p:cNvSpPr>
+          <p:nvPr>
+            <p:ph idx="1"/>
+          </p:nvPr>
+        </p:nvSpPr>
+        <p:spPr/>
+        <p:txBody>
+          <a:bodyPr/>
+          <a:lstStyle/>
+          <a:p>
+            <a:r>
+              <a:rPr lang="zh-CN" altLang="en-US" dirty="0"/>
+              <a:t>前后</a:t>
+            </a:r>
+            <a:r>
+              <a:rPr lang="en-US" altLang="zh-CN" dirty="0"/>
+              <a:t>Plane</a:t>
+            </a:r>
+          </a:p>
+          <a:p>
+            <a:pPr lvl="1"/>
+            <a:r>
+              <a:rPr lang="zh-CN" altLang="en-US" dirty="0"/>
+              <a:t>求</a:t>
+            </a:r>
+            <a:r>
+              <a:rPr lang="en-US" altLang="zh-CN" dirty="0"/>
+              <a:t>Tile</a:t>
+            </a:r>
+            <a:r>
+              <a:rPr lang="zh-CN" altLang="en-US" dirty="0"/>
+              <a:t>的</a:t>
+            </a:r>
+            <a:r>
+              <a:rPr lang="en-US" altLang="zh-CN" dirty="0"/>
+              <a:t>Min</a:t>
+            </a:r>
+            <a:r>
+              <a:rPr lang="zh-CN" altLang="en-US" dirty="0"/>
+              <a:t>和</a:t>
+            </a:r>
+            <a:r>
+              <a:rPr lang="en-US" altLang="zh-CN" dirty="0"/>
+              <a:t>Max</a:t>
+            </a:r>
+            <a:r>
+              <a:rPr lang="zh-CN" altLang="en-US" dirty="0"/>
+              <a:t>深度</a:t>
+            </a:r>
+            <a:r>
+              <a:rPr lang="en-US" altLang="zh-CN" dirty="0"/>
+              <a:t>(View Space)</a:t>
+            </a:r>
+          </a:p>
+          <a:p>
+            <a:pPr lvl="1"/>
+            <a:r>
+              <a:rPr lang="zh-CN" altLang="en-US" dirty="0">
+                <a:solidFill>
+                  <a:schemeClr val="accent1"/>
+                </a:solidFill>
+              </a:rPr>
+              <a:t>蓝色是物体；</a:t>
+            </a:r>
+            <a:r>
+              <a:rPr lang="zh-CN" altLang="en-US" dirty="0">
+                <a:solidFill>
+                  <a:schemeClr val="accent4"/>
+                </a:solidFill>
+              </a:rPr>
+              <a:t>黄色是光源</a:t>
+            </a:r>
+            <a:endParaRPr lang="en-US" altLang="zh-CN" dirty="0">
+              <a:solidFill>
+                <a:schemeClr val="accent4"/>
+              </a:solidFill>
+            </a:endParaRPr>
+          </a:p>
+          <a:p>
+            <a:pPr lvl="1"/>
+            <a:r>
+              <a:rPr lang="zh-CN" altLang="en-US" dirty="0"/>
+              <a:t>可以放在</a:t>
+            </a:r>
+            <a:r>
+              <a:rPr lang="en-US" altLang="zh-CN" dirty="0" err="1"/>
+              <a:t>LightCulling</a:t>
+            </a:r>
+            <a:r>
+              <a:rPr lang="zh-CN" altLang="en-US" dirty="0"/>
+              <a:t>步骤一起算</a:t>
+            </a:r>
+            <a:endParaRPr lang="en-US" altLang="zh-CN" dirty="0"/>
+          </a:p>
+          <a:p>
+            <a:r>
+              <a:rPr lang="zh-CN" altLang="en-US" dirty="0"/>
+              <a:t>实现</a:t>
+            </a:r>
+            <a:endParaRPr lang="en-US" altLang="zh-CN" dirty="0"/>
+          </a:p>
+          <a:p>
+            <a:pPr lvl="1"/>
+            <a:r>
+              <a:rPr lang="en-US" altLang="zh-CN" dirty="0" err="1"/>
+              <a:t>precomputeFrustums.compute</a:t>
+            </a:r>
+            <a:endParaRPr lang="en-US" altLang="zh-CN" dirty="0"/>
+          </a:p>
+        </p:txBody>
+      </p:sp>
+      <p:pic>
+        <p:nvPicPr>
+          <p:cNvPr id="4098" name="Picture 2" descr="Min and Max Depth per Tile">
+            <a:extLst>
+              <a:ext uri="{FF2B5EF4-FFF2-40B4-BE49-F238E27FC236}">
+                <a16:creationId xmlns:a16="http://schemas.microsoft.com/office/drawing/2014/main" id="{7D5AB15A-00C7-4F4C-BC34-76B4CCBB72F2}"/>
+              </a:ext>
+            </a:extLst>
+          </p:cNvPr>
+          <p:cNvPicPr>
+            <a:picLocks noChangeAspect="1" noChangeArrowheads="1"/>
+          </p:cNvPicPr>
+          <p:nvPr/>
+        </p:nvPicPr>
+        <p:blipFill>
+          <a:blip r:embed="rId2" cstate="print">
+            <a:extLst>
+              <a:ext uri="{28A0092B-C50C-407E-A947-70E740481C1C}">
+                <a14:useLocalDpi xmlns:a14="http://schemas.microsoft.com/office/drawing/2010/main" val="0"/>
+              </a:ext>
+            </a:extLst>
+          </a:blip>
+          <a:srcRect/>
+          <a:stretch>
+            <a:fillRect/>
+          </a:stretch>
+        </p:blipFill>
+        <p:spPr bwMode="auto">
+          <a:xfrm>
+            <a:off x="8382926" y="79382"/>
+            <a:ext cx="3356068" cy="2956406"/>
+          </a:xfrm>
+          <a:prstGeom prst="rect">
+            <a:avLst/>
+          </a:prstGeom>
+          <a:noFill/>
+          <a:extLst>
+            <a:ext uri="{909E8E84-426E-40DD-AFC4-6F175D3DCCD1}">
+              <a14:hiddenFill xmlns:a14="http://schemas.microsoft.com/office/drawing/2010/main">
+                <a:solidFill>
+                  <a:srgbClr val="FFFFFF"/>
+                </a:solidFill>
+              </a14:hiddenFill>
+            </a:ext>
+          </a:extLst>
+        </p:spPr>
+      </p:pic>
+      <p:pic>
+        <p:nvPicPr>
+          <p:cNvPr id="5" name="图片 4">
+            <a:extLst>
+              <a:ext uri="{FF2B5EF4-FFF2-40B4-BE49-F238E27FC236}">
+                <a16:creationId xmlns:a16="http://schemas.microsoft.com/office/drawing/2014/main" id="{5D5A9F8F-6849-4243-ACAF-292F651F802B}"/>
+              </a:ext>
+            </a:extLst>
+          </p:cNvPr>
+          <p:cNvPicPr>
+            <a:picLocks noChangeAspect="1"/>
+          </p:cNvPicPr>
+          <p:nvPr/>
+        </p:nvPicPr>
+        <p:blipFill>
+          <a:blip r:embed="rId3"/>
+          <a:stretch>
+            <a:fillRect/>
+          </a:stretch>
+        </p:blipFill>
+        <p:spPr>
+          <a:xfrm>
+            <a:off x="262024" y="5779950"/>
+            <a:ext cx="6893785" cy="1063900"/>
+          </a:xfrm>
+          <a:prstGeom prst="rect">
+            <a:avLst/>
+          </a:prstGeom>
+        </p:spPr>
+      </p:pic>
+      <p:pic>
+        <p:nvPicPr>
+          <p:cNvPr id="6" name="图片 5">
+            <a:extLst>
+              <a:ext uri="{FF2B5EF4-FFF2-40B4-BE49-F238E27FC236}">
+                <a16:creationId xmlns:a16="http://schemas.microsoft.com/office/drawing/2014/main" id="{93F178DD-85E2-4FB6-A0B5-947F8FF4B17E}"/>
+              </a:ext>
+            </a:extLst>
+          </p:cNvPr>
+          <p:cNvPicPr>
+            <a:picLocks noChangeAspect="1"/>
+          </p:cNvPicPr>
+          <p:nvPr/>
+        </p:nvPicPr>
+        <p:blipFill>
+          <a:blip r:embed="rId4"/>
+          <a:stretch>
+            <a:fillRect/>
+          </a:stretch>
+        </p:blipFill>
+        <p:spPr>
+          <a:xfrm>
+            <a:off x="262025" y="4773336"/>
+            <a:ext cx="6848218" cy="939145"/>
+          </a:xfrm>
+          <a:prstGeom prst="rect">
+            <a:avLst/>
+          </a:prstGeom>
+        </p:spPr>
+      </p:pic>
+      <p:pic>
+        <p:nvPicPr>
+          <p:cNvPr id="7" name="图片 6">
+            <a:extLst>
+              <a:ext uri="{FF2B5EF4-FFF2-40B4-BE49-F238E27FC236}">
+                <a16:creationId xmlns:a16="http://schemas.microsoft.com/office/drawing/2014/main" id="{2B457C70-E710-4347-B34F-1524AA20B554}"/>
+              </a:ext>
+            </a:extLst>
+          </p:cNvPr>
+          <p:cNvPicPr>
+            <a:picLocks noChangeAspect="1"/>
+          </p:cNvPicPr>
+          <p:nvPr/>
+        </p:nvPicPr>
+        <p:blipFill>
+          <a:blip r:embed="rId5"/>
+          <a:stretch>
+            <a:fillRect/>
+          </a:stretch>
+        </p:blipFill>
+        <p:spPr>
+          <a:xfrm>
+            <a:off x="6096000" y="3654011"/>
+            <a:ext cx="5857875" cy="904875"/>
+          </a:xfrm>
+          <a:prstGeom prst="rect">
+            <a:avLst/>
+          </a:prstGeom>
+        </p:spPr>
+      </p:pic>
+    </p:spTree>
+    <p:extLst>
+      <p:ext uri="{BB962C8B-B14F-4D97-AF65-F5344CB8AC3E}">
+        <p14:creationId xmlns:p14="http://schemas.microsoft.com/office/powerpoint/2010/main" val="2906871497"/>
+      </p:ext>
+    </p:extLst>
+  </p:cSld>
+  <p:clrMapOvr>
+    <a:masterClrMapping/>
+  </p:clrMapOvr>
+</p:sld>
+</file>
+
+<file path=ppt/slides/slide11.xml><?xml version="1.0" encoding="utf-8"?>
+<p:sld xmlns:a="http://schemas.openxmlformats.org/drawingml/2006/main" xmlns:r="http://schemas.openxmlformats.org/officeDocument/2006/relationships" xmlns:p="http://schemas.openxmlformats.org/presentationml/2006/main">
+  <p:cSld>
+    <p:spTree>
+      <p:nvGrpSpPr>
+        <p:cNvPr id="1" name=""/>
+        <p:cNvGrpSpPr/>
+        <p:nvPr/>
+      </p:nvGrpSpPr>
+      <p:grpSpPr>
+        <a:xfrm>
+          <a:off x="0" y="0"/>
+          <a:ext cx="0" cy="0"/>
+          <a:chOff x="0" y="0"/>
+          <a:chExt cx="0" cy="0"/>
+        </a:xfrm>
+      </p:grpSpPr>
+      <p:sp>
+        <p:nvSpPr>
+          <p:cNvPr id="2" name="标题 1">
+            <a:extLst>
+              <a:ext uri="{FF2B5EF4-FFF2-40B4-BE49-F238E27FC236}">
+                <a16:creationId xmlns:a16="http://schemas.microsoft.com/office/drawing/2014/main" id="{BCCF83BF-CD20-4AD9-8DD6-079B14DA45DE}"/>
+              </a:ext>
+            </a:extLst>
+          </p:cNvPr>
+          <p:cNvSpPr>
+            <a:spLocks noGrp="1"/>
+          </p:cNvSpPr>
+          <p:nvPr>
+            <p:ph type="title"/>
+          </p:nvPr>
+        </p:nvSpPr>
+        <p:spPr/>
+        <p:txBody>
+          <a:bodyPr/>
+          <a:lstStyle/>
+          <a:p>
+            <a:r>
+              <a:rPr lang="en-US" altLang="zh-CN" dirty="0" err="1"/>
+              <a:t>ComputeShader</a:t>
             </a:r>
             <a:endParaRPr lang="zh-CN" altLang="en-US" dirty="0"/>
           </a:p>
@@ -3104,7 +4838,7 @@
           <p:cNvPr id="3" name="内容占位符 2">
             <a:extLst>
               <a:ext uri="{FF2B5EF4-FFF2-40B4-BE49-F238E27FC236}">
-                <a16:creationId xmlns:a16="http://schemas.microsoft.com/office/drawing/2014/main" id="{B9D322C2-75B4-4B75-B95B-75438CF185FB}"/>
+                <a16:creationId xmlns:a16="http://schemas.microsoft.com/office/drawing/2014/main" id="{69B5FFA3-FE39-4759-92BC-A82BDC7D096F}"/>
               </a:ext>
             </a:extLst>
           </p:cNvPr>
@@ -3122,50 +4856,151 @@
           <a:p>
             <a:r>
               <a:rPr lang="en-US" altLang="zh-CN" dirty="0"/>
-              <a:t>Opaque: </a:t>
+              <a:t>Dispatch (x, y, z) </a:t>
+            </a:r>
+            <a:r>
+              <a:rPr lang="zh-CN" altLang="en-US" dirty="0"/>
+              <a:t>與 </a:t>
+            </a:r>
+            <a:r>
+              <a:rPr lang="en-US" altLang="zh-CN" dirty="0" err="1"/>
+              <a:t>numthreads</a:t>
+            </a:r>
+            <a:r>
+              <a:rPr lang="en-US" altLang="zh-CN" dirty="0"/>
+              <a:t> (x, y, z)</a:t>
             </a:r>
           </a:p>
           <a:p>
             <a:pPr lvl="1"/>
             <a:r>
-              <a:rPr lang="zh-CN" altLang="en-US" dirty="0"/>
-              <a:t>保留</a:t>
-            </a:r>
-            <a:r>
-              <a:rPr lang="en-US" altLang="zh-CN" dirty="0"/>
-              <a:t>Min</a:t>
-            </a:r>
-            <a:r>
-              <a:rPr lang="zh-CN" altLang="en-US" dirty="0"/>
-              <a:t>和</a:t>
-            </a:r>
-            <a:r>
-              <a:rPr lang="en-US" altLang="zh-CN" dirty="0"/>
-              <a:t>Max Depth</a:t>
-            </a:r>
-            <a:r>
-              <a:rPr lang="zh-CN" altLang="en-US" dirty="0"/>
-              <a:t>之间的</a:t>
+              <a:rPr lang="en-US" altLang="zh-CN" dirty="0" err="1"/>
+              <a:t>Dispatch.x</a:t>
+            </a:r>
+            <a:r>
+              <a:rPr lang="en-US" altLang="zh-CN" dirty="0"/>
+              <a:t> * </a:t>
+            </a:r>
+            <a:r>
+              <a:rPr lang="en-US" altLang="zh-CN" dirty="0" err="1"/>
+              <a:t>numthreads.x</a:t>
+            </a:r>
+            <a:r>
+              <a:rPr lang="en-US" altLang="zh-CN" dirty="0"/>
+              <a:t> </a:t>
+            </a:r>
+            <a:r>
+              <a:rPr lang="zh-CN" altLang="en-US" dirty="0"/>
+              <a:t>等于宽度；</a:t>
+            </a:r>
+            <a:r>
+              <a:rPr lang="en-US" altLang="zh-CN" dirty="0" err="1"/>
+              <a:t>Dispatch.y</a:t>
+            </a:r>
+            <a:r>
+              <a:rPr lang="en-US" altLang="zh-CN" dirty="0"/>
+              <a:t> * </a:t>
+            </a:r>
+            <a:r>
+              <a:rPr lang="en-US" altLang="zh-CN" dirty="0" err="1"/>
+              <a:t>numthreads.y</a:t>
+            </a:r>
+            <a:r>
+              <a:rPr lang="en-US" altLang="zh-CN" dirty="0"/>
+              <a:t> </a:t>
+            </a:r>
+            <a:r>
+              <a:rPr lang="zh-CN" altLang="en-US" dirty="0"/>
+              <a:t>等于高度</a:t>
             </a:r>
             <a:endParaRPr lang="en-US" altLang="zh-CN" dirty="0"/>
           </a:p>
           <a:p>
+            <a:pPr lvl="1"/>
+            <a:r>
+              <a:rPr lang="en-US" altLang="zh-CN" dirty="0" err="1"/>
+              <a:t>numthreads</a:t>
+            </a:r>
+            <a:r>
+              <a:rPr lang="en-US" altLang="zh-CN" dirty="0"/>
+              <a:t> (x, y, z)</a:t>
+            </a:r>
+            <a:r>
+              <a:rPr lang="zh-CN" altLang="en-US" dirty="0"/>
+              <a:t>作为一个</a:t>
+            </a:r>
+            <a:r>
+              <a:rPr lang="en-US" altLang="zh-CN" dirty="0"/>
+              <a:t>Group</a:t>
+            </a:r>
+          </a:p>
+          <a:p>
             <a:pPr lvl="2"/>
             <a:r>
-              <a:rPr lang="en-US" altLang="zh-CN" dirty="0"/>
-              <a:t>Light1: </a:t>
-            </a:r>
-            <a:r>
-              <a:rPr lang="zh-CN" altLang="en-US" dirty="0"/>
-              <a:t>在</a:t>
-            </a:r>
-            <a:r>
-              <a:rPr lang="en-US" altLang="zh-CN" dirty="0"/>
-              <a:t>Tile2</a:t>
-            </a:r>
-            <a:r>
-              <a:rPr lang="zh-CN" altLang="en-US" dirty="0"/>
-              <a:t>被剔</a:t>
+              <a:rPr lang="zh-CN" altLang="en-US" dirty="0"/>
+              <a:t>每个核心处理处理一个</a:t>
+            </a:r>
+            <a:r>
+              <a:rPr lang="en-US" altLang="zh-CN" dirty="0"/>
+              <a:t>Group</a:t>
+            </a:r>
+          </a:p>
+          <a:p>
+            <a:pPr lvl="2"/>
+            <a:r>
+              <a:rPr lang="en-US" altLang="zh-CN" dirty="0"/>
+              <a:t>Group Size</a:t>
+            </a:r>
+            <a:r>
+              <a:rPr lang="zh-CN" altLang="en-US" dirty="0"/>
+              <a:t>为</a:t>
+            </a:r>
+            <a:r>
+              <a:rPr lang="en-US" altLang="zh-CN" dirty="0" err="1"/>
+              <a:t>numthreads.x</a:t>
+            </a:r>
+            <a:r>
+              <a:rPr lang="en-US" altLang="zh-CN" dirty="0"/>
+              <a:t> * </a:t>
+            </a:r>
+            <a:r>
+              <a:rPr lang="en-US" altLang="zh-CN" dirty="0" err="1"/>
+              <a:t>numthreads.y</a:t>
+            </a:r>
+            <a:r>
+              <a:rPr lang="en-US" altLang="zh-CN" dirty="0"/>
+              <a:t> * </a:t>
+            </a:r>
+            <a:r>
+              <a:rPr lang="en-US" altLang="zh-CN" dirty="0" err="1"/>
+              <a:t>numthreads.z</a:t>
+            </a:r>
+            <a:r>
+              <a:rPr lang="en-US" altLang="zh-CN" dirty="0"/>
+              <a:t> </a:t>
+            </a:r>
+            <a:r>
+              <a:rPr lang="zh-CN" altLang="en-US" dirty="0"/>
+              <a:t>，必須小於等於 </a:t>
+            </a:r>
+            <a:r>
+              <a:rPr lang="en-US" altLang="zh-CN" dirty="0"/>
+              <a:t>1024</a:t>
+            </a:r>
+          </a:p>
+          <a:p>
+            <a:pPr lvl="2"/>
+            <a:r>
+              <a:rPr lang="zh-CN" altLang="en-US" dirty="0"/>
+              <a:t>同一</a:t>
+            </a:r>
+            <a:r>
+              <a:rPr lang="en-US" altLang="zh-CN" dirty="0"/>
+              <a:t>Group</a:t>
+            </a:r>
+            <a:r>
+              <a:rPr lang="zh-CN" altLang="en-US" dirty="0"/>
+              <a:t>内：</a:t>
             </a:r>
             <a:endParaRPr lang="en-US" altLang="zh-CN" dirty="0"/>
           </a:p>
@@ -3173,168 +5008,46 @@
             <a:pPr lvl="3"/>
             <a:r>
               <a:rPr lang="zh-CN" altLang="en-US" dirty="0"/>
-              <a:t>在</a:t>
-            </a:r>
-            <a:r>
-              <a:rPr lang="en-US" altLang="zh-CN" dirty="0"/>
-              <a:t>Tile1</a:t>
-            </a:r>
-            <a:r>
-              <a:rPr lang="zh-CN" altLang="en-US" dirty="0"/>
-              <a:t>虽然没照到任何物体，但没被剔</a:t>
-            </a:r>
-            <a:r>
-              <a:rPr lang="en-US" altLang="zh-CN" dirty="0"/>
-              <a:t>(</a:t>
-            </a:r>
-            <a:r>
-              <a:rPr lang="zh-CN" altLang="en-US" dirty="0"/>
-              <a:t>局限</a:t>
-            </a:r>
-            <a:r>
-              <a:rPr lang="en-US" altLang="zh-CN" dirty="0"/>
-              <a:t>)</a:t>
-            </a:r>
+              <a:t>可同步 </a:t>
+            </a:r>
+            <a:r>
+              <a:rPr lang="en-US" altLang="zh-CN" dirty="0" err="1"/>
+              <a:t>GroupMemoryBarrierWithGroupSync</a:t>
+            </a:r>
+            <a:r>
+              <a:rPr lang="en-US" altLang="zh-CN" dirty="0"/>
+              <a:t>()</a:t>
+            </a:r>
+          </a:p>
+          <a:p>
+            <a:pPr lvl="3"/>
+            <a:r>
+              <a:rPr lang="zh-CN" altLang="en-US" dirty="0"/>
+              <a:t>可共享变量 </a:t>
+            </a:r>
+            <a:r>
+              <a:rPr lang="en-US" altLang="zh-CN" dirty="0" err="1"/>
+              <a:t>groupshared</a:t>
+            </a:r>
+            <a:endParaRPr lang="en-US" altLang="zh-CN" dirty="0"/>
+          </a:p>
+          <a:p>
+            <a:pPr lvl="1"/>
+            <a:r>
+              <a:rPr lang="en-US" altLang="zh-CN" dirty="0" err="1"/>
+              <a:t>RWStructuredBuffer</a:t>
+            </a:r>
+            <a:endParaRPr lang="en-US" altLang="zh-CN" dirty="0"/>
           </a:p>
           <a:p>
             <a:pPr lvl="2"/>
             <a:r>
               <a:rPr lang="en-US" altLang="zh-CN" dirty="0"/>
-              <a:t>Light2: </a:t>
-            </a:r>
-            <a:r>
-              <a:rPr lang="zh-CN" altLang="en-US" dirty="0"/>
-              <a:t>加到</a:t>
-            </a:r>
-            <a:r>
-              <a:rPr lang="en-US" altLang="zh-CN" dirty="0"/>
-              <a:t>Tile2</a:t>
-            </a:r>
-            <a:r>
-              <a:rPr lang="zh-CN" altLang="en-US" dirty="0"/>
-              <a:t>和</a:t>
-            </a:r>
-            <a:r>
-              <a:rPr lang="en-US" altLang="zh-CN" dirty="0"/>
-              <a:t>3; </a:t>
-            </a:r>
-            <a:r>
-              <a:rPr lang="zh-CN" altLang="en-US" dirty="0"/>
-              <a:t>在</a:t>
-            </a:r>
-            <a:r>
-              <a:rPr lang="en-US" altLang="zh-CN" dirty="0"/>
-              <a:t>Tile4</a:t>
-            </a:r>
-            <a:r>
-              <a:rPr lang="zh-CN" altLang="en-US" dirty="0"/>
-              <a:t>被剔</a:t>
-            </a:r>
-            <a:endParaRPr lang="en-US" altLang="zh-CN" dirty="0"/>
-          </a:p>
-          <a:p>
-            <a:pPr lvl="2"/>
-            <a:r>
-              <a:rPr lang="en-US" altLang="zh-CN" dirty="0"/>
-              <a:t>Light3: </a:t>
-            </a:r>
-            <a:r>
-              <a:rPr lang="zh-CN" altLang="en-US" dirty="0"/>
-              <a:t>在</a:t>
-            </a:r>
-            <a:r>
-              <a:rPr lang="en-US" altLang="zh-CN" dirty="0"/>
-              <a:t>Tile4</a:t>
-            </a:r>
-            <a:r>
-              <a:rPr lang="zh-CN" altLang="en-US" dirty="0"/>
-              <a:t>和</a:t>
-            </a:r>
-            <a:r>
-              <a:rPr lang="en-US" altLang="zh-CN" dirty="0"/>
-              <a:t>5</a:t>
-            </a:r>
-            <a:r>
-              <a:rPr lang="zh-CN" altLang="en-US" dirty="0"/>
-              <a:t>被剔，被</a:t>
-            </a:r>
-            <a:r>
-              <a:rPr lang="en-US" altLang="zh-CN" dirty="0"/>
-              <a:t>Obj3</a:t>
-            </a:r>
-            <a:r>
-              <a:rPr lang="zh-CN" altLang="en-US" dirty="0"/>
-              <a:t>遮挡了</a:t>
-            </a:r>
-            <a:endParaRPr lang="en-US" altLang="zh-CN" dirty="0"/>
-          </a:p>
-          <a:p>
-            <a:pPr lvl="2"/>
-            <a:r>
-              <a:rPr lang="en-US" altLang="zh-CN" dirty="0"/>
-              <a:t>Light4: </a:t>
-            </a:r>
-            <a:r>
-              <a:rPr lang="zh-CN" altLang="en-US" dirty="0"/>
-              <a:t>在</a:t>
-            </a:r>
-            <a:r>
-              <a:rPr lang="en-US" altLang="zh-CN" dirty="0"/>
-              <a:t>Tile6</a:t>
-            </a:r>
-            <a:r>
-              <a:rPr lang="zh-CN" altLang="en-US" dirty="0"/>
-              <a:t>被剔，加到</a:t>
-            </a:r>
-            <a:r>
-              <a:rPr lang="en-US" altLang="zh-CN" dirty="0"/>
-              <a:t>Tile7</a:t>
-            </a:r>
-          </a:p>
-          <a:p>
-            <a:r>
-              <a:rPr lang="en-US" altLang="zh-CN" dirty="0"/>
-              <a:t>Transparent</a:t>
-            </a:r>
-            <a:r>
-              <a:rPr lang="zh-CN" altLang="en-US" dirty="0"/>
-              <a:t>：</a:t>
-            </a:r>
-            <a:endParaRPr lang="en-US" altLang="zh-CN" dirty="0"/>
-          </a:p>
-          <a:p>
-            <a:pPr lvl="1"/>
-            <a:r>
-              <a:rPr lang="zh-CN" altLang="en-US" dirty="0"/>
-              <a:t>只能剔除</a:t>
-            </a:r>
-            <a:r>
-              <a:rPr lang="en-US" altLang="zh-CN" dirty="0"/>
-              <a:t>Max Depth</a:t>
-            </a:r>
-            <a:r>
-              <a:rPr lang="zh-CN" altLang="en-US" dirty="0"/>
-              <a:t>后的</a:t>
-            </a:r>
-            <a:endParaRPr lang="en-US" altLang="zh-CN" dirty="0"/>
-          </a:p>
-          <a:p>
-            <a:pPr lvl="2"/>
-            <a:r>
-              <a:rPr lang="en-US" altLang="zh-CN" dirty="0"/>
-              <a:t>Depth</a:t>
-            </a:r>
-            <a:r>
-              <a:rPr lang="zh-CN" altLang="en-US" dirty="0"/>
-              <a:t>由</a:t>
-            </a:r>
-            <a:r>
-              <a:rPr lang="en-US" altLang="zh-CN" dirty="0"/>
-              <a:t>Opaque</a:t>
-            </a:r>
-            <a:r>
-              <a:rPr lang="zh-CN" altLang="en-US" dirty="0"/>
-              <a:t>生成</a:t>
+              <a:t>Struct</a:t>
+            </a:r>
+            <a:r>
+              <a:rPr lang="zh-CN" altLang="en-US" dirty="0"/>
+              <a:t>数组，存光源，视椎体数据</a:t>
             </a:r>
             <a:endParaRPr lang="en-US" altLang="zh-CN" dirty="0"/>
           </a:p>
@@ -3345,7 +5058,7 @@
           <p:cNvPr id="4" name="图片 3">
             <a:extLst>
               <a:ext uri="{FF2B5EF4-FFF2-40B4-BE49-F238E27FC236}">
-                <a16:creationId xmlns:a16="http://schemas.microsoft.com/office/drawing/2014/main" id="{6964DD12-98BB-463C-8FEE-ED64EE91C0A6}"/>
+                <a16:creationId xmlns:a16="http://schemas.microsoft.com/office/drawing/2014/main" id="{A2AAFB07-5754-4D76-8576-5F61812DEF3D}"/>
               </a:ext>
             </a:extLst>
           </p:cNvPr>
@@ -3356,6 +5069,383 @@
         </p:nvPicPr>
         <p:blipFill>
           <a:blip r:embed="rId2"/>
+          <a:stretch>
+            <a:fillRect/>
+          </a:stretch>
+        </p:blipFill>
+        <p:spPr>
+          <a:xfrm>
+            <a:off x="746579" y="5404128"/>
+            <a:ext cx="6656880" cy="1453872"/>
+          </a:xfrm>
+          <a:prstGeom prst="rect">
+            <a:avLst/>
+          </a:prstGeom>
+        </p:spPr>
+      </p:pic>
+      <p:pic>
+        <p:nvPicPr>
+          <p:cNvPr id="5" name="Picture 4">
+            <a:extLst>
+              <a:ext uri="{FF2B5EF4-FFF2-40B4-BE49-F238E27FC236}">
+                <a16:creationId xmlns:a16="http://schemas.microsoft.com/office/drawing/2014/main" id="{B32F8466-2E1D-482E-82B5-252780EF5174}"/>
+              </a:ext>
+            </a:extLst>
+          </p:cNvPr>
+          <p:cNvPicPr>
+            <a:picLocks noChangeAspect="1" noChangeArrowheads="1"/>
+          </p:cNvPicPr>
+          <p:nvPr/>
+        </p:nvPicPr>
+        <p:blipFill>
+          <a:blip r:embed="rId3" cstate="print">
+            <a:extLst>
+              <a:ext uri="{28A0092B-C50C-407E-A947-70E740481C1C}">
+                <a14:useLocalDpi xmlns:a14="http://schemas.microsoft.com/office/drawing/2010/main" val="0"/>
+              </a:ext>
+            </a:extLst>
+          </a:blip>
+          <a:srcRect/>
+          <a:stretch>
+            <a:fillRect/>
+          </a:stretch>
+        </p:blipFill>
+        <p:spPr bwMode="auto">
+          <a:xfrm>
+            <a:off x="8806413" y="4001294"/>
+            <a:ext cx="2958448" cy="2996600"/>
+          </a:xfrm>
+          <a:prstGeom prst="rect">
+            <a:avLst/>
+          </a:prstGeom>
+          <a:noFill/>
+          <a:extLst>
+            <a:ext uri="{909E8E84-426E-40DD-AFC4-6F175D3DCCD1}">
+              <a14:hiddenFill xmlns:a14="http://schemas.microsoft.com/office/drawing/2010/main">
+                <a:solidFill>
+                  <a:srgbClr val="FFFFFF"/>
+                </a:solidFill>
+              </a14:hiddenFill>
+            </a:ext>
+          </a:extLst>
+        </p:spPr>
+      </p:pic>
+    </p:spTree>
+    <p:extLst>
+      <p:ext uri="{BB962C8B-B14F-4D97-AF65-F5344CB8AC3E}">
+        <p14:creationId xmlns:p14="http://schemas.microsoft.com/office/powerpoint/2010/main" val="2594389894"/>
+      </p:ext>
+    </p:extLst>
+  </p:cSld>
+  <p:clrMapOvr>
+    <a:masterClrMapping/>
+  </p:clrMapOvr>
+</p:sld>
+</file>
+
+<file path=ppt/slides/slide12.xml><?xml version="1.0" encoding="utf-8"?>
+<p:sld xmlns:a="http://schemas.openxmlformats.org/drawingml/2006/main" xmlns:r="http://schemas.openxmlformats.org/officeDocument/2006/relationships" xmlns:p="http://schemas.openxmlformats.org/presentationml/2006/main">
+  <p:cSld>
+    <p:spTree>
+      <p:nvGrpSpPr>
+        <p:cNvPr id="1" name=""/>
+        <p:cNvGrpSpPr/>
+        <p:nvPr/>
+      </p:nvGrpSpPr>
+      <p:grpSpPr>
+        <a:xfrm>
+          <a:off x="0" y="0"/>
+          <a:ext cx="0" cy="0"/>
+          <a:chOff x="0" y="0"/>
+          <a:chExt cx="0" cy="0"/>
+        </a:xfrm>
+      </p:grpSpPr>
+      <p:sp>
+        <p:nvSpPr>
+          <p:cNvPr id="2" name="标题 1">
+            <a:extLst>
+              <a:ext uri="{FF2B5EF4-FFF2-40B4-BE49-F238E27FC236}">
+                <a16:creationId xmlns:a16="http://schemas.microsoft.com/office/drawing/2014/main" id="{C6E90711-00E3-4656-A1B8-CFAB0C41C13A}"/>
+              </a:ext>
+            </a:extLst>
+          </p:cNvPr>
+          <p:cNvSpPr>
+            <a:spLocks noGrp="1"/>
+          </p:cNvSpPr>
+          <p:nvPr>
+            <p:ph type="title"/>
+          </p:nvPr>
+        </p:nvSpPr>
+        <p:spPr/>
+        <p:txBody>
+          <a:bodyPr/>
+          <a:lstStyle/>
+          <a:p>
+            <a:r>
+              <a:rPr lang="en-US" altLang="zh-CN" b="1" dirty="0"/>
+              <a:t>Light Culling</a:t>
+            </a:r>
+            <a:endParaRPr lang="zh-CN" altLang="en-US" dirty="0"/>
+          </a:p>
+        </p:txBody>
+      </p:sp>
+      <p:sp>
+        <p:nvSpPr>
+          <p:cNvPr id="3" name="内容占位符 2">
+            <a:extLst>
+              <a:ext uri="{FF2B5EF4-FFF2-40B4-BE49-F238E27FC236}">
+                <a16:creationId xmlns:a16="http://schemas.microsoft.com/office/drawing/2014/main" id="{B9D322C2-75B4-4B75-B95B-75438CF185FB}"/>
+              </a:ext>
+            </a:extLst>
+          </p:cNvPr>
+          <p:cNvSpPr>
+            <a:spLocks noGrp="1"/>
+          </p:cNvSpPr>
+          <p:nvPr>
+            <p:ph idx="1"/>
+          </p:nvPr>
+        </p:nvSpPr>
+        <p:spPr/>
+        <p:txBody>
+          <a:bodyPr/>
+          <a:lstStyle/>
+          <a:p>
+            <a:r>
+              <a:rPr lang="en-US" altLang="zh-CN" dirty="0"/>
+              <a:t>Opaque: </a:t>
+            </a:r>
+          </a:p>
+          <a:p>
+            <a:pPr lvl="1"/>
+            <a:r>
+              <a:rPr lang="zh-CN" altLang="en-US" dirty="0"/>
+              <a:t>保留</a:t>
+            </a:r>
+            <a:r>
+              <a:rPr lang="en-US" altLang="zh-CN" dirty="0"/>
+              <a:t>Min</a:t>
+            </a:r>
+            <a:r>
+              <a:rPr lang="zh-CN" altLang="en-US" dirty="0"/>
+              <a:t>和</a:t>
+            </a:r>
+            <a:r>
+              <a:rPr lang="en-US" altLang="zh-CN" dirty="0"/>
+              <a:t>Max Depth</a:t>
+            </a:r>
+            <a:r>
+              <a:rPr lang="zh-CN" altLang="en-US" dirty="0"/>
+              <a:t>之间的</a:t>
+            </a:r>
+            <a:endParaRPr lang="en-US" altLang="zh-CN" dirty="0"/>
+          </a:p>
+          <a:p>
+            <a:pPr lvl="2"/>
+            <a:r>
+              <a:rPr lang="en-US" altLang="zh-CN" dirty="0"/>
+              <a:t>Light1: </a:t>
+            </a:r>
+            <a:r>
+              <a:rPr lang="zh-CN" altLang="en-US" dirty="0"/>
+              <a:t>在</a:t>
+            </a:r>
+            <a:r>
+              <a:rPr lang="en-US" altLang="zh-CN" dirty="0"/>
+              <a:t>Tile2</a:t>
+            </a:r>
+            <a:r>
+              <a:rPr lang="zh-CN" altLang="en-US" dirty="0"/>
+              <a:t>被剔</a:t>
+            </a:r>
+            <a:endParaRPr lang="en-US" altLang="zh-CN" dirty="0"/>
+          </a:p>
+          <a:p>
+            <a:pPr lvl="3"/>
+            <a:r>
+              <a:rPr lang="zh-CN" altLang="en-US" dirty="0"/>
+              <a:t>在</a:t>
+            </a:r>
+            <a:r>
+              <a:rPr lang="en-US" altLang="zh-CN" dirty="0"/>
+              <a:t>Tile1</a:t>
+            </a:r>
+            <a:r>
+              <a:rPr lang="zh-CN" altLang="en-US" dirty="0"/>
+              <a:t>虽然没照到任何物体，但没被剔</a:t>
+            </a:r>
+            <a:r>
+              <a:rPr lang="en-US" altLang="zh-CN" dirty="0"/>
+              <a:t>(</a:t>
+            </a:r>
+            <a:r>
+              <a:rPr lang="zh-CN" altLang="en-US" dirty="0"/>
+              <a:t>局限</a:t>
+            </a:r>
+            <a:r>
+              <a:rPr lang="en-US" altLang="zh-CN" dirty="0"/>
+              <a:t>)</a:t>
+            </a:r>
+          </a:p>
+          <a:p>
+            <a:pPr lvl="2"/>
+            <a:r>
+              <a:rPr lang="en-US" altLang="zh-CN" dirty="0"/>
+              <a:t>Light2: </a:t>
+            </a:r>
+            <a:r>
+              <a:rPr lang="zh-CN" altLang="en-US" dirty="0"/>
+              <a:t>加到</a:t>
+            </a:r>
+            <a:r>
+              <a:rPr lang="en-US" altLang="zh-CN" dirty="0"/>
+              <a:t>Tile2</a:t>
+            </a:r>
+            <a:r>
+              <a:rPr lang="zh-CN" altLang="en-US" dirty="0"/>
+              <a:t>和</a:t>
+            </a:r>
+            <a:r>
+              <a:rPr lang="en-US" altLang="zh-CN" dirty="0"/>
+              <a:t>3; </a:t>
+            </a:r>
+            <a:r>
+              <a:rPr lang="zh-CN" altLang="en-US" dirty="0"/>
+              <a:t>在</a:t>
+            </a:r>
+            <a:r>
+              <a:rPr lang="en-US" altLang="zh-CN" dirty="0"/>
+              <a:t>Tile4</a:t>
+            </a:r>
+            <a:r>
+              <a:rPr lang="zh-CN" altLang="en-US" dirty="0"/>
+              <a:t>被剔</a:t>
+            </a:r>
+            <a:endParaRPr lang="en-US" altLang="zh-CN" dirty="0"/>
+          </a:p>
+          <a:p>
+            <a:pPr lvl="2"/>
+            <a:r>
+              <a:rPr lang="en-US" altLang="zh-CN" dirty="0"/>
+              <a:t>Light3: </a:t>
+            </a:r>
+            <a:r>
+              <a:rPr lang="zh-CN" altLang="en-US" dirty="0"/>
+              <a:t>在</a:t>
+            </a:r>
+            <a:r>
+              <a:rPr lang="en-US" altLang="zh-CN" dirty="0"/>
+              <a:t>Tile4</a:t>
+            </a:r>
+            <a:r>
+              <a:rPr lang="zh-CN" altLang="en-US" dirty="0"/>
+              <a:t>和</a:t>
+            </a:r>
+            <a:r>
+              <a:rPr lang="en-US" altLang="zh-CN" dirty="0"/>
+              <a:t>5</a:t>
+            </a:r>
+            <a:r>
+              <a:rPr lang="zh-CN" altLang="en-US" dirty="0"/>
+              <a:t>被剔，被</a:t>
+            </a:r>
+            <a:r>
+              <a:rPr lang="en-US" altLang="zh-CN" dirty="0"/>
+              <a:t>Obj3</a:t>
+            </a:r>
+            <a:r>
+              <a:rPr lang="zh-CN" altLang="en-US" dirty="0"/>
+              <a:t>遮挡了</a:t>
+            </a:r>
+            <a:endParaRPr lang="en-US" altLang="zh-CN" dirty="0"/>
+          </a:p>
+          <a:p>
+            <a:pPr lvl="2"/>
+            <a:r>
+              <a:rPr lang="en-US" altLang="zh-CN" dirty="0"/>
+              <a:t>Light4: </a:t>
+            </a:r>
+            <a:r>
+              <a:rPr lang="zh-CN" altLang="en-US" dirty="0"/>
+              <a:t>在</a:t>
+            </a:r>
+            <a:r>
+              <a:rPr lang="en-US" altLang="zh-CN" dirty="0"/>
+              <a:t>Tile6</a:t>
+            </a:r>
+            <a:r>
+              <a:rPr lang="zh-CN" altLang="en-US" dirty="0"/>
+              <a:t>被剔，加到</a:t>
+            </a:r>
+            <a:r>
+              <a:rPr lang="en-US" altLang="zh-CN" dirty="0"/>
+              <a:t>Tile7</a:t>
+            </a:r>
+          </a:p>
+          <a:p>
+            <a:r>
+              <a:rPr lang="en-US" altLang="zh-CN" dirty="0"/>
+              <a:t>Transparent</a:t>
+            </a:r>
+            <a:r>
+              <a:rPr lang="zh-CN" altLang="en-US" dirty="0"/>
+              <a:t>：</a:t>
+            </a:r>
+            <a:endParaRPr lang="en-US" altLang="zh-CN" dirty="0"/>
+          </a:p>
+          <a:p>
+            <a:pPr lvl="1"/>
+            <a:r>
+              <a:rPr lang="zh-CN" altLang="en-US" dirty="0"/>
+              <a:t>只能剔除</a:t>
+            </a:r>
+            <a:r>
+              <a:rPr lang="en-US" altLang="zh-CN" dirty="0"/>
+              <a:t>Max Depth</a:t>
+            </a:r>
+            <a:r>
+              <a:rPr lang="zh-CN" altLang="en-US" dirty="0"/>
+              <a:t>后的</a:t>
+            </a:r>
+            <a:endParaRPr lang="en-US" altLang="zh-CN" dirty="0"/>
+          </a:p>
+          <a:p>
+            <a:pPr lvl="2"/>
+            <a:r>
+              <a:rPr lang="en-US" altLang="zh-CN" dirty="0"/>
+              <a:t>Depth</a:t>
+            </a:r>
+            <a:r>
+              <a:rPr lang="zh-CN" altLang="en-US" dirty="0"/>
+              <a:t>由</a:t>
+            </a:r>
+            <a:r>
+              <a:rPr lang="en-US" altLang="zh-CN" dirty="0"/>
+              <a:t>Opaque</a:t>
+            </a:r>
+            <a:r>
+              <a:rPr lang="zh-CN" altLang="en-US" dirty="0"/>
+              <a:t>生成</a:t>
+            </a:r>
+            <a:endParaRPr lang="en-US" altLang="zh-CN" dirty="0"/>
+          </a:p>
+        </p:txBody>
+      </p:sp>
+      <p:pic>
+        <p:nvPicPr>
+          <p:cNvPr id="4" name="图片 3">
+            <a:extLst>
+              <a:ext uri="{FF2B5EF4-FFF2-40B4-BE49-F238E27FC236}">
+                <a16:creationId xmlns:a16="http://schemas.microsoft.com/office/drawing/2014/main" id="{6964DD12-98BB-463C-8FEE-ED64EE91C0A6}"/>
+              </a:ext>
+            </a:extLst>
+          </p:cNvPr>
+          <p:cNvPicPr>
+            <a:picLocks noChangeAspect="1"/>
+          </p:cNvPicPr>
+          <p:nvPr/>
+        </p:nvPicPr>
+        <p:blipFill>
+          <a:blip r:embed="rId3"/>
           <a:stretch>
             <a:fillRect/>
           </a:stretch>
@@ -3385,7 +5475,7 @@
           <p:nvPr/>
         </p:nvPicPr>
         <p:blipFill>
-          <a:blip r:embed="rId3"/>
+          <a:blip r:embed="rId4"/>
           <a:stretch>
             <a:fillRect/>
           </a:stretch>
@@ -3415,7 +5505,7 @@
           <p:nvPr/>
         </p:nvPicPr>
         <p:blipFill>
-          <a:blip r:embed="rId4"/>
+          <a:blip r:embed="rId5"/>
           <a:stretch>
             <a:fillRect/>
           </a:stretch>
@@ -3443,7 +5533,7 @@
 </p:sld>
 </file>
 
-<file path=ppt/slides/slide11.xml><?xml version="1.0" encoding="utf-8"?>
+<file path=ppt/slides/slide13.xml><?xml version="1.0" encoding="utf-8"?>
 <p:sld xmlns:a="http://schemas.openxmlformats.org/drawingml/2006/main" xmlns:r="http://schemas.openxmlformats.org/officeDocument/2006/relationships" xmlns:p="http://schemas.openxmlformats.org/presentationml/2006/main">
   <p:cSld>
     <p:spTree>
@@ -3686,7 +5776,7 @@
 </p:sld>
 </file>
 
-<file path=ppt/slides/slide12.xml><?xml version="1.0" encoding="utf-8"?>
+<file path=ppt/slides/slide14.xml><?xml version="1.0" encoding="utf-8"?>
 <p:sld xmlns:a="http://schemas.openxmlformats.org/drawingml/2006/main" xmlns:r="http://schemas.openxmlformats.org/officeDocument/2006/relationships" xmlns:p="http://schemas.openxmlformats.org/presentationml/2006/main">
   <p:cSld>
     <p:spTree>
@@ -3843,7 +5933,7 @@
           <p:nvPr/>
         </p:nvPicPr>
         <p:blipFill>
-          <a:blip r:embed="rId2">
+          <a:blip r:embed="rId3">
             <a:extLst>
               <a:ext uri="{28A0092B-C50C-407E-A947-70E740481C1C}">
                 <a14:useLocalDpi xmlns:a14="http://schemas.microsoft.com/office/drawing/2010/main" val="0"/>
@@ -3857,7 +5947,7 @@
         </p:blipFill>
         <p:spPr bwMode="auto">
           <a:xfrm>
-            <a:off x="6555853" y="82144"/>
+            <a:off x="8123396" y="278739"/>
             <a:ext cx="4557418" cy="2303136"/>
           </a:xfrm>
           <a:prstGeom prst="rect">
@@ -3890,7 +5980,7 @@
           <p:nvPr/>
         </p:nvPicPr>
         <p:blipFill>
-          <a:blip r:embed="rId3"/>
+          <a:blip r:embed="rId4"/>
           <a:stretch>
             <a:fillRect/>
           </a:stretch>
@@ -3920,7 +6010,7 @@
           <p:nvPr/>
         </p:nvPicPr>
         <p:blipFill>
-          <a:blip r:embed="rId4"/>
+          <a:blip r:embed="rId5"/>
           <a:stretch>
             <a:fillRect/>
           </a:stretch>
@@ -3950,7 +6040,7 @@
           <p:nvPr/>
         </p:nvPicPr>
         <p:blipFill>
-          <a:blip r:embed="rId5"/>
+          <a:blip r:embed="rId6"/>
           <a:stretch>
             <a:fillRect/>
           </a:stretch>
@@ -3980,7 +6070,7 @@
           <p:nvPr/>
         </p:nvPicPr>
         <p:blipFill>
-          <a:blip r:embed="rId6"/>
+          <a:blip r:embed="rId7"/>
           <a:stretch>
             <a:fillRect/>
           </a:stretch>
@@ -4010,7 +6100,7 @@
           <p:nvPr/>
         </p:nvPicPr>
         <p:blipFill>
-          <a:blip r:embed="rId7"/>
+          <a:blip r:embed="rId8"/>
           <a:stretch>
             <a:fillRect/>
           </a:stretch>
@@ -4040,7 +6130,7 @@
           <p:nvPr/>
         </p:nvPicPr>
         <p:blipFill>
-          <a:blip r:embed="rId8"/>
+          <a:blip r:embed="rId9"/>
           <a:stretch>
             <a:fillRect/>
           </a:stretch>
@@ -4070,7 +6160,7 @@
           <p:nvPr/>
         </p:nvPicPr>
         <p:blipFill>
-          <a:blip r:embed="rId9"/>
+          <a:blip r:embed="rId10"/>
           <a:stretch>
             <a:fillRect/>
           </a:stretch>
@@ -4079,6 +6169,36 @@
           <a:xfrm>
             <a:off x="4207134" y="3453033"/>
             <a:ext cx="5800725" cy="909638"/>
+          </a:xfrm>
+          <a:prstGeom prst="rect">
+            <a:avLst/>
+          </a:prstGeom>
+        </p:spPr>
+      </p:pic>
+      <p:pic>
+        <p:nvPicPr>
+          <p:cNvPr id="11" name="图片 10">
+            <a:extLst>
+              <a:ext uri="{FF2B5EF4-FFF2-40B4-BE49-F238E27FC236}">
+                <a16:creationId xmlns:a16="http://schemas.microsoft.com/office/drawing/2014/main" id="{964FEDEF-FBAE-4A16-81DD-CA34123E26A4}"/>
+              </a:ext>
+            </a:extLst>
+          </p:cNvPr>
+          <p:cNvPicPr>
+            <a:picLocks noChangeAspect="1"/>
+          </p:cNvPicPr>
+          <p:nvPr/>
+        </p:nvPicPr>
+        <p:blipFill>
+          <a:blip r:embed="rId11"/>
+          <a:stretch>
+            <a:fillRect/>
+          </a:stretch>
+        </p:blipFill>
+        <p:spPr>
+          <a:xfrm>
+            <a:off x="4284601" y="45031"/>
+            <a:ext cx="3159384" cy="2108225"/>
           </a:xfrm>
           <a:prstGeom prst="rect">
             <a:avLst/>
@@ -4098,7 +6218,7 @@
 </p:sld>
 </file>
 
-<file path=ppt/slides/slide13.xml><?xml version="1.0" encoding="utf-8"?>
+<file path=ppt/slides/slide15.xml><?xml version="1.0" encoding="utf-8"?>
 <p:sld xmlns:a="http://schemas.openxmlformats.org/drawingml/2006/main" xmlns:r="http://schemas.openxmlformats.org/officeDocument/2006/relationships" xmlns:p="http://schemas.openxmlformats.org/presentationml/2006/main">
   <p:cSld>
     <p:spTree>
@@ -4182,6 +6302,15 @@
                 <a:sym typeface="Wingdings" panose="05000000000000000000" pitchFamily="2" charset="2"/>
               </a:rPr>
               <a:t> Tile</a:t>
+            </a:r>
+          </a:p>
+          <a:p>
+            <a:pPr lvl="1"/>
+            <a:r>
+              <a:rPr lang="en-US" altLang="zh-CN" dirty="0">
+                <a:sym typeface="Wingdings" panose="05000000000000000000" pitchFamily="2" charset="2"/>
+              </a:rPr>
+              <a:t>2DTexture</a:t>
             </a:r>
             <a:endParaRPr lang="zh-CN" altLang="en-US" dirty="0"/>
           </a:p>
@@ -4234,6 +6363,36 @@
           </a:extLst>
         </p:spPr>
       </p:pic>
+      <p:pic>
+        <p:nvPicPr>
+          <p:cNvPr id="4" name="图片 3">
+            <a:extLst>
+              <a:ext uri="{FF2B5EF4-FFF2-40B4-BE49-F238E27FC236}">
+                <a16:creationId xmlns:a16="http://schemas.microsoft.com/office/drawing/2014/main" id="{C3DE7111-DCC0-4FE9-B110-9E0DF41C3C78}"/>
+              </a:ext>
+            </a:extLst>
+          </p:cNvPr>
+          <p:cNvPicPr>
+            <a:picLocks noChangeAspect="1"/>
+          </p:cNvPicPr>
+          <p:nvPr/>
+        </p:nvPicPr>
+        <p:blipFill>
+          <a:blip r:embed="rId3"/>
+          <a:stretch>
+            <a:fillRect/>
+          </a:stretch>
+        </p:blipFill>
+        <p:spPr>
+          <a:xfrm>
+            <a:off x="550703" y="4146429"/>
+            <a:ext cx="4964283" cy="1388924"/>
+          </a:xfrm>
+          <a:prstGeom prst="rect">
+            <a:avLst/>
+          </a:prstGeom>
+        </p:spPr>
+      </p:pic>
     </p:spTree>
     <p:extLst>
       <p:ext uri="{BB962C8B-B14F-4D97-AF65-F5344CB8AC3E}">
@@ -4247,7 +6406,7 @@
 </p:sld>
 </file>
 
-<file path=ppt/slides/slide14.xml><?xml version="1.0" encoding="utf-8"?>
+<file path=ppt/slides/slide16.xml><?xml version="1.0" encoding="utf-8"?>
 <p:sld xmlns:a="http://schemas.openxmlformats.org/drawingml/2006/main" xmlns:r="http://schemas.openxmlformats.org/officeDocument/2006/relationships" xmlns:p="http://schemas.openxmlformats.org/presentationml/2006/main">
   <p:cSld>
     <p:spTree>
@@ -4473,7 +6632,7 @@
           <p:nvPr/>
         </p:nvPicPr>
         <p:blipFill>
-          <a:blip r:embed="rId2"/>
+          <a:blip r:embed="rId3"/>
           <a:stretch>
             <a:fillRect/>
           </a:stretch>
@@ -4501,7 +6660,284 @@
 </p:sld>
 </file>
 
-<file path=ppt/slides/slide15.xml><?xml version="1.0" encoding="utf-8"?>
+<file path=ppt/slides/slide17.xml><?xml version="1.0" encoding="utf-8"?>
+<p:sld xmlns:a="http://schemas.openxmlformats.org/drawingml/2006/main" xmlns:r="http://schemas.openxmlformats.org/officeDocument/2006/relationships" xmlns:p="http://schemas.openxmlformats.org/presentationml/2006/main">
+  <p:cSld>
+    <p:spTree>
+      <p:nvGrpSpPr>
+        <p:cNvPr id="1" name=""/>
+        <p:cNvGrpSpPr/>
+        <p:nvPr/>
+      </p:nvGrpSpPr>
+      <p:grpSpPr>
+        <a:xfrm>
+          <a:off x="0" y="0"/>
+          <a:ext cx="0" cy="0"/>
+          <a:chOff x="0" y="0"/>
+          <a:chExt cx="0" cy="0"/>
+        </a:xfrm>
+      </p:grpSpPr>
+      <p:sp>
+        <p:nvSpPr>
+          <p:cNvPr id="2" name="标题 1">
+            <a:extLst>
+              <a:ext uri="{FF2B5EF4-FFF2-40B4-BE49-F238E27FC236}">
+                <a16:creationId xmlns:a16="http://schemas.microsoft.com/office/drawing/2014/main" id="{E100A849-A773-4165-A00C-E428D14A629F}"/>
+              </a:ext>
+            </a:extLst>
+          </p:cNvPr>
+          <p:cNvSpPr>
+            <a:spLocks noGrp="1"/>
+          </p:cNvSpPr>
+          <p:nvPr>
+            <p:ph type="title"/>
+          </p:nvPr>
+        </p:nvSpPr>
+        <p:spPr/>
+        <p:txBody>
+          <a:bodyPr/>
+          <a:lstStyle/>
+          <a:p>
+            <a:r>
+              <a:rPr lang="en-US" altLang="zh-CN" dirty="0"/>
+              <a:t>Sphere AABB Intersection</a:t>
+            </a:r>
+            <a:endParaRPr lang="zh-CN" altLang="en-US" dirty="0"/>
+          </a:p>
+        </p:txBody>
+      </p:sp>
+      <p:sp>
+        <p:nvSpPr>
+          <p:cNvPr id="3" name="内容占位符 2">
+            <a:extLst>
+              <a:ext uri="{FF2B5EF4-FFF2-40B4-BE49-F238E27FC236}">
+                <a16:creationId xmlns:a16="http://schemas.microsoft.com/office/drawing/2014/main" id="{492BBC16-382D-415D-9352-1809C84887FB}"/>
+              </a:ext>
+            </a:extLst>
+          </p:cNvPr>
+          <p:cNvSpPr>
+            <a:spLocks noGrp="1"/>
+          </p:cNvSpPr>
+          <p:nvPr>
+            <p:ph idx="1"/>
+          </p:nvPr>
+        </p:nvSpPr>
+        <p:spPr/>
+        <p:txBody>
+          <a:bodyPr/>
+          <a:lstStyle/>
+          <a:p>
+            <a:r>
+              <a:rPr lang="en-US" altLang="zh-CN" dirty="0"/>
+              <a:t>False Positive</a:t>
+            </a:r>
+          </a:p>
+          <a:p>
+            <a:pPr lvl="1"/>
+            <a:r>
+              <a:rPr lang="zh-CN" altLang="en-US" dirty="0"/>
+              <a:t>前面的</a:t>
+            </a:r>
+            <a:r>
+              <a:rPr lang="en-US" altLang="zh-CN" dirty="0"/>
+              <a:t>Light Culling</a:t>
+            </a:r>
+            <a:r>
+              <a:rPr lang="zh-CN" altLang="en-US" dirty="0"/>
+              <a:t>还不是很准确</a:t>
+            </a:r>
+            <a:endParaRPr lang="en-US" altLang="zh-CN" dirty="0"/>
+          </a:p>
+          <a:p>
+            <a:r>
+              <a:rPr lang="zh-CN" altLang="en-US" dirty="0"/>
+              <a:t>加个</a:t>
+            </a:r>
+            <a:r>
+              <a:rPr lang="en-US" altLang="zh-CN" dirty="0"/>
+              <a:t>Tile Frustum</a:t>
+            </a:r>
+            <a:r>
+              <a:rPr lang="zh-CN" altLang="en-US" dirty="0"/>
+              <a:t>的</a:t>
+            </a:r>
+            <a:r>
+              <a:rPr lang="en-US" altLang="zh-CN" dirty="0"/>
+              <a:t>AABB</a:t>
+            </a:r>
+            <a:r>
+              <a:rPr lang="zh-CN" altLang="en-US" dirty="0"/>
+              <a:t>和</a:t>
+            </a:r>
+            <a:r>
+              <a:rPr lang="en-US" altLang="zh-CN" dirty="0"/>
+              <a:t>Sphere</a:t>
+            </a:r>
+            <a:r>
+              <a:rPr lang="zh-CN" altLang="en-US" dirty="0"/>
+              <a:t>的碰撞测试</a:t>
+            </a:r>
+            <a:endParaRPr lang="en-US" altLang="zh-CN" dirty="0"/>
+          </a:p>
+          <a:p>
+            <a:pPr lvl="1"/>
+            <a:r>
+              <a:rPr lang="zh-CN" altLang="en-US" dirty="0"/>
+              <a:t>原理是求</a:t>
+            </a:r>
+            <a:r>
+              <a:rPr lang="en-US" altLang="zh-CN" dirty="0"/>
+              <a:t>Sphere center</a:t>
+            </a:r>
+            <a:r>
+              <a:rPr lang="zh-CN" altLang="en-US" dirty="0"/>
+              <a:t>到</a:t>
+            </a:r>
+            <a:r>
+              <a:rPr lang="en-US" altLang="zh-CN" dirty="0"/>
+              <a:t>AABB</a:t>
+            </a:r>
+            <a:r>
+              <a:rPr lang="zh-CN" altLang="en-US" dirty="0"/>
+              <a:t>最近的一个点</a:t>
+            </a:r>
+          </a:p>
+        </p:txBody>
+      </p:sp>
+      <p:pic>
+        <p:nvPicPr>
+          <p:cNvPr id="5" name="图片 4">
+            <a:extLst>
+              <a:ext uri="{FF2B5EF4-FFF2-40B4-BE49-F238E27FC236}">
+                <a16:creationId xmlns:a16="http://schemas.microsoft.com/office/drawing/2014/main" id="{3AAF7ADA-0998-49D7-9339-5B0B4C313F8C}"/>
+              </a:ext>
+            </a:extLst>
+          </p:cNvPr>
+          <p:cNvPicPr>
+            <a:picLocks noChangeAspect="1"/>
+          </p:cNvPicPr>
+          <p:nvPr/>
+        </p:nvPicPr>
+        <p:blipFill>
+          <a:blip r:embed="rId3"/>
+          <a:stretch>
+            <a:fillRect/>
+          </a:stretch>
+        </p:blipFill>
+        <p:spPr>
+          <a:xfrm>
+            <a:off x="8849909" y="3728008"/>
+            <a:ext cx="3124200" cy="2764867"/>
+          </a:xfrm>
+          <a:prstGeom prst="rect">
+            <a:avLst/>
+          </a:prstGeom>
+        </p:spPr>
+      </p:pic>
+      <p:pic>
+        <p:nvPicPr>
+          <p:cNvPr id="6" name="图片 5">
+            <a:extLst>
+              <a:ext uri="{FF2B5EF4-FFF2-40B4-BE49-F238E27FC236}">
+                <a16:creationId xmlns:a16="http://schemas.microsoft.com/office/drawing/2014/main" id="{21F4436E-1F1C-47BA-BEEA-4DDCA274C917}"/>
+              </a:ext>
+            </a:extLst>
+          </p:cNvPr>
+          <p:cNvPicPr>
+            <a:picLocks noChangeAspect="1"/>
+          </p:cNvPicPr>
+          <p:nvPr/>
+        </p:nvPicPr>
+        <p:blipFill>
+          <a:blip r:embed="rId4"/>
+          <a:stretch>
+            <a:fillRect/>
+          </a:stretch>
+        </p:blipFill>
+        <p:spPr>
+          <a:xfrm>
+            <a:off x="8740702" y="498135"/>
+            <a:ext cx="3233407" cy="2701018"/>
+          </a:xfrm>
+          <a:prstGeom prst="rect">
+            <a:avLst/>
+          </a:prstGeom>
+        </p:spPr>
+      </p:pic>
+      <p:pic>
+        <p:nvPicPr>
+          <p:cNvPr id="7" name="图片 6">
+            <a:extLst>
+              <a:ext uri="{FF2B5EF4-FFF2-40B4-BE49-F238E27FC236}">
+                <a16:creationId xmlns:a16="http://schemas.microsoft.com/office/drawing/2014/main" id="{F0ADEF8A-749E-4318-8E00-CE25E16D5830}"/>
+              </a:ext>
+            </a:extLst>
+          </p:cNvPr>
+          <p:cNvPicPr>
+            <a:picLocks noChangeAspect="1"/>
+          </p:cNvPicPr>
+          <p:nvPr/>
+        </p:nvPicPr>
+        <p:blipFill>
+          <a:blip r:embed="rId5"/>
+          <a:stretch>
+            <a:fillRect/>
+          </a:stretch>
+        </p:blipFill>
+        <p:spPr>
+          <a:xfrm>
+            <a:off x="163287" y="3805237"/>
+            <a:ext cx="4270810" cy="3052763"/>
+          </a:xfrm>
+          <a:prstGeom prst="rect">
+            <a:avLst/>
+          </a:prstGeom>
+        </p:spPr>
+      </p:pic>
+      <p:pic>
+        <p:nvPicPr>
+          <p:cNvPr id="8" name="图片 7">
+            <a:extLst>
+              <a:ext uri="{FF2B5EF4-FFF2-40B4-BE49-F238E27FC236}">
+                <a16:creationId xmlns:a16="http://schemas.microsoft.com/office/drawing/2014/main" id="{D085ECF5-B2D8-4FA2-A11C-909EF4543A2C}"/>
+              </a:ext>
+            </a:extLst>
+          </p:cNvPr>
+          <p:cNvPicPr>
+            <a:picLocks noChangeAspect="1"/>
+          </p:cNvPicPr>
+          <p:nvPr/>
+        </p:nvPicPr>
+        <p:blipFill>
+          <a:blip r:embed="rId6"/>
+          <a:stretch>
+            <a:fillRect/>
+          </a:stretch>
+        </p:blipFill>
+        <p:spPr>
+          <a:xfrm>
+            <a:off x="4108138" y="3956339"/>
+            <a:ext cx="4741771" cy="1547183"/>
+          </a:xfrm>
+          <a:prstGeom prst="rect">
+            <a:avLst/>
+          </a:prstGeom>
+        </p:spPr>
+      </p:pic>
+    </p:spTree>
+    <p:extLst>
+      <p:ext uri="{BB962C8B-B14F-4D97-AF65-F5344CB8AC3E}">
+        <p14:creationId xmlns:p14="http://schemas.microsoft.com/office/powerpoint/2010/main" val="2073325780"/>
+      </p:ext>
+    </p:extLst>
+  </p:cSld>
+  <p:clrMapOvr>
+    <a:masterClrMapping/>
+  </p:clrMapOvr>
+</p:sld>
+</file>
+
+<file path=ppt/slides/slide18.xml><?xml version="1.0" encoding="utf-8"?>
 <p:sld xmlns:a="http://schemas.openxmlformats.org/drawingml/2006/main" xmlns:r="http://schemas.openxmlformats.org/officeDocument/2006/relationships" xmlns:p="http://schemas.openxmlformats.org/presentationml/2006/main">
   <p:cSld>
     <p:spTree>
@@ -4666,7 +7102,7 @@
 </p:sld>
 </file>
 
-<file path=ppt/slides/slide16.xml><?xml version="1.0" encoding="utf-8"?>
+<file path=ppt/slides/slide19.xml><?xml version="1.0" encoding="utf-8"?>
 <p:sld xmlns:a="http://schemas.openxmlformats.org/drawingml/2006/main" xmlns:r="http://schemas.openxmlformats.org/officeDocument/2006/relationships" xmlns:p="http://schemas.openxmlformats.org/presentationml/2006/main">
   <p:cSld>
     <p:spTree>
@@ -4742,127 +7178,92 @@
               <a:rPr lang="en-US" altLang="zh-CN" dirty="0"/>
               <a:t>Small lights with a range of 1-2 units</a:t>
             </a:r>
-            <a:endParaRPr lang="zh-CN" altLang="en-US" dirty="0"/>
-          </a:p>
-        </p:txBody>
-      </p:sp>
-    </p:spTree>
-    <p:extLst>
-      <p:ext uri="{BB962C8B-B14F-4D97-AF65-F5344CB8AC3E}">
-        <p14:creationId xmlns:p14="http://schemas.microsoft.com/office/powerpoint/2010/main" val="4071073254"/>
-      </p:ext>
-    </p:extLst>
-  </p:cSld>
-  <p:clrMapOvr>
-    <a:masterClrMapping/>
-  </p:clrMapOvr>
-</p:sld>
-</file>
-
-<file path=ppt/slides/slide17.xml><?xml version="1.0" encoding="utf-8"?>
-<p:sld xmlns:a="http://schemas.openxmlformats.org/drawingml/2006/main" xmlns:r="http://schemas.openxmlformats.org/officeDocument/2006/relationships" xmlns:p="http://schemas.openxmlformats.org/presentationml/2006/main">
-  <p:cSld>
-    <p:spTree>
-      <p:nvGrpSpPr>
-        <p:cNvPr id="1" name=""/>
-        <p:cNvGrpSpPr/>
-        <p:nvPr/>
-      </p:nvGrpSpPr>
-      <p:grpSpPr>
-        <a:xfrm>
-          <a:off x="0" y="0"/>
-          <a:ext cx="0" cy="0"/>
-          <a:chOff x="0" y="0"/>
-          <a:chExt cx="0" cy="0"/>
-        </a:xfrm>
-      </p:grpSpPr>
-      <p:sp>
-        <p:nvSpPr>
-          <p:cNvPr id="2" name="标题 1">
-            <a:extLst>
-              <a:ext uri="{FF2B5EF4-FFF2-40B4-BE49-F238E27FC236}">
-                <a16:creationId xmlns:a16="http://schemas.microsoft.com/office/drawing/2014/main" id="{9925CD64-497D-4C2B-B4D8-1A5B6C1388D7}"/>
-              </a:ext>
-            </a:extLst>
-          </p:cNvPr>
-          <p:cNvSpPr>
-            <a:spLocks noGrp="1"/>
-          </p:cNvSpPr>
-          <p:nvPr>
-            <p:ph type="title"/>
-          </p:nvPr>
-        </p:nvSpPr>
-        <p:spPr/>
-        <p:txBody>
-          <a:bodyPr/>
-          <a:lstStyle/>
-          <a:p>
-            <a:r>
-              <a:rPr lang="zh-CN" altLang="en-US" dirty="0"/>
-              <a:t>问题</a:t>
-            </a:r>
-          </a:p>
-        </p:txBody>
-      </p:sp>
-      <p:sp>
-        <p:nvSpPr>
-          <p:cNvPr id="3" name="内容占位符 2">
-            <a:extLst>
-              <a:ext uri="{FF2B5EF4-FFF2-40B4-BE49-F238E27FC236}">
-                <a16:creationId xmlns:a16="http://schemas.microsoft.com/office/drawing/2014/main" id="{92330397-541A-4323-85BE-8C1DB77AB6D9}"/>
-              </a:ext>
-            </a:extLst>
-          </p:cNvPr>
-          <p:cNvSpPr>
-            <a:spLocks noGrp="1"/>
-          </p:cNvSpPr>
-          <p:nvPr>
-            <p:ph idx="1"/>
-          </p:nvPr>
-        </p:nvSpPr>
-        <p:spPr/>
-        <p:txBody>
-          <a:bodyPr/>
-          <a:lstStyle/>
-          <a:p>
-            <a:endParaRPr lang="zh-CN" altLang="en-US" dirty="0"/>
+          </a:p>
+          <a:p>
+            <a:r>
+              <a:rPr lang="en-US" altLang="zh-CN" dirty="0"/>
+              <a:t>NVIDIA GeForce GTX 680 GPU </a:t>
+            </a:r>
+          </a:p>
+          <a:p>
+            <a:r>
+              <a:rPr lang="en-US" altLang="zh-CN" dirty="0"/>
+              <a:t>Screen resolution of 1280x720</a:t>
+            </a:r>
+          </a:p>
+          <a:p>
+            <a:r>
+              <a:rPr lang="en-US" altLang="zh-CN" dirty="0"/>
+              <a:t>Crytek </a:t>
+            </a:r>
+            <a:r>
+              <a:rPr lang="en-US" altLang="zh-CN" dirty="0" err="1"/>
+              <a:t>Sponza</a:t>
+            </a:r>
+            <a:r>
+              <a:rPr lang="en-US" altLang="zh-CN" dirty="0"/>
+              <a:t> scene</a:t>
+            </a:r>
+          </a:p>
+          <a:p>
+            <a:r>
+              <a:rPr lang="zh-CN" altLang="en-US" dirty="0"/>
+              <a:t>善于处理小光源</a:t>
+            </a:r>
           </a:p>
         </p:txBody>
       </p:sp>
       <p:pic>
         <p:nvPicPr>
-          <p:cNvPr id="4" name="图片 3">
+          <p:cNvPr id="3074" name="Picture 2" descr="Forward+ with 10,000 lights">
             <a:extLst>
               <a:ext uri="{FF2B5EF4-FFF2-40B4-BE49-F238E27FC236}">
-                <a16:creationId xmlns:a16="http://schemas.microsoft.com/office/drawing/2014/main" id="{B71EBAD8-01B6-477A-9C48-4E7EE088F725}"/>
+                <a16:creationId xmlns:a16="http://schemas.microsoft.com/office/drawing/2014/main" id="{3FA6AF71-F05D-4AEE-8187-36B2027AD6B5}"/>
               </a:ext>
             </a:extLst>
           </p:cNvPr>
           <p:cNvPicPr>
-            <a:picLocks noChangeAspect="1"/>
+            <a:picLocks noChangeAspect="1" noChangeArrowheads="1"/>
           </p:cNvPicPr>
           <p:nvPr/>
         </p:nvPicPr>
         <p:blipFill>
-          <a:blip r:embed="rId2"/>
+          <a:blip r:embed="rId2">
+            <a:extLst>
+              <a:ext uri="{28A0092B-C50C-407E-A947-70E740481C1C}">
+                <a14:useLocalDpi xmlns:a14="http://schemas.microsoft.com/office/drawing/2010/main" val="0"/>
+              </a:ext>
+            </a:extLst>
+          </a:blip>
+          <a:srcRect/>
           <a:stretch>
             <a:fillRect/>
           </a:stretch>
         </p:blipFill>
-        <p:spPr>
+        <p:spPr bwMode="auto">
           <a:xfrm>
-            <a:off x="752475" y="2119312"/>
-            <a:ext cx="10687050" cy="2619375"/>
+            <a:off x="6237968" y="3104357"/>
+            <a:ext cx="5954032" cy="3492386"/>
           </a:xfrm>
           <a:prstGeom prst="rect">
             <a:avLst/>
           </a:prstGeom>
+          <a:noFill/>
+          <a:extLst>
+            <a:ext uri="{909E8E84-426E-40DD-AFC4-6F175D3DCCD1}">
+              <a14:hiddenFill xmlns:a14="http://schemas.microsoft.com/office/drawing/2010/main">
+                <a:solidFill>
+                  <a:srgbClr val="FFFFFF"/>
+                </a:solidFill>
+              </a14:hiddenFill>
+            </a:ext>
+          </a:extLst>
         </p:spPr>
       </p:pic>
     </p:spTree>
     <p:extLst>
       <p:ext uri="{BB962C8B-B14F-4D97-AF65-F5344CB8AC3E}">
-        <p14:creationId xmlns:p14="http://schemas.microsoft.com/office/powerpoint/2010/main" val="662140262"/>
+        <p14:creationId xmlns:p14="http://schemas.microsoft.com/office/powerpoint/2010/main" val="4071073254"/>
       </p:ext>
     </p:extLst>
   </p:cSld>
@@ -4952,7 +7353,21 @@
           <a:p>
             <a:r>
               <a:rPr lang="en-US" altLang="zh-CN" dirty="0"/>
+              <a:t>Tiled Based Forward: </a:t>
+            </a:r>
+            <a:r>
+              <a:rPr lang="en-US" altLang="zh-CN" dirty="0">
+                <a:solidFill>
+                  <a:schemeClr val="accent1"/>
+                </a:solidFill>
+              </a:rPr>
               <a:t>Forward +</a:t>
+            </a:r>
+          </a:p>
+          <a:p>
+            <a:r>
+              <a:rPr lang="en-US" altLang="zh-CN" dirty="0"/>
+              <a:t>Tiled Based Deferred</a:t>
             </a:r>
             <a:endParaRPr lang="zh-CN" altLang="en-US" dirty="0"/>
           </a:p>
@@ -4962,6 +7377,1047 @@
     <p:extLst>
       <p:ext uri="{BB962C8B-B14F-4D97-AF65-F5344CB8AC3E}">
         <p14:creationId xmlns:p14="http://schemas.microsoft.com/office/powerpoint/2010/main" val="2142486418"/>
+      </p:ext>
+    </p:extLst>
+  </p:cSld>
+  <p:clrMapOvr>
+    <a:masterClrMapping/>
+  </p:clrMapOvr>
+</p:sld>
+</file>
+
+<file path=ppt/slides/slide20.xml><?xml version="1.0" encoding="utf-8"?>
+<p:sld xmlns:a="http://schemas.openxmlformats.org/drawingml/2006/main" xmlns:r="http://schemas.openxmlformats.org/officeDocument/2006/relationships" xmlns:p="http://schemas.openxmlformats.org/presentationml/2006/main">
+  <p:cSld>
+    <p:spTree>
+      <p:nvGrpSpPr>
+        <p:cNvPr id="1" name=""/>
+        <p:cNvGrpSpPr/>
+        <p:nvPr/>
+      </p:nvGrpSpPr>
+      <p:grpSpPr>
+        <a:xfrm>
+          <a:off x="0" y="0"/>
+          <a:ext cx="0" cy="0"/>
+          <a:chOff x="0" y="0"/>
+          <a:chExt cx="0" cy="0"/>
+        </a:xfrm>
+      </p:grpSpPr>
+      <p:sp>
+        <p:nvSpPr>
+          <p:cNvPr id="2" name="标题 1">
+            <a:extLst>
+              <a:ext uri="{FF2B5EF4-FFF2-40B4-BE49-F238E27FC236}">
+                <a16:creationId xmlns:a16="http://schemas.microsoft.com/office/drawing/2014/main" id="{08F4B799-2151-4643-9F2A-687BE8AF80B3}"/>
+              </a:ext>
+            </a:extLst>
+          </p:cNvPr>
+          <p:cNvSpPr>
+            <a:spLocks noGrp="1"/>
+          </p:cNvSpPr>
+          <p:nvPr>
+            <p:ph type="title"/>
+          </p:nvPr>
+        </p:nvSpPr>
+        <p:spPr/>
+        <p:txBody>
+          <a:bodyPr/>
+          <a:lstStyle/>
+          <a:p>
+            <a:r>
+              <a:rPr lang="en-US" altLang="zh-CN" dirty="0"/>
+              <a:t>Large Lights</a:t>
+            </a:r>
+            <a:endParaRPr lang="zh-CN" altLang="en-US" dirty="0"/>
+          </a:p>
+        </p:txBody>
+      </p:sp>
+      <p:sp>
+        <p:nvSpPr>
+          <p:cNvPr id="3" name="内容占位符 2">
+            <a:extLst>
+              <a:ext uri="{FF2B5EF4-FFF2-40B4-BE49-F238E27FC236}">
+                <a16:creationId xmlns:a16="http://schemas.microsoft.com/office/drawing/2014/main" id="{16B1D8B6-B84A-4FB0-A857-225D7B7542DB}"/>
+              </a:ext>
+            </a:extLst>
+          </p:cNvPr>
+          <p:cNvSpPr>
+            <a:spLocks noGrp="1"/>
+          </p:cNvSpPr>
+          <p:nvPr>
+            <p:ph idx="1"/>
+          </p:nvPr>
+        </p:nvSpPr>
+        <p:spPr/>
+        <p:txBody>
+          <a:bodyPr/>
+          <a:lstStyle/>
+          <a:p>
+            <a:endParaRPr lang="zh-CN" altLang="en-US" dirty="0"/>
+          </a:p>
+        </p:txBody>
+      </p:sp>
+      <p:pic>
+        <p:nvPicPr>
+          <p:cNvPr id="1026" name="Picture 2" descr="Forward Rendering (Light Range: 35-40 Units)">
+            <a:extLst>
+              <a:ext uri="{FF2B5EF4-FFF2-40B4-BE49-F238E27FC236}">
+                <a16:creationId xmlns:a16="http://schemas.microsoft.com/office/drawing/2014/main" id="{0A16E643-A1E9-4E0B-95C9-10B689A80B99}"/>
+              </a:ext>
+            </a:extLst>
+          </p:cNvPr>
+          <p:cNvPicPr>
+            <a:picLocks noChangeAspect="1" noChangeArrowheads="1"/>
+          </p:cNvPicPr>
+          <p:nvPr/>
+        </p:nvPicPr>
+        <p:blipFill>
+          <a:blip r:embed="rId3">
+            <a:extLst>
+              <a:ext uri="{28A0092B-C50C-407E-A947-70E740481C1C}">
+                <a14:useLocalDpi xmlns:a14="http://schemas.microsoft.com/office/drawing/2010/main" val="0"/>
+              </a:ext>
+            </a:extLst>
+          </a:blip>
+          <a:srcRect/>
+          <a:stretch>
+            <a:fillRect/>
+          </a:stretch>
+        </p:blipFill>
+        <p:spPr bwMode="auto">
+          <a:xfrm>
+            <a:off x="-3759006" y="1539763"/>
+            <a:ext cx="8230218" cy="4953112"/>
+          </a:xfrm>
+          <a:prstGeom prst="rect">
+            <a:avLst/>
+          </a:prstGeom>
+          <a:noFill/>
+          <a:extLst>
+            <a:ext uri="{909E8E84-426E-40DD-AFC4-6F175D3DCCD1}">
+              <a14:hiddenFill xmlns:a14="http://schemas.microsoft.com/office/drawing/2010/main">
+                <a:solidFill>
+                  <a:srgbClr val="FFFFFF"/>
+                </a:solidFill>
+              </a14:hiddenFill>
+            </a:ext>
+          </a:extLst>
+        </p:spPr>
+      </p:pic>
+      <p:pic>
+        <p:nvPicPr>
+          <p:cNvPr id="5" name="Picture 4" descr="Forward Plus (Large Lights)">
+            <a:extLst>
+              <a:ext uri="{FF2B5EF4-FFF2-40B4-BE49-F238E27FC236}">
+                <a16:creationId xmlns:a16="http://schemas.microsoft.com/office/drawing/2014/main" id="{917D34CB-8C93-43E1-B0F1-04BEF59E54F9}"/>
+              </a:ext>
+            </a:extLst>
+          </p:cNvPr>
+          <p:cNvPicPr>
+            <a:picLocks noChangeAspect="1" noChangeArrowheads="1"/>
+          </p:cNvPicPr>
+          <p:nvPr/>
+        </p:nvPicPr>
+        <p:blipFill>
+          <a:blip r:embed="rId4">
+            <a:extLst>
+              <a:ext uri="{28A0092B-C50C-407E-A947-70E740481C1C}">
+                <a14:useLocalDpi xmlns:a14="http://schemas.microsoft.com/office/drawing/2010/main" val="0"/>
+              </a:ext>
+            </a:extLst>
+          </a:blip>
+          <a:srcRect/>
+          <a:stretch>
+            <a:fillRect/>
+          </a:stretch>
+        </p:blipFill>
+        <p:spPr bwMode="auto">
+          <a:xfrm>
+            <a:off x="4642078" y="1481931"/>
+            <a:ext cx="8372475" cy="5038725"/>
+          </a:xfrm>
+          <a:prstGeom prst="rect">
+            <a:avLst/>
+          </a:prstGeom>
+          <a:noFill/>
+          <a:extLst>
+            <a:ext uri="{909E8E84-426E-40DD-AFC4-6F175D3DCCD1}">
+              <a14:hiddenFill xmlns:a14="http://schemas.microsoft.com/office/drawing/2010/main">
+                <a:solidFill>
+                  <a:srgbClr val="FFFFFF"/>
+                </a:solidFill>
+              </a14:hiddenFill>
+            </a:ext>
+          </a:extLst>
+        </p:spPr>
+      </p:pic>
+    </p:spTree>
+    <p:extLst>
+      <p:ext uri="{BB962C8B-B14F-4D97-AF65-F5344CB8AC3E}">
+        <p14:creationId xmlns:p14="http://schemas.microsoft.com/office/powerpoint/2010/main" val="2379040897"/>
+      </p:ext>
+    </p:extLst>
+  </p:cSld>
+  <p:clrMapOvr>
+    <a:masterClrMapping/>
+  </p:clrMapOvr>
+</p:sld>
+</file>
+
+<file path=ppt/slides/slide21.xml><?xml version="1.0" encoding="utf-8"?>
+<p:sld xmlns:a="http://schemas.openxmlformats.org/drawingml/2006/main" xmlns:r="http://schemas.openxmlformats.org/officeDocument/2006/relationships" xmlns:p="http://schemas.openxmlformats.org/presentationml/2006/main">
+  <p:cSld>
+    <p:spTree>
+      <p:nvGrpSpPr>
+        <p:cNvPr id="1" name=""/>
+        <p:cNvGrpSpPr/>
+        <p:nvPr/>
+      </p:nvGrpSpPr>
+      <p:grpSpPr>
+        <a:xfrm>
+          <a:off x="0" y="0"/>
+          <a:ext cx="0" cy="0"/>
+          <a:chOff x="0" y="0"/>
+          <a:chExt cx="0" cy="0"/>
+        </a:xfrm>
+      </p:grpSpPr>
+      <p:sp>
+        <p:nvSpPr>
+          <p:cNvPr id="2" name="标题 1">
+            <a:extLst>
+              <a:ext uri="{FF2B5EF4-FFF2-40B4-BE49-F238E27FC236}">
+                <a16:creationId xmlns:a16="http://schemas.microsoft.com/office/drawing/2014/main" id="{FBFC5B09-B56A-4EC8-B018-5AC45AA20A27}"/>
+              </a:ext>
+            </a:extLst>
+          </p:cNvPr>
+          <p:cNvSpPr>
+            <a:spLocks noGrp="1"/>
+          </p:cNvSpPr>
+          <p:nvPr>
+            <p:ph type="title"/>
+          </p:nvPr>
+        </p:nvSpPr>
+        <p:spPr/>
+        <p:txBody>
+          <a:bodyPr/>
+          <a:lstStyle/>
+          <a:p>
+            <a:r>
+              <a:rPr lang="en-US" altLang="zh-CN" dirty="0"/>
+              <a:t>Small lights</a:t>
+            </a:r>
+            <a:endParaRPr lang="zh-CN" altLang="en-US" dirty="0"/>
+          </a:p>
+        </p:txBody>
+      </p:sp>
+      <p:sp>
+        <p:nvSpPr>
+          <p:cNvPr id="3" name="内容占位符 2">
+            <a:extLst>
+              <a:ext uri="{FF2B5EF4-FFF2-40B4-BE49-F238E27FC236}">
+                <a16:creationId xmlns:a16="http://schemas.microsoft.com/office/drawing/2014/main" id="{7A2E8245-C2E4-482A-93DA-4CCE5FF4E5A6}"/>
+              </a:ext>
+            </a:extLst>
+          </p:cNvPr>
+          <p:cNvSpPr>
+            <a:spLocks noGrp="1"/>
+          </p:cNvSpPr>
+          <p:nvPr>
+            <p:ph idx="1"/>
+          </p:nvPr>
+        </p:nvSpPr>
+        <p:spPr/>
+        <p:txBody>
+          <a:bodyPr/>
+          <a:lstStyle/>
+          <a:p>
+            <a:endParaRPr lang="zh-CN" altLang="en-US" dirty="0"/>
+          </a:p>
+        </p:txBody>
+      </p:sp>
+      <p:pic>
+        <p:nvPicPr>
+          <p:cNvPr id="2050" name="Picture 2" descr="Forward Rendering (Light Range: 1-2 Units)">
+            <a:extLst>
+              <a:ext uri="{FF2B5EF4-FFF2-40B4-BE49-F238E27FC236}">
+                <a16:creationId xmlns:a16="http://schemas.microsoft.com/office/drawing/2014/main" id="{BDF39648-DA07-4C42-81FF-5BD2FD83564E}"/>
+              </a:ext>
+            </a:extLst>
+          </p:cNvPr>
+          <p:cNvPicPr>
+            <a:picLocks noChangeAspect="1" noChangeArrowheads="1"/>
+          </p:cNvPicPr>
+          <p:nvPr/>
+        </p:nvPicPr>
+        <p:blipFill>
+          <a:blip r:embed="rId3">
+            <a:extLst>
+              <a:ext uri="{28A0092B-C50C-407E-A947-70E740481C1C}">
+                <a14:useLocalDpi xmlns:a14="http://schemas.microsoft.com/office/drawing/2010/main" val="0"/>
+              </a:ext>
+            </a:extLst>
+          </a:blip>
+          <a:srcRect/>
+          <a:stretch>
+            <a:fillRect/>
+          </a:stretch>
+        </p:blipFill>
+        <p:spPr bwMode="auto">
+          <a:xfrm>
+            <a:off x="-2721429" y="1825625"/>
+            <a:ext cx="8192105" cy="4928281"/>
+          </a:xfrm>
+          <a:prstGeom prst="rect">
+            <a:avLst/>
+          </a:prstGeom>
+          <a:noFill/>
+          <a:extLst>
+            <a:ext uri="{909E8E84-426E-40DD-AFC4-6F175D3DCCD1}">
+              <a14:hiddenFill xmlns:a14="http://schemas.microsoft.com/office/drawing/2010/main">
+                <a:solidFill>
+                  <a:srgbClr val="FFFFFF"/>
+                </a:solidFill>
+              </a14:hiddenFill>
+            </a:ext>
+          </a:extLst>
+        </p:spPr>
+      </p:pic>
+      <p:pic>
+        <p:nvPicPr>
+          <p:cNvPr id="2054" name="Picture 6" descr="Forward Plus (Small Lights)">
+            <a:extLst>
+              <a:ext uri="{FF2B5EF4-FFF2-40B4-BE49-F238E27FC236}">
+                <a16:creationId xmlns:a16="http://schemas.microsoft.com/office/drawing/2014/main" id="{82A947B7-D28A-4E40-9D03-24C17C60768B}"/>
+              </a:ext>
+            </a:extLst>
+          </p:cNvPr>
+          <p:cNvPicPr>
+            <a:picLocks noChangeAspect="1" noChangeArrowheads="1"/>
+          </p:cNvPicPr>
+          <p:nvPr/>
+        </p:nvPicPr>
+        <p:blipFill>
+          <a:blip r:embed="rId4">
+            <a:extLst>
+              <a:ext uri="{28A0092B-C50C-407E-A947-70E740481C1C}">
+                <a14:useLocalDpi xmlns:a14="http://schemas.microsoft.com/office/drawing/2010/main" val="0"/>
+              </a:ext>
+            </a:extLst>
+          </a:blip>
+          <a:srcRect/>
+          <a:stretch>
+            <a:fillRect/>
+          </a:stretch>
+        </p:blipFill>
+        <p:spPr bwMode="auto">
+          <a:xfrm>
+            <a:off x="5524253" y="1793174"/>
+            <a:ext cx="8315325" cy="5000625"/>
+          </a:xfrm>
+          <a:prstGeom prst="rect">
+            <a:avLst/>
+          </a:prstGeom>
+          <a:noFill/>
+          <a:extLst>
+            <a:ext uri="{909E8E84-426E-40DD-AFC4-6F175D3DCCD1}">
+              <a14:hiddenFill xmlns:a14="http://schemas.microsoft.com/office/drawing/2010/main">
+                <a:solidFill>
+                  <a:srgbClr val="FFFFFF"/>
+                </a:solidFill>
+              </a14:hiddenFill>
+            </a:ext>
+          </a:extLst>
+        </p:spPr>
+      </p:pic>
+    </p:spTree>
+    <p:extLst>
+      <p:ext uri="{BB962C8B-B14F-4D97-AF65-F5344CB8AC3E}">
+        <p14:creationId xmlns:p14="http://schemas.microsoft.com/office/powerpoint/2010/main" val="141448815"/>
+      </p:ext>
+    </p:extLst>
+  </p:cSld>
+  <p:clrMapOvr>
+    <a:masterClrMapping/>
+  </p:clrMapOvr>
+</p:sld>
+</file>
+
+<file path=ppt/slides/slide22.xml><?xml version="1.0" encoding="utf-8"?>
+<p:sld xmlns:a="http://schemas.openxmlformats.org/drawingml/2006/main" xmlns:r="http://schemas.openxmlformats.org/officeDocument/2006/relationships" xmlns:p="http://schemas.openxmlformats.org/presentationml/2006/main">
+  <p:cSld>
+    <p:spTree>
+      <p:nvGrpSpPr>
+        <p:cNvPr id="1" name=""/>
+        <p:cNvGrpSpPr/>
+        <p:nvPr/>
+      </p:nvGrpSpPr>
+      <p:grpSpPr>
+        <a:xfrm>
+          <a:off x="0" y="0"/>
+          <a:ext cx="0" cy="0"/>
+          <a:chOff x="0" y="0"/>
+          <a:chExt cx="0" cy="0"/>
+        </a:xfrm>
+      </p:grpSpPr>
+      <p:sp>
+        <p:nvSpPr>
+          <p:cNvPr id="2" name="标题 1">
+            <a:extLst>
+              <a:ext uri="{FF2B5EF4-FFF2-40B4-BE49-F238E27FC236}">
+                <a16:creationId xmlns:a16="http://schemas.microsoft.com/office/drawing/2014/main" id="{CE73517D-EFF3-478A-9A2B-C26A4212ED51}"/>
+              </a:ext>
+            </a:extLst>
+          </p:cNvPr>
+          <p:cNvSpPr>
+            <a:spLocks noGrp="1"/>
+          </p:cNvSpPr>
+          <p:nvPr>
+            <p:ph type="title"/>
+          </p:nvPr>
+        </p:nvSpPr>
+        <p:spPr/>
+        <p:txBody>
+          <a:bodyPr/>
+          <a:lstStyle/>
+          <a:p>
+            <a:endParaRPr lang="zh-CN" altLang="en-US"/>
+          </a:p>
+        </p:txBody>
+      </p:sp>
+      <p:sp>
+        <p:nvSpPr>
+          <p:cNvPr id="3" name="内容占位符 2">
+            <a:extLst>
+              <a:ext uri="{FF2B5EF4-FFF2-40B4-BE49-F238E27FC236}">
+                <a16:creationId xmlns:a16="http://schemas.microsoft.com/office/drawing/2014/main" id="{33AA8564-B47B-4E9B-A2D6-BE5931C03A84}"/>
+              </a:ext>
+            </a:extLst>
+          </p:cNvPr>
+          <p:cNvSpPr>
+            <a:spLocks noGrp="1"/>
+          </p:cNvSpPr>
+          <p:nvPr>
+            <p:ph idx="1"/>
+          </p:nvPr>
+        </p:nvSpPr>
+        <p:spPr/>
+        <p:txBody>
+          <a:bodyPr/>
+          <a:lstStyle/>
+          <a:p>
+            <a:endParaRPr lang="zh-CN" altLang="en-US"/>
+          </a:p>
+        </p:txBody>
+      </p:sp>
+      <p:pic>
+        <p:nvPicPr>
+          <p:cNvPr id="4098" name="Picture 2" descr="Rendering Techniques (Small Lights)">
+            <a:extLst>
+              <a:ext uri="{FF2B5EF4-FFF2-40B4-BE49-F238E27FC236}">
+                <a16:creationId xmlns:a16="http://schemas.microsoft.com/office/drawing/2014/main" id="{6A8FD271-C790-4209-BA6D-90E7AC77906F}"/>
+              </a:ext>
+            </a:extLst>
+          </p:cNvPr>
+          <p:cNvPicPr>
+            <a:picLocks noChangeAspect="1" noChangeArrowheads="1"/>
+          </p:cNvPicPr>
+          <p:nvPr/>
+        </p:nvPicPr>
+        <p:blipFill>
+          <a:blip r:embed="rId3">
+            <a:extLst>
+              <a:ext uri="{28A0092B-C50C-407E-A947-70E740481C1C}">
+                <a14:useLocalDpi xmlns:a14="http://schemas.microsoft.com/office/drawing/2010/main" val="0"/>
+              </a:ext>
+            </a:extLst>
+          </a:blip>
+          <a:srcRect/>
+          <a:stretch>
+            <a:fillRect/>
+          </a:stretch>
+        </p:blipFill>
+        <p:spPr bwMode="auto">
+          <a:xfrm>
+            <a:off x="6266089" y="1481931"/>
+            <a:ext cx="8534400" cy="5038725"/>
+          </a:xfrm>
+          <a:prstGeom prst="rect">
+            <a:avLst/>
+          </a:prstGeom>
+          <a:noFill/>
+          <a:extLst>
+            <a:ext uri="{909E8E84-426E-40DD-AFC4-6F175D3DCCD1}">
+              <a14:hiddenFill xmlns:a14="http://schemas.microsoft.com/office/drawing/2010/main">
+                <a:solidFill>
+                  <a:srgbClr val="FFFFFF"/>
+                </a:solidFill>
+              </a14:hiddenFill>
+            </a:ext>
+          </a:extLst>
+        </p:spPr>
+      </p:pic>
+      <p:pic>
+        <p:nvPicPr>
+          <p:cNvPr id="4100" name="Picture 4" descr="Rendering Techniques (Large Lights)">
+            <a:extLst>
+              <a:ext uri="{FF2B5EF4-FFF2-40B4-BE49-F238E27FC236}">
+                <a16:creationId xmlns:a16="http://schemas.microsoft.com/office/drawing/2014/main" id="{50708AB6-CB25-4B3C-B598-D06C0812E947}"/>
+              </a:ext>
+            </a:extLst>
+          </p:cNvPr>
+          <p:cNvPicPr>
+            <a:picLocks noChangeAspect="1" noChangeArrowheads="1"/>
+          </p:cNvPicPr>
+          <p:nvPr/>
+        </p:nvPicPr>
+        <p:blipFill>
+          <a:blip r:embed="rId4">
+            <a:extLst>
+              <a:ext uri="{28A0092B-C50C-407E-A947-70E740481C1C}">
+                <a14:useLocalDpi xmlns:a14="http://schemas.microsoft.com/office/drawing/2010/main" val="0"/>
+              </a:ext>
+            </a:extLst>
+          </a:blip>
+          <a:srcRect/>
+          <a:stretch>
+            <a:fillRect/>
+          </a:stretch>
+        </p:blipFill>
+        <p:spPr bwMode="auto">
+          <a:xfrm>
+            <a:off x="-2173061" y="1481931"/>
+            <a:ext cx="8439150" cy="5038725"/>
+          </a:xfrm>
+          <a:prstGeom prst="rect">
+            <a:avLst/>
+          </a:prstGeom>
+          <a:noFill/>
+          <a:extLst>
+            <a:ext uri="{909E8E84-426E-40DD-AFC4-6F175D3DCCD1}">
+              <a14:hiddenFill xmlns:a14="http://schemas.microsoft.com/office/drawing/2010/main">
+                <a:solidFill>
+                  <a:srgbClr val="FFFFFF"/>
+                </a:solidFill>
+              </a14:hiddenFill>
+            </a:ext>
+          </a:extLst>
+        </p:spPr>
+      </p:pic>
+    </p:spTree>
+    <p:extLst>
+      <p:ext uri="{BB962C8B-B14F-4D97-AF65-F5344CB8AC3E}">
+        <p14:creationId xmlns:p14="http://schemas.microsoft.com/office/powerpoint/2010/main" val="251313038"/>
+      </p:ext>
+    </p:extLst>
+  </p:cSld>
+  <p:clrMapOvr>
+    <a:masterClrMapping/>
+  </p:clrMapOvr>
+</p:sld>
+</file>
+
+<file path=ppt/slides/slide23.xml><?xml version="1.0" encoding="utf-8"?>
+<p:sld xmlns:a="http://schemas.openxmlformats.org/drawingml/2006/main" xmlns:r="http://schemas.openxmlformats.org/officeDocument/2006/relationships" xmlns:p="http://schemas.openxmlformats.org/presentationml/2006/main">
+  <p:cSld>
+    <p:spTree>
+      <p:nvGrpSpPr>
+        <p:cNvPr id="1" name=""/>
+        <p:cNvGrpSpPr/>
+        <p:nvPr/>
+      </p:nvGrpSpPr>
+      <p:grpSpPr>
+        <a:xfrm>
+          <a:off x="0" y="0"/>
+          <a:ext cx="0" cy="0"/>
+          <a:chOff x="0" y="0"/>
+          <a:chExt cx="0" cy="0"/>
+        </a:xfrm>
+      </p:grpSpPr>
+      <p:sp>
+        <p:nvSpPr>
+          <p:cNvPr id="2" name="标题 1">
+            <a:extLst>
+              <a:ext uri="{FF2B5EF4-FFF2-40B4-BE49-F238E27FC236}">
+                <a16:creationId xmlns:a16="http://schemas.microsoft.com/office/drawing/2014/main" id="{9925CD64-497D-4C2B-B4D8-1A5B6C1388D7}"/>
+              </a:ext>
+            </a:extLst>
+          </p:cNvPr>
+          <p:cNvSpPr>
+            <a:spLocks noGrp="1"/>
+          </p:cNvSpPr>
+          <p:nvPr>
+            <p:ph type="title"/>
+          </p:nvPr>
+        </p:nvSpPr>
+        <p:spPr/>
+        <p:txBody>
+          <a:bodyPr/>
+          <a:lstStyle/>
+          <a:p>
+            <a:r>
+              <a:rPr lang="zh-CN" altLang="en-US" dirty="0"/>
+              <a:t>问题</a:t>
+            </a:r>
+          </a:p>
+        </p:txBody>
+      </p:sp>
+      <p:sp>
+        <p:nvSpPr>
+          <p:cNvPr id="3" name="内容占位符 2">
+            <a:extLst>
+              <a:ext uri="{FF2B5EF4-FFF2-40B4-BE49-F238E27FC236}">
+                <a16:creationId xmlns:a16="http://schemas.microsoft.com/office/drawing/2014/main" id="{92330397-541A-4323-85BE-8C1DB77AB6D9}"/>
+              </a:ext>
+            </a:extLst>
+          </p:cNvPr>
+          <p:cNvSpPr>
+            <a:spLocks noGrp="1"/>
+          </p:cNvSpPr>
+          <p:nvPr>
+            <p:ph idx="1"/>
+          </p:nvPr>
+        </p:nvSpPr>
+        <p:spPr/>
+        <p:txBody>
+          <a:bodyPr/>
+          <a:lstStyle/>
+          <a:p>
+            <a:r>
+              <a:rPr lang="en-US" altLang="zh-CN" dirty="0"/>
+              <a:t>False Positive</a:t>
+            </a:r>
+          </a:p>
+          <a:p>
+            <a:pPr lvl="1"/>
+            <a:r>
+              <a:rPr lang="en-US" altLang="zh-CN" dirty="0"/>
+              <a:t>Tile</a:t>
+            </a:r>
+            <a:r>
+              <a:rPr lang="zh-CN" altLang="en-US" dirty="0"/>
+              <a:t>的</a:t>
+            </a:r>
+            <a:r>
+              <a:rPr lang="en-US" altLang="zh-CN" dirty="0"/>
+              <a:t>min</a:t>
+            </a:r>
+            <a:r>
+              <a:rPr lang="zh-CN" altLang="en-US" dirty="0"/>
+              <a:t>和</a:t>
+            </a:r>
+            <a:r>
+              <a:rPr lang="en-US" altLang="zh-CN" dirty="0"/>
+              <a:t>max depth</a:t>
+            </a:r>
+            <a:r>
+              <a:rPr lang="zh-CN" altLang="en-US" dirty="0"/>
+              <a:t>跨度太大</a:t>
+            </a:r>
+            <a:endParaRPr lang="en-US" altLang="zh-CN" dirty="0"/>
+          </a:p>
+          <a:p>
+            <a:pPr lvl="1"/>
+            <a:r>
+              <a:rPr lang="zh-CN" altLang="en-US" dirty="0"/>
+              <a:t>怎么办？</a:t>
+            </a:r>
+            <a:endParaRPr lang="en-US" altLang="zh-CN" dirty="0"/>
+          </a:p>
+          <a:p>
+            <a:pPr lvl="2"/>
+            <a:r>
+              <a:rPr lang="en-US" altLang="zh-CN" dirty="0"/>
+              <a:t>Tile</a:t>
+            </a:r>
+            <a:r>
+              <a:rPr lang="zh-CN" altLang="en-US" dirty="0"/>
+              <a:t>再加一个维度</a:t>
+            </a:r>
+            <a:r>
+              <a:rPr lang="en-US" altLang="zh-CN" dirty="0"/>
+              <a:t>,</a:t>
+            </a:r>
+            <a:r>
+              <a:rPr lang="zh-CN" altLang="en-US" dirty="0"/>
+              <a:t>在</a:t>
+            </a:r>
+            <a:r>
+              <a:rPr lang="en-US" altLang="zh-CN" dirty="0"/>
+              <a:t>Z</a:t>
+            </a:r>
+            <a:r>
+              <a:rPr lang="zh-CN" altLang="en-US" dirty="0"/>
+              <a:t>轴切分</a:t>
+            </a:r>
+            <a:r>
+              <a:rPr lang="en-US" altLang="zh-CN" dirty="0"/>
+              <a:t> </a:t>
+            </a:r>
+            <a:r>
+              <a:rPr lang="en-US" altLang="zh-CN" dirty="0">
+                <a:sym typeface="Wingdings" panose="05000000000000000000" pitchFamily="2" charset="2"/>
+              </a:rPr>
+              <a:t> </a:t>
+            </a:r>
+            <a:r>
+              <a:rPr lang="en-US" altLang="zh-CN" dirty="0"/>
+              <a:t>Clustered Forward</a:t>
+            </a:r>
+          </a:p>
+        </p:txBody>
+      </p:sp>
+      <p:pic>
+        <p:nvPicPr>
+          <p:cNvPr id="4" name="图片 3">
+            <a:extLst>
+              <a:ext uri="{FF2B5EF4-FFF2-40B4-BE49-F238E27FC236}">
+                <a16:creationId xmlns:a16="http://schemas.microsoft.com/office/drawing/2014/main" id="{B71EBAD8-01B6-477A-9C48-4E7EE088F725}"/>
+              </a:ext>
+            </a:extLst>
+          </p:cNvPr>
+          <p:cNvPicPr>
+            <a:picLocks noChangeAspect="1"/>
+          </p:cNvPicPr>
+          <p:nvPr/>
+        </p:nvPicPr>
+        <p:blipFill>
+          <a:blip r:embed="rId3"/>
+          <a:stretch>
+            <a:fillRect/>
+          </a:stretch>
+        </p:blipFill>
+        <p:spPr>
+          <a:xfrm>
+            <a:off x="1504950" y="3873500"/>
+            <a:ext cx="10687050" cy="2619375"/>
+          </a:xfrm>
+          <a:prstGeom prst="rect">
+            <a:avLst/>
+          </a:prstGeom>
+        </p:spPr>
+      </p:pic>
+    </p:spTree>
+    <p:extLst>
+      <p:ext uri="{BB962C8B-B14F-4D97-AF65-F5344CB8AC3E}">
+        <p14:creationId xmlns:p14="http://schemas.microsoft.com/office/powerpoint/2010/main" val="662140262"/>
+      </p:ext>
+    </p:extLst>
+  </p:cSld>
+  <p:clrMapOvr>
+    <a:masterClrMapping/>
+  </p:clrMapOvr>
+</p:sld>
+</file>
+
+<file path=ppt/slides/slide24.xml><?xml version="1.0" encoding="utf-8"?>
+<p:sld xmlns:a="http://schemas.openxmlformats.org/drawingml/2006/main" xmlns:r="http://schemas.openxmlformats.org/officeDocument/2006/relationships" xmlns:p="http://schemas.openxmlformats.org/presentationml/2006/main">
+  <p:cSld>
+    <p:spTree>
+      <p:nvGrpSpPr>
+        <p:cNvPr id="1" name=""/>
+        <p:cNvGrpSpPr/>
+        <p:nvPr/>
+      </p:nvGrpSpPr>
+      <p:grpSpPr>
+        <a:xfrm>
+          <a:off x="0" y="0"/>
+          <a:ext cx="0" cy="0"/>
+          <a:chOff x="0" y="0"/>
+          <a:chExt cx="0" cy="0"/>
+        </a:xfrm>
+      </p:grpSpPr>
+      <p:sp>
+        <p:nvSpPr>
+          <p:cNvPr id="2" name="标题 1">
+            <a:extLst>
+              <a:ext uri="{FF2B5EF4-FFF2-40B4-BE49-F238E27FC236}">
+                <a16:creationId xmlns:a16="http://schemas.microsoft.com/office/drawing/2014/main" id="{52134003-73CA-4DD3-931B-2C0436C7CEA7}"/>
+              </a:ext>
+            </a:extLst>
+          </p:cNvPr>
+          <p:cNvSpPr>
+            <a:spLocks noGrp="1"/>
+          </p:cNvSpPr>
+          <p:nvPr>
+            <p:ph type="title"/>
+          </p:nvPr>
+        </p:nvSpPr>
+        <p:spPr/>
+        <p:txBody>
+          <a:bodyPr/>
+          <a:lstStyle/>
+          <a:p>
+            <a:r>
+              <a:rPr lang="en-US" altLang="zh-CN" dirty="0"/>
+              <a:t>Clustered Forward</a:t>
+            </a:r>
+            <a:endParaRPr lang="zh-CN" altLang="en-US" dirty="0"/>
+          </a:p>
+        </p:txBody>
+      </p:sp>
+      <p:sp>
+        <p:nvSpPr>
+          <p:cNvPr id="3" name="内容占位符 2">
+            <a:extLst>
+              <a:ext uri="{FF2B5EF4-FFF2-40B4-BE49-F238E27FC236}">
+                <a16:creationId xmlns:a16="http://schemas.microsoft.com/office/drawing/2014/main" id="{AA037154-4DD6-41E1-B1B1-2A4889B1FE27}"/>
+              </a:ext>
+            </a:extLst>
+          </p:cNvPr>
+          <p:cNvSpPr>
+            <a:spLocks noGrp="1"/>
+          </p:cNvSpPr>
+          <p:nvPr>
+            <p:ph idx="1"/>
+          </p:nvPr>
+        </p:nvSpPr>
+        <p:spPr/>
+        <p:txBody>
+          <a:bodyPr/>
+          <a:lstStyle/>
+          <a:p>
+            <a:r>
+              <a:rPr lang="en-US" altLang="zh-CN" dirty="0"/>
+              <a:t>Cluster</a:t>
+            </a:r>
+          </a:p>
+          <a:p>
+            <a:pPr lvl="1"/>
+            <a:r>
+              <a:rPr lang="en-US" altLang="zh-CN" dirty="0"/>
+              <a:t>Z</a:t>
+            </a:r>
+            <a:r>
+              <a:rPr lang="zh-CN" altLang="en-US" dirty="0"/>
+              <a:t>轴切分</a:t>
+            </a:r>
+            <a:r>
+              <a:rPr lang="en-US" altLang="zh-CN" dirty="0"/>
+              <a:t>frustum</a:t>
+            </a:r>
+          </a:p>
+          <a:p>
+            <a:r>
+              <a:rPr lang="zh-CN" altLang="en-US" dirty="0"/>
+              <a:t>减少</a:t>
+            </a:r>
+            <a:r>
+              <a:rPr lang="en-US" altLang="zh-CN" dirty="0"/>
+              <a:t>Cluster</a:t>
+            </a:r>
+          </a:p>
+          <a:p>
+            <a:pPr lvl="1"/>
+            <a:r>
+              <a:rPr lang="zh-CN" altLang="en-US" dirty="0"/>
+              <a:t>排序</a:t>
+            </a:r>
+            <a:r>
+              <a:rPr lang="en-US" altLang="zh-CN" dirty="0"/>
+              <a:t>+</a:t>
+            </a:r>
+            <a:r>
+              <a:rPr lang="zh-CN" altLang="en-US" dirty="0"/>
+              <a:t>合并</a:t>
+            </a:r>
+          </a:p>
+        </p:txBody>
+      </p:sp>
+      <p:pic>
+        <p:nvPicPr>
+          <p:cNvPr id="5122" name="Picture 2">
+            <a:extLst>
+              <a:ext uri="{FF2B5EF4-FFF2-40B4-BE49-F238E27FC236}">
+                <a16:creationId xmlns:a16="http://schemas.microsoft.com/office/drawing/2014/main" id="{F034FCC9-2E38-478D-B127-403716BE096E}"/>
+              </a:ext>
+            </a:extLst>
+          </p:cNvPr>
+          <p:cNvPicPr>
+            <a:picLocks noChangeAspect="1" noChangeArrowheads="1"/>
+          </p:cNvPicPr>
+          <p:nvPr/>
+        </p:nvPicPr>
+        <p:blipFill>
+          <a:blip r:embed="rId3">
+            <a:extLst>
+              <a:ext uri="{28A0092B-C50C-407E-A947-70E740481C1C}">
+                <a14:useLocalDpi xmlns:a14="http://schemas.microsoft.com/office/drawing/2010/main" val="0"/>
+              </a:ext>
+            </a:extLst>
+          </a:blip>
+          <a:srcRect/>
+          <a:stretch>
+            <a:fillRect/>
+          </a:stretch>
+        </p:blipFill>
+        <p:spPr bwMode="auto">
+          <a:xfrm>
+            <a:off x="609600" y="4263797"/>
+            <a:ext cx="4181475" cy="2314575"/>
+          </a:xfrm>
+          <a:prstGeom prst="rect">
+            <a:avLst/>
+          </a:prstGeom>
+          <a:noFill/>
+          <a:extLst>
+            <a:ext uri="{909E8E84-426E-40DD-AFC4-6F175D3DCCD1}">
+              <a14:hiddenFill xmlns:a14="http://schemas.microsoft.com/office/drawing/2010/main">
+                <a:solidFill>
+                  <a:srgbClr val="FFFFFF"/>
+                </a:solidFill>
+              </a14:hiddenFill>
+            </a:ext>
+          </a:extLst>
+        </p:spPr>
+      </p:pic>
+      <p:pic>
+        <p:nvPicPr>
+          <p:cNvPr id="5" name="图片 4">
+            <a:extLst>
+              <a:ext uri="{FF2B5EF4-FFF2-40B4-BE49-F238E27FC236}">
+                <a16:creationId xmlns:a16="http://schemas.microsoft.com/office/drawing/2014/main" id="{DC400AC4-8C6D-4199-A533-9BF4C4C49F1E}"/>
+              </a:ext>
+            </a:extLst>
+          </p:cNvPr>
+          <p:cNvPicPr>
+            <a:picLocks noChangeAspect="1"/>
+          </p:cNvPicPr>
+          <p:nvPr/>
+        </p:nvPicPr>
+        <p:blipFill>
+          <a:blip r:embed="rId4"/>
+          <a:stretch>
+            <a:fillRect/>
+          </a:stretch>
+        </p:blipFill>
+        <p:spPr>
+          <a:xfrm>
+            <a:off x="5667375" y="3511550"/>
+            <a:ext cx="5915025" cy="2800350"/>
+          </a:xfrm>
+          <a:prstGeom prst="rect">
+            <a:avLst/>
+          </a:prstGeom>
+        </p:spPr>
+      </p:pic>
+    </p:spTree>
+    <p:extLst>
+      <p:ext uri="{BB962C8B-B14F-4D97-AF65-F5344CB8AC3E}">
+        <p14:creationId xmlns:p14="http://schemas.microsoft.com/office/powerpoint/2010/main" val="3867362100"/>
+      </p:ext>
+    </p:extLst>
+  </p:cSld>
+  <p:clrMapOvr>
+    <a:masterClrMapping/>
+  </p:clrMapOvr>
+</p:sld>
+</file>
+
+<file path=ppt/slides/slide25.xml><?xml version="1.0" encoding="utf-8"?>
+<p:sld xmlns:a="http://schemas.openxmlformats.org/drawingml/2006/main" xmlns:r="http://schemas.openxmlformats.org/officeDocument/2006/relationships" xmlns:p="http://schemas.openxmlformats.org/presentationml/2006/main">
+  <p:cSld>
+    <p:spTree>
+      <p:nvGrpSpPr>
+        <p:cNvPr id="1" name=""/>
+        <p:cNvGrpSpPr/>
+        <p:nvPr/>
+      </p:nvGrpSpPr>
+      <p:grpSpPr>
+        <a:xfrm>
+          <a:off x="0" y="0"/>
+          <a:ext cx="0" cy="0"/>
+          <a:chOff x="0" y="0"/>
+          <a:chExt cx="0" cy="0"/>
+        </a:xfrm>
+      </p:grpSpPr>
+      <p:sp>
+        <p:nvSpPr>
+          <p:cNvPr id="2" name="标题 1">
+            <a:extLst>
+              <a:ext uri="{FF2B5EF4-FFF2-40B4-BE49-F238E27FC236}">
+                <a16:creationId xmlns:a16="http://schemas.microsoft.com/office/drawing/2014/main" id="{C7CC55BD-2025-4741-BA9E-7319B4821CDE}"/>
+              </a:ext>
+            </a:extLst>
+          </p:cNvPr>
+          <p:cNvSpPr>
+            <a:spLocks noGrp="1"/>
+          </p:cNvSpPr>
+          <p:nvPr>
+            <p:ph type="title"/>
+          </p:nvPr>
+        </p:nvSpPr>
+        <p:spPr/>
+        <p:txBody>
+          <a:bodyPr/>
+          <a:lstStyle/>
+          <a:p>
+            <a:r>
+              <a:rPr lang="en-US" altLang="zh-CN" dirty="0"/>
+              <a:t>Clustered Forward</a:t>
+            </a:r>
+            <a:endParaRPr lang="zh-CN" altLang="en-US" dirty="0"/>
+          </a:p>
+        </p:txBody>
+      </p:sp>
+      <p:sp>
+        <p:nvSpPr>
+          <p:cNvPr id="3" name="内容占位符 2">
+            <a:extLst>
+              <a:ext uri="{FF2B5EF4-FFF2-40B4-BE49-F238E27FC236}">
+                <a16:creationId xmlns:a16="http://schemas.microsoft.com/office/drawing/2014/main" id="{0822A588-4D86-4427-AA6B-AEAA92EFA66B}"/>
+              </a:ext>
+            </a:extLst>
+          </p:cNvPr>
+          <p:cNvSpPr>
+            <a:spLocks noGrp="1"/>
+          </p:cNvSpPr>
+          <p:nvPr>
+            <p:ph idx="1"/>
+          </p:nvPr>
+        </p:nvSpPr>
+        <p:spPr/>
+        <p:txBody>
+          <a:bodyPr/>
+          <a:lstStyle/>
+          <a:p>
+            <a:endParaRPr lang="zh-CN" altLang="en-US"/>
+          </a:p>
+        </p:txBody>
+      </p:sp>
+      <p:pic>
+        <p:nvPicPr>
+          <p:cNvPr id="4" name="图片 3">
+            <a:extLst>
+              <a:ext uri="{FF2B5EF4-FFF2-40B4-BE49-F238E27FC236}">
+                <a16:creationId xmlns:a16="http://schemas.microsoft.com/office/drawing/2014/main" id="{F338725D-326E-430E-A079-B5545A5ED055}"/>
+              </a:ext>
+            </a:extLst>
+          </p:cNvPr>
+          <p:cNvPicPr>
+            <a:picLocks noChangeAspect="1"/>
+          </p:cNvPicPr>
+          <p:nvPr/>
+        </p:nvPicPr>
+        <p:blipFill>
+          <a:blip r:embed="rId2"/>
+          <a:stretch>
+            <a:fillRect/>
+          </a:stretch>
+        </p:blipFill>
+        <p:spPr>
+          <a:xfrm>
+            <a:off x="-652346" y="2032426"/>
+            <a:ext cx="12192000" cy="3541441"/>
+          </a:xfrm>
+          <a:prstGeom prst="rect">
+            <a:avLst/>
+          </a:prstGeom>
+        </p:spPr>
+      </p:pic>
+    </p:spTree>
+    <p:extLst>
+      <p:ext uri="{BB962C8B-B14F-4D97-AF65-F5344CB8AC3E}">
+        <p14:creationId xmlns:p14="http://schemas.microsoft.com/office/powerpoint/2010/main" val="860465077"/>
       </p:ext>
     </p:extLst>
   </p:cSld>
@@ -5613,7 +9069,9 @@
         </p:nvSpPr>
         <p:spPr/>
         <p:txBody>
-          <a:bodyPr/>
+          <a:bodyPr>
+            <a:normAutofit fontScale="92500" lnSpcReduction="10000"/>
+          </a:bodyPr>
           <a:lstStyle/>
           <a:p>
             <a:r>
@@ -5626,15 +9084,34 @@
             <a:pPr lvl="1"/>
             <a:r>
               <a:rPr lang="zh-CN" altLang="en-US" dirty="0"/>
-              <a:t>物体在屏幕上的投影</a:t>
+              <a:t>光源包围盒在屏幕上的投影</a:t>
             </a:r>
             <a:endParaRPr lang="en-US" altLang="zh-CN" dirty="0"/>
           </a:p>
           <a:p>
-            <a:pPr lvl="1"/>
-            <a:r>
-              <a:rPr lang="zh-CN" altLang="en-US" dirty="0"/>
-              <a:t>光源包围盒在屏幕上的投影</a:t>
+            <a:pPr lvl="2"/>
+            <a:r>
+              <a:rPr lang="en-US" altLang="zh-CN" dirty="0"/>
+              <a:t>Scissor Test</a:t>
+            </a:r>
+          </a:p>
+          <a:p>
+            <a:pPr lvl="3"/>
+            <a:r>
+              <a:rPr lang="en-US" altLang="zh-CN" dirty="0"/>
+              <a:t>Scissor Test</a:t>
+            </a:r>
+            <a:r>
+              <a:rPr lang="zh-CN" altLang="en-US" dirty="0"/>
+              <a:t>实际是放在</a:t>
+            </a:r>
+            <a:r>
+              <a:rPr lang="en-US" altLang="zh-CN" dirty="0" err="1"/>
+              <a:t>FragShading</a:t>
+            </a:r>
+            <a:r>
+              <a:rPr lang="zh-CN" altLang="en-US" dirty="0"/>
+              <a:t>之前</a:t>
             </a:r>
             <a:endParaRPr lang="en-US" altLang="zh-CN" dirty="0"/>
           </a:p>
@@ -5706,6 +9183,25 @@
             <a:endParaRPr lang="en-US" altLang="zh-CN" dirty="0"/>
           </a:p>
           <a:p>
+            <a:pPr lvl="2"/>
+            <a:r>
+              <a:rPr lang="zh-CN" altLang="en-US" dirty="0"/>
+              <a:t>物体在屏幕上的投影</a:t>
+            </a:r>
+            <a:r>
+              <a:rPr lang="en-US" altLang="zh-CN" dirty="0"/>
+              <a:t>(</a:t>
+            </a:r>
+            <a:r>
+              <a:rPr lang="zh-CN" altLang="en-US" dirty="0"/>
+              <a:t>无法</a:t>
+            </a:r>
+            <a:r>
+              <a:rPr lang="en-US" altLang="zh-CN" dirty="0"/>
+              <a:t>Scissor Test)</a:t>
+            </a:r>
+          </a:p>
+          <a:p>
             <a:r>
               <a:rPr lang="zh-CN" altLang="en-US" dirty="0"/>
               <a:t>解决</a:t>
@@ -5777,7 +9273,7 @@
           <p:nvPr/>
         </p:nvPicPr>
         <p:blipFill>
-          <a:blip r:embed="rId2"/>
+          <a:blip r:embed="rId3"/>
           <a:stretch>
             <a:fillRect/>
           </a:stretch>
@@ -5807,7 +9303,7 @@
           <p:nvPr/>
         </p:nvPicPr>
         <p:blipFill>
-          <a:blip r:embed="rId3"/>
+          <a:blip r:embed="rId4"/>
           <a:stretch>
             <a:fillRect/>
           </a:stretch>
@@ -5857,6 +9353,265 @@
           <p:cNvPr id="2" name="标题 1">
             <a:extLst>
               <a:ext uri="{FF2B5EF4-FFF2-40B4-BE49-F238E27FC236}">
+                <a16:creationId xmlns:a16="http://schemas.microsoft.com/office/drawing/2014/main" id="{7C380AD5-355C-4104-A0B6-9F61B473AEAC}"/>
+              </a:ext>
+            </a:extLst>
+          </p:cNvPr>
+          <p:cNvSpPr>
+            <a:spLocks noGrp="1"/>
+          </p:cNvSpPr>
+          <p:nvPr>
+            <p:ph type="title"/>
+          </p:nvPr>
+        </p:nvSpPr>
+        <p:spPr/>
+        <p:txBody>
+          <a:bodyPr/>
+          <a:lstStyle/>
+          <a:p>
+            <a:r>
+              <a:rPr lang="en-US" altLang="zh-CN" dirty="0"/>
+              <a:t>Forward+:Tiled Based Forward</a:t>
+            </a:r>
+            <a:endParaRPr lang="zh-CN" altLang="en-US" dirty="0"/>
+          </a:p>
+        </p:txBody>
+      </p:sp>
+      <p:sp>
+        <p:nvSpPr>
+          <p:cNvPr id="3" name="内容占位符 2">
+            <a:extLst>
+              <a:ext uri="{FF2B5EF4-FFF2-40B4-BE49-F238E27FC236}">
+                <a16:creationId xmlns:a16="http://schemas.microsoft.com/office/drawing/2014/main" id="{73F921AC-5E08-4D4F-87AE-BF74BA1D428D}"/>
+              </a:ext>
+            </a:extLst>
+          </p:cNvPr>
+          <p:cNvSpPr>
+            <a:spLocks noGrp="1"/>
+          </p:cNvSpPr>
+          <p:nvPr>
+            <p:ph idx="1"/>
+          </p:nvPr>
+        </p:nvSpPr>
+        <p:spPr/>
+        <p:txBody>
+          <a:bodyPr/>
+          <a:lstStyle/>
+          <a:p>
+            <a:r>
+              <a:rPr lang="zh-CN" altLang="en-US" dirty="0"/>
+              <a:t>可以做什么</a:t>
+            </a:r>
+            <a:r>
+              <a:rPr lang="en-US" altLang="zh-CN" dirty="0"/>
+              <a:t>?</a:t>
+            </a:r>
+          </a:p>
+          <a:p>
+            <a:pPr lvl="1"/>
+            <a:r>
+              <a:rPr lang="zh-CN" altLang="en-US" dirty="0"/>
+              <a:t>一个</a:t>
+            </a:r>
+            <a:r>
+              <a:rPr lang="en-US" altLang="zh-CN" dirty="0"/>
+              <a:t>Pass</a:t>
+            </a:r>
+            <a:r>
+              <a:rPr lang="zh-CN" altLang="en-US" dirty="0"/>
+              <a:t>算多个光源的同时，不扩大它的</a:t>
+            </a:r>
+            <a:r>
+              <a:rPr lang="en-US" altLang="zh-CN" dirty="0"/>
+              <a:t>Scissor Test</a:t>
+            </a:r>
+            <a:r>
+              <a:rPr lang="zh-CN" altLang="en-US" dirty="0"/>
+              <a:t>范围</a:t>
+            </a:r>
+            <a:endParaRPr lang="en-US" altLang="zh-CN" dirty="0"/>
+          </a:p>
+          <a:p>
+            <a:pPr lvl="1"/>
+            <a:r>
+              <a:rPr lang="zh-CN" altLang="en-US" dirty="0"/>
+              <a:t>以</a:t>
+            </a:r>
+            <a:r>
+              <a:rPr lang="en-US" altLang="zh-CN" dirty="0"/>
+              <a:t>Tile</a:t>
+            </a:r>
+            <a:r>
+              <a:rPr lang="zh-CN" altLang="en-US" dirty="0"/>
+              <a:t>为单位做</a:t>
+            </a:r>
+            <a:r>
+              <a:rPr lang="en-US" altLang="zh-CN" dirty="0"/>
+              <a:t>Light Culling</a:t>
+            </a:r>
+          </a:p>
+          <a:p>
+            <a:pPr lvl="2"/>
+            <a:r>
+              <a:rPr lang="zh-CN" altLang="en-US" dirty="0"/>
+              <a:t>踢掉一些明确没贡献的光源，例如</a:t>
+            </a:r>
+            <a:endParaRPr lang="en-US" altLang="zh-CN" dirty="0"/>
+          </a:p>
+          <a:p>
+            <a:pPr lvl="3"/>
+            <a:r>
+              <a:rPr lang="zh-CN" altLang="en-US" dirty="0"/>
+              <a:t>在物体里，或者背向屏幕的</a:t>
+            </a:r>
+            <a:endParaRPr lang="en-US" altLang="zh-CN" dirty="0"/>
+          </a:p>
+          <a:p>
+            <a:r>
+              <a:rPr lang="zh-CN" altLang="en-US" dirty="0"/>
+              <a:t>需要</a:t>
+            </a:r>
+            <a:r>
+              <a:rPr lang="en-US" altLang="zh-CN" dirty="0" err="1"/>
+              <a:t>ZPrePass</a:t>
+            </a:r>
+            <a:endParaRPr lang="en-US" altLang="zh-CN" dirty="0"/>
+          </a:p>
+          <a:p>
+            <a:pPr lvl="3"/>
+            <a:endParaRPr lang="en-US" altLang="zh-CN" dirty="0"/>
+          </a:p>
+          <a:p>
+            <a:pPr lvl="1"/>
+            <a:endParaRPr lang="zh-CN" altLang="en-US" dirty="0"/>
+          </a:p>
+        </p:txBody>
+      </p:sp>
+      <p:pic>
+        <p:nvPicPr>
+          <p:cNvPr id="4" name="图片 3">
+            <a:extLst>
+              <a:ext uri="{FF2B5EF4-FFF2-40B4-BE49-F238E27FC236}">
+                <a16:creationId xmlns:a16="http://schemas.microsoft.com/office/drawing/2014/main" id="{4F05851B-A14D-4ED9-B672-73386EA6A7BD}"/>
+              </a:ext>
+            </a:extLst>
+          </p:cNvPr>
+          <p:cNvPicPr>
+            <a:picLocks noChangeAspect="1"/>
+          </p:cNvPicPr>
+          <p:nvPr/>
+        </p:nvPicPr>
+        <p:blipFill>
+          <a:blip r:embed="rId3"/>
+          <a:stretch>
+            <a:fillRect/>
+          </a:stretch>
+        </p:blipFill>
+        <p:spPr>
+          <a:xfrm>
+            <a:off x="194034" y="4317485"/>
+            <a:ext cx="4986512" cy="2990973"/>
+          </a:xfrm>
+          <a:prstGeom prst="rect">
+            <a:avLst/>
+          </a:prstGeom>
+        </p:spPr>
+      </p:pic>
+      <p:pic>
+        <p:nvPicPr>
+          <p:cNvPr id="5" name="图片 4">
+            <a:extLst>
+              <a:ext uri="{FF2B5EF4-FFF2-40B4-BE49-F238E27FC236}">
+                <a16:creationId xmlns:a16="http://schemas.microsoft.com/office/drawing/2014/main" id="{69846DE8-E6E2-4CA7-BF87-FFEBC26CC07D}"/>
+              </a:ext>
+            </a:extLst>
+          </p:cNvPr>
+          <p:cNvPicPr>
+            <a:picLocks noChangeAspect="1"/>
+          </p:cNvPicPr>
+          <p:nvPr/>
+        </p:nvPicPr>
+        <p:blipFill>
+          <a:blip r:embed="rId4"/>
+          <a:stretch>
+            <a:fillRect/>
+          </a:stretch>
+        </p:blipFill>
+        <p:spPr>
+          <a:xfrm>
+            <a:off x="5635786" y="4196156"/>
+            <a:ext cx="3173616" cy="2115744"/>
+          </a:xfrm>
+          <a:prstGeom prst="rect">
+            <a:avLst/>
+          </a:prstGeom>
+        </p:spPr>
+      </p:pic>
+      <p:pic>
+        <p:nvPicPr>
+          <p:cNvPr id="6" name="图片 5">
+            <a:extLst>
+              <a:ext uri="{FF2B5EF4-FFF2-40B4-BE49-F238E27FC236}">
+                <a16:creationId xmlns:a16="http://schemas.microsoft.com/office/drawing/2014/main" id="{604E819B-ADA3-4AD4-996D-BB32B2CC6E8C}"/>
+              </a:ext>
+            </a:extLst>
+          </p:cNvPr>
+          <p:cNvPicPr>
+            <a:picLocks noChangeAspect="1"/>
+          </p:cNvPicPr>
+          <p:nvPr/>
+        </p:nvPicPr>
+        <p:blipFill>
+          <a:blip r:embed="rId5"/>
+          <a:stretch>
+            <a:fillRect/>
+          </a:stretch>
+        </p:blipFill>
+        <p:spPr>
+          <a:xfrm>
+            <a:off x="9132028" y="3852281"/>
+            <a:ext cx="2867025" cy="2514600"/>
+          </a:xfrm>
+          <a:prstGeom prst="rect">
+            <a:avLst/>
+          </a:prstGeom>
+        </p:spPr>
+      </p:pic>
+    </p:spTree>
+    <p:extLst>
+      <p:ext uri="{BB962C8B-B14F-4D97-AF65-F5344CB8AC3E}">
+        <p14:creationId xmlns:p14="http://schemas.microsoft.com/office/powerpoint/2010/main" val="1389095716"/>
+      </p:ext>
+    </p:extLst>
+  </p:cSld>
+  <p:clrMapOvr>
+    <a:masterClrMapping/>
+  </p:clrMapOvr>
+</p:sld>
+</file>
+
+<file path=ppt/slides/slide7.xml><?xml version="1.0" encoding="utf-8"?>
+<p:sld xmlns:a="http://schemas.openxmlformats.org/drawingml/2006/main" xmlns:r="http://schemas.openxmlformats.org/officeDocument/2006/relationships" xmlns:p="http://schemas.openxmlformats.org/presentationml/2006/main">
+  <p:cSld>
+    <p:spTree>
+      <p:nvGrpSpPr>
+        <p:cNvPr id="1" name=""/>
+        <p:cNvGrpSpPr/>
+        <p:nvPr/>
+      </p:nvGrpSpPr>
+      <p:grpSpPr>
+        <a:xfrm>
+          <a:off x="0" y="0"/>
+          <a:ext cx="0" cy="0"/>
+          <a:chOff x="0" y="0"/>
+          <a:chExt cx="0" cy="0"/>
+        </a:xfrm>
+      </p:grpSpPr>
+      <p:sp>
+        <p:nvSpPr>
+          <p:cNvPr id="2" name="标题 1">
+            <a:extLst>
+              <a:ext uri="{FF2B5EF4-FFF2-40B4-BE49-F238E27FC236}">
                 <a16:creationId xmlns:a16="http://schemas.microsoft.com/office/drawing/2014/main" id="{7999F45F-0D7C-4D26-A6CD-77D9EB9EF8A0}"/>
               </a:ext>
             </a:extLst>
@@ -5875,15 +9630,7 @@
           <a:p>
             <a:r>
               <a:rPr lang="en-US" altLang="zh-CN" dirty="0"/>
-              <a:t>Forward+</a:t>
-            </a:r>
-            <a:r>
-              <a:rPr lang="en-US" altLang="zh-CN" b="1" dirty="0"/>
-              <a:t>:</a:t>
-            </a:r>
-            <a:r>
-              <a:rPr lang="en-US" altLang="zh-CN" dirty="0"/>
-              <a:t>Tiled Based Forward</a:t>
+              <a:t>Tiled Based</a:t>
             </a:r>
             <a:endParaRPr lang="zh-CN" altLang="en-US" dirty="0"/>
           </a:p>
@@ -6154,7 +9901,7 @@
 </p:sld>
 </file>
 
-<file path=ppt/slides/slide7.xml><?xml version="1.0" encoding="utf-8"?>
+<file path=ppt/slides/slide8.xml><?xml version="1.0" encoding="utf-8"?>
 <p:sld xmlns:a="http://schemas.openxmlformats.org/drawingml/2006/main" xmlns:r="http://schemas.openxmlformats.org/officeDocument/2006/relationships" xmlns:p="http://schemas.openxmlformats.org/presentationml/2006/main">
   <p:cSld>
     <p:spTree>
@@ -6360,7 +10107,7 @@
 </p:sld>
 </file>
 
-<file path=ppt/slides/slide8.xml><?xml version="1.0" encoding="utf-8"?>
+<file path=ppt/slides/slide9.xml><?xml version="1.0" encoding="utf-8"?>
 <p:sld xmlns:a="http://schemas.openxmlformats.org/drawingml/2006/main" xmlns:r="http://schemas.openxmlformats.org/officeDocument/2006/relationships" xmlns:p="http://schemas.openxmlformats.org/presentationml/2006/main">
   <p:cSld>
     <p:spTree>
@@ -6813,338 +10560,6 @@
     <p:extLst>
       <p:ext uri="{BB962C8B-B14F-4D97-AF65-F5344CB8AC3E}">
         <p14:creationId xmlns:p14="http://schemas.microsoft.com/office/powerpoint/2010/main" val="2452033109"/>
-      </p:ext>
-    </p:extLst>
-  </p:cSld>
-  <p:clrMapOvr>
-    <a:masterClrMapping/>
-  </p:clrMapOvr>
-</p:sld>
-</file>
-
-<file path=ppt/slides/slide9.xml><?xml version="1.0" encoding="utf-8"?>
-<p:sld xmlns:a="http://schemas.openxmlformats.org/drawingml/2006/main" xmlns:r="http://schemas.openxmlformats.org/officeDocument/2006/relationships" xmlns:p="http://schemas.openxmlformats.org/presentationml/2006/main">
-  <p:cSld>
-    <p:spTree>
-      <p:nvGrpSpPr>
-        <p:cNvPr id="1" name=""/>
-        <p:cNvGrpSpPr/>
-        <p:nvPr/>
-      </p:nvGrpSpPr>
-      <p:grpSpPr>
-        <a:xfrm>
-          <a:off x="0" y="0"/>
-          <a:ext cx="0" cy="0"/>
-          <a:chOff x="0" y="0"/>
-          <a:chExt cx="0" cy="0"/>
-        </a:xfrm>
-      </p:grpSpPr>
-      <p:sp>
-        <p:nvSpPr>
-          <p:cNvPr id="2" name="标题 1">
-            <a:extLst>
-              <a:ext uri="{FF2B5EF4-FFF2-40B4-BE49-F238E27FC236}">
-                <a16:creationId xmlns:a16="http://schemas.microsoft.com/office/drawing/2014/main" id="{AE21FC3A-C2BF-43AB-8690-94D25700DA43}"/>
-              </a:ext>
-            </a:extLst>
-          </p:cNvPr>
-          <p:cNvSpPr>
-            <a:spLocks noGrp="1"/>
-          </p:cNvSpPr>
-          <p:nvPr>
-            <p:ph type="title"/>
-          </p:nvPr>
-        </p:nvSpPr>
-        <p:spPr/>
-        <p:txBody>
-          <a:bodyPr/>
-          <a:lstStyle/>
-          <a:p>
-            <a:r>
-              <a:rPr lang="zh-CN" altLang="en-US" dirty="0"/>
-              <a:t>如何求</a:t>
-            </a:r>
-            <a:r>
-              <a:rPr lang="en-US" altLang="zh-CN" dirty="0"/>
-              <a:t>Tile Frustum</a:t>
-            </a:r>
-            <a:r>
-              <a:rPr lang="zh-CN" altLang="en-US" dirty="0"/>
-              <a:t>？</a:t>
-            </a:r>
-          </a:p>
-        </p:txBody>
-      </p:sp>
-      <p:sp>
-        <p:nvSpPr>
-          <p:cNvPr id="3" name="内容占位符 2">
-            <a:extLst>
-              <a:ext uri="{FF2B5EF4-FFF2-40B4-BE49-F238E27FC236}">
-                <a16:creationId xmlns:a16="http://schemas.microsoft.com/office/drawing/2014/main" id="{B67E08FD-6DA9-45DD-90DD-191D1CA55652}"/>
-              </a:ext>
-            </a:extLst>
-          </p:cNvPr>
-          <p:cNvSpPr>
-            <a:spLocks noGrp="1"/>
-          </p:cNvSpPr>
-          <p:nvPr>
-            <p:ph idx="1"/>
-          </p:nvPr>
-        </p:nvSpPr>
-        <p:spPr/>
-        <p:txBody>
-          <a:bodyPr/>
-          <a:lstStyle/>
-          <a:p>
-            <a:r>
-              <a:rPr lang="zh-CN" altLang="en-US" dirty="0"/>
-              <a:t>前后</a:t>
-            </a:r>
-            <a:r>
-              <a:rPr lang="en-US" altLang="zh-CN" dirty="0"/>
-              <a:t>Plane</a:t>
-            </a:r>
-          </a:p>
-          <a:p>
-            <a:pPr lvl="1"/>
-            <a:r>
-              <a:rPr lang="zh-CN" altLang="en-US" dirty="0"/>
-              <a:t>求</a:t>
-            </a:r>
-            <a:r>
-              <a:rPr lang="en-US" altLang="zh-CN" dirty="0"/>
-              <a:t>Tile</a:t>
-            </a:r>
-            <a:r>
-              <a:rPr lang="zh-CN" altLang="en-US" dirty="0"/>
-              <a:t>的</a:t>
-            </a:r>
-            <a:r>
-              <a:rPr lang="en-US" altLang="zh-CN" dirty="0"/>
-              <a:t>Min</a:t>
-            </a:r>
-            <a:r>
-              <a:rPr lang="zh-CN" altLang="en-US" dirty="0"/>
-              <a:t>和</a:t>
-            </a:r>
-            <a:r>
-              <a:rPr lang="en-US" altLang="zh-CN" dirty="0"/>
-              <a:t>Max</a:t>
-            </a:r>
-            <a:r>
-              <a:rPr lang="zh-CN" altLang="en-US" dirty="0"/>
-              <a:t>深度</a:t>
-            </a:r>
-            <a:r>
-              <a:rPr lang="en-US" altLang="zh-CN" dirty="0"/>
-              <a:t>(View Space)</a:t>
-            </a:r>
-          </a:p>
-          <a:p>
-            <a:pPr lvl="1"/>
-            <a:r>
-              <a:rPr lang="zh-CN" altLang="en-US" dirty="0">
-                <a:solidFill>
-                  <a:schemeClr val="accent1"/>
-                </a:solidFill>
-              </a:rPr>
-              <a:t>蓝色是物体；</a:t>
-            </a:r>
-            <a:r>
-              <a:rPr lang="zh-CN" altLang="en-US" dirty="0">
-                <a:solidFill>
-                  <a:schemeClr val="accent4"/>
-                </a:solidFill>
-              </a:rPr>
-              <a:t>黄色是光源</a:t>
-            </a:r>
-            <a:endParaRPr lang="en-US" altLang="zh-CN" dirty="0">
-              <a:solidFill>
-                <a:schemeClr val="accent4"/>
-              </a:solidFill>
-            </a:endParaRPr>
-          </a:p>
-          <a:p>
-            <a:pPr lvl="1"/>
-            <a:r>
-              <a:rPr lang="zh-CN" altLang="en-US" dirty="0"/>
-              <a:t>可以放在</a:t>
-            </a:r>
-            <a:r>
-              <a:rPr lang="en-US" altLang="zh-CN" dirty="0" err="1"/>
-              <a:t>LightCulling</a:t>
-            </a:r>
-            <a:r>
-              <a:rPr lang="zh-CN" altLang="en-US" dirty="0"/>
-              <a:t>步骤一起算</a:t>
-            </a:r>
-            <a:endParaRPr lang="en-US" altLang="zh-CN" dirty="0"/>
-          </a:p>
-          <a:p>
-            <a:r>
-              <a:rPr lang="zh-CN" altLang="en-US" dirty="0"/>
-              <a:t>实现</a:t>
-            </a:r>
-            <a:endParaRPr lang="en-US" altLang="zh-CN" dirty="0"/>
-          </a:p>
-          <a:p>
-            <a:pPr lvl="1"/>
-            <a:r>
-              <a:rPr lang="en-US" altLang="zh-CN" dirty="0" err="1"/>
-              <a:t>precomputeFrustums.compute</a:t>
-            </a:r>
-            <a:endParaRPr lang="en-US" altLang="zh-CN" dirty="0"/>
-          </a:p>
-          <a:p>
-            <a:pPr lvl="1"/>
-            <a:r>
-              <a:rPr lang="en-US" altLang="zh-CN" dirty="0"/>
-              <a:t>Dispatch (x, y, z) </a:t>
-            </a:r>
-            <a:r>
-              <a:rPr lang="zh-CN" altLang="en-US" dirty="0"/>
-              <a:t>與 </a:t>
-            </a:r>
-            <a:r>
-              <a:rPr lang="en-US" altLang="zh-CN" dirty="0" err="1"/>
-              <a:t>numthreads</a:t>
-            </a:r>
-            <a:r>
-              <a:rPr lang="en-US" altLang="zh-CN" dirty="0"/>
-              <a:t> (x, y, z)</a:t>
-            </a:r>
-            <a:endParaRPr lang="zh-CN" altLang="en-US" dirty="0"/>
-          </a:p>
-        </p:txBody>
-      </p:sp>
-      <p:pic>
-        <p:nvPicPr>
-          <p:cNvPr id="4098" name="Picture 2" descr="Min and Max Depth per Tile">
-            <a:extLst>
-              <a:ext uri="{FF2B5EF4-FFF2-40B4-BE49-F238E27FC236}">
-                <a16:creationId xmlns:a16="http://schemas.microsoft.com/office/drawing/2014/main" id="{7D5AB15A-00C7-4F4C-BC34-76B4CCBB72F2}"/>
-              </a:ext>
-            </a:extLst>
-          </p:cNvPr>
-          <p:cNvPicPr>
-            <a:picLocks noChangeAspect="1" noChangeArrowheads="1"/>
-          </p:cNvPicPr>
-          <p:nvPr/>
-        </p:nvPicPr>
-        <p:blipFill>
-          <a:blip r:embed="rId2" cstate="print">
-            <a:extLst>
-              <a:ext uri="{28A0092B-C50C-407E-A947-70E740481C1C}">
-                <a14:useLocalDpi xmlns:a14="http://schemas.microsoft.com/office/drawing/2010/main" val="0"/>
-              </a:ext>
-            </a:extLst>
-          </a:blip>
-          <a:srcRect/>
-          <a:stretch>
-            <a:fillRect/>
-          </a:stretch>
-        </p:blipFill>
-        <p:spPr bwMode="auto">
-          <a:xfrm>
-            <a:off x="7619528" y="-58723"/>
-            <a:ext cx="3356068" cy="2956406"/>
-          </a:xfrm>
-          <a:prstGeom prst="rect">
-            <a:avLst/>
-          </a:prstGeom>
-          <a:noFill/>
-          <a:extLst>
-            <a:ext uri="{909E8E84-426E-40DD-AFC4-6F175D3DCCD1}">
-              <a14:hiddenFill xmlns:a14="http://schemas.microsoft.com/office/drawing/2010/main">
-                <a:solidFill>
-                  <a:srgbClr val="FFFFFF"/>
-                </a:solidFill>
-              </a14:hiddenFill>
-            </a:ext>
-          </a:extLst>
-        </p:spPr>
-      </p:pic>
-      <p:pic>
-        <p:nvPicPr>
-          <p:cNvPr id="1028" name="Picture 4">
-            <a:extLst>
-              <a:ext uri="{FF2B5EF4-FFF2-40B4-BE49-F238E27FC236}">
-                <a16:creationId xmlns:a16="http://schemas.microsoft.com/office/drawing/2014/main" id="{593C1788-15FF-462E-A072-08F684FEE2F5}"/>
-              </a:ext>
-            </a:extLst>
-          </p:cNvPr>
-          <p:cNvPicPr>
-            <a:picLocks noChangeAspect="1" noChangeArrowheads="1"/>
-          </p:cNvPicPr>
-          <p:nvPr/>
-        </p:nvPicPr>
-        <p:blipFill>
-          <a:blip r:embed="rId3" cstate="print">
-            <a:extLst>
-              <a:ext uri="{28A0092B-C50C-407E-A947-70E740481C1C}">
-                <a14:useLocalDpi xmlns:a14="http://schemas.microsoft.com/office/drawing/2010/main" val="0"/>
-              </a:ext>
-            </a:extLst>
-          </a:blip>
-          <a:srcRect/>
-          <a:stretch>
-            <a:fillRect/>
-          </a:stretch>
-        </p:blipFill>
-        <p:spPr bwMode="auto">
-          <a:xfrm>
-            <a:off x="8395352" y="3457635"/>
-            <a:ext cx="2958448" cy="2996600"/>
-          </a:xfrm>
-          <a:prstGeom prst="rect">
-            <a:avLst/>
-          </a:prstGeom>
-          <a:noFill/>
-          <a:extLst>
-            <a:ext uri="{909E8E84-426E-40DD-AFC4-6F175D3DCCD1}">
-              <a14:hiddenFill xmlns:a14="http://schemas.microsoft.com/office/drawing/2010/main">
-                <a:solidFill>
-                  <a:srgbClr val="FFFFFF"/>
-                </a:solidFill>
-              </a14:hiddenFill>
-            </a:ext>
-          </a:extLst>
-        </p:spPr>
-      </p:pic>
-      <p:pic>
-        <p:nvPicPr>
-          <p:cNvPr id="4" name="图片 3">
-            <a:extLst>
-              <a:ext uri="{FF2B5EF4-FFF2-40B4-BE49-F238E27FC236}">
-                <a16:creationId xmlns:a16="http://schemas.microsoft.com/office/drawing/2014/main" id="{9604D3C2-561B-4635-8064-373596612A51}"/>
-              </a:ext>
-            </a:extLst>
-          </p:cNvPr>
-          <p:cNvPicPr>
-            <a:picLocks noChangeAspect="1"/>
-          </p:cNvPicPr>
-          <p:nvPr/>
-        </p:nvPicPr>
-        <p:blipFill>
-          <a:blip r:embed="rId4"/>
-          <a:stretch>
-            <a:fillRect/>
-          </a:stretch>
-        </p:blipFill>
-        <p:spPr>
-          <a:xfrm>
-            <a:off x="612355" y="5099284"/>
-            <a:ext cx="6656880" cy="1453872"/>
-          </a:xfrm>
-          <a:prstGeom prst="rect">
-            <a:avLst/>
-          </a:prstGeom>
-        </p:spPr>
-      </p:pic>
-    </p:spTree>
-    <p:extLst>
-      <p:ext uri="{BB962C8B-B14F-4D97-AF65-F5344CB8AC3E}">
-        <p14:creationId xmlns:p14="http://schemas.microsoft.com/office/powerpoint/2010/main" val="2906871497"/>
       </p:ext>
     </p:extLst>
   </p:cSld>
@@ -7413,4 +10828,299 @@
     </a:ext>
   </a:extLst>
 </a:theme>
+</file>
+
+<file path=ppt/theme/theme2.xml><?xml version="1.0" encoding="utf-8"?>
+<a:theme xmlns:a="http://schemas.openxmlformats.org/drawingml/2006/main" name="Office 主题​​">
+  <a:themeElements>
+    <a:clrScheme name="Office">
+      <a:dk1>
+        <a:sysClr val="windowText" lastClr="000000"/>
+      </a:dk1>
+      <a:lt1>
+        <a:sysClr val="window" lastClr="FFFFFF"/>
+      </a:lt1>
+      <a:dk2>
+        <a:srgbClr val="44546A"/>
+      </a:dk2>
+      <a:lt2>
+        <a:srgbClr val="E7E6E6"/>
+      </a:lt2>
+      <a:accent1>
+        <a:srgbClr val="4472C4"/>
+      </a:accent1>
+      <a:accent2>
+        <a:srgbClr val="ED7D31"/>
+      </a:accent2>
+      <a:accent3>
+        <a:srgbClr val="A5A5A5"/>
+      </a:accent3>
+      <a:accent4>
+        <a:srgbClr val="FFC000"/>
+      </a:accent4>
+      <a:accent5>
+        <a:srgbClr val="5B9BD5"/>
+      </a:accent5>
+      <a:accent6>
+        <a:srgbClr val="70AD47"/>
+      </a:accent6>
+      <a:hlink>
+        <a:srgbClr val="0563C1"/>
+      </a:hlink>
+      <a:folHlink>
+        <a:srgbClr val="954F72"/>
+      </a:folHlink>
+    </a:clrScheme>
+    <a:fontScheme name="Office">
+      <a:majorFont>
+        <a:latin typeface="等线 Light" panose="020F0302020204030204"/>
+        <a:ea typeface=""/>
+        <a:cs typeface=""/>
+        <a:font script="Jpan" typeface="游ゴシック Light"/>
+        <a:font script="Hang" typeface="맑은 고딕"/>
+        <a:font script="Hans" typeface="等线 Light"/>
+        <a:font script="Hant" typeface="新細明體"/>
+        <a:font script="Arab" typeface="Times New Roman"/>
+        <a:font script="Hebr" typeface="Times New Roman"/>
+        <a:font script="Thai" typeface="Angsana New"/>
+        <a:font script="Ethi" typeface="Nyala"/>
+        <a:font script="Beng" typeface="Vrinda"/>
+        <a:font script="Gujr" typeface="Shruti"/>
+        <a:font script="Khmr" typeface="MoolBoran"/>
+        <a:font script="Knda" typeface="Tunga"/>
+        <a:font script="Guru" typeface="Raavi"/>
+        <a:font script="Cans" typeface="Euphemia"/>
+        <a:font script="Cher" typeface="Plantagenet Cherokee"/>
+        <a:font script="Yiii" typeface="Microsoft Yi Baiti"/>
+        <a:font script="Tibt" typeface="Microsoft Himalaya"/>
+        <a:font script="Thaa" typeface="MV Boli"/>
+        <a:font script="Deva" typeface="Mangal"/>
+        <a:font script="Telu" typeface="Gautami"/>
+        <a:font script="Taml" typeface="Latha"/>
+        <a:font script="Syrc" typeface="Estrangelo Edessa"/>
+        <a:font script="Orya" typeface="Kalinga"/>
+        <a:font script="Mlym" typeface="Kartika"/>
+        <a:font script="Laoo" typeface="DokChampa"/>
+        <a:font script="Sinh" typeface="Iskoola Pota"/>
+        <a:font script="Mong" typeface="Mongolian Baiti"/>
+        <a:font script="Viet" typeface="Times New Roman"/>
+        <a:font script="Uigh" typeface="Microsoft Uighur"/>
+        <a:font script="Geor" typeface="Sylfaen"/>
+        <a:font script="Armn" typeface="Arial"/>
+        <a:font script="Bugi" typeface="Leelawadee UI"/>
+        <a:font script="Bopo" typeface="Microsoft JhengHei"/>
+        <a:font script="Java" typeface="Javanese Text"/>
+        <a:font script="Lisu" typeface="Segoe UI"/>
+        <a:font script="Mymr" typeface="Myanmar Text"/>
+        <a:font script="Nkoo" typeface="Ebrima"/>
+        <a:font script="Olck" typeface="Nirmala UI"/>
+        <a:font script="Osma" typeface="Ebrima"/>
+        <a:font script="Phag" typeface="Phagspa"/>
+        <a:font script="Syrn" typeface="Estrangelo Edessa"/>
+        <a:font script="Syrj" typeface="Estrangelo Edessa"/>
+        <a:font script="Syre" typeface="Estrangelo Edessa"/>
+        <a:font script="Sora" typeface="Nirmala UI"/>
+        <a:font script="Tale" typeface="Microsoft Tai Le"/>
+        <a:font script="Talu" typeface="Microsoft New Tai Lue"/>
+        <a:font script="Tfng" typeface="Ebrima"/>
+      </a:majorFont>
+      <a:minorFont>
+        <a:latin typeface="等线" panose="020F0502020204030204"/>
+        <a:ea typeface=""/>
+        <a:cs typeface=""/>
+        <a:font script="Jpan" typeface="游ゴシック"/>
+        <a:font script="Hang" typeface="맑은 고딕"/>
+        <a:font script="Hans" typeface="等线"/>
+        <a:font script="Hant" typeface="新細明體"/>
+        <a:font script="Arab" typeface="Arial"/>
+        <a:font script="Hebr" typeface="Arial"/>
+        <a:font script="Thai" typeface="Cordia New"/>
+        <a:font script="Ethi" typeface="Nyala"/>
+        <a:font script="Beng" typeface="Vrinda"/>
+        <a:font script="Gujr" typeface="Shruti"/>
+        <a:font script="Khmr" typeface="DaunPenh"/>
+        <a:font script="Knda" typeface="Tunga"/>
+        <a:font script="Guru" typeface="Raavi"/>
+        <a:font script="Cans" typeface="Euphemia"/>
+        <a:font script="Cher" typeface="Plantagenet Cherokee"/>
+        <a:font script="Yiii" typeface="Microsoft Yi Baiti"/>
+        <a:font script="Tibt" typeface="Microsoft Himalaya"/>
+        <a:font script="Thaa" typeface="MV Boli"/>
+        <a:font script="Deva" typeface="Mangal"/>
+        <a:font script="Telu" typeface="Gautami"/>
+        <a:font script="Taml" typeface="Latha"/>
+        <a:font script="Syrc" typeface="Estrangelo Edessa"/>
+        <a:font script="Orya" typeface="Kalinga"/>
+        <a:font script="Mlym" typeface="Kartika"/>
+        <a:font script="Laoo" typeface="DokChampa"/>
+        <a:font script="Sinh" typeface="Iskoola Pota"/>
+        <a:font script="Mong" typeface="Mongolian Baiti"/>
+        <a:font script="Viet" typeface="Arial"/>
+        <a:font script="Uigh" typeface="Microsoft Uighur"/>
+        <a:font script="Geor" typeface="Sylfaen"/>
+        <a:font script="Armn" typeface="Arial"/>
+        <a:font script="Bugi" typeface="Leelawadee UI"/>
+        <a:font script="Bopo" typeface="Microsoft JhengHei"/>
+        <a:font script="Java" typeface="Javanese Text"/>
+        <a:font script="Lisu" typeface="Segoe UI"/>
+        <a:font script="Mymr" typeface="Myanmar Text"/>
+        <a:font script="Nkoo" typeface="Ebrima"/>
+        <a:font script="Olck" typeface="Nirmala UI"/>
+        <a:font script="Osma" typeface="Ebrima"/>
+        <a:font script="Phag" typeface="Phagspa"/>
+        <a:font script="Syrn" typeface="Estrangelo Edessa"/>
+        <a:font script="Syrj" typeface="Estrangelo Edessa"/>
+        <a:font script="Syre" typeface="Estrangelo Edessa"/>
+        <a:font script="Sora" typeface="Nirmala UI"/>
+        <a:font script="Tale" typeface="Microsoft Tai Le"/>
+        <a:font script="Talu" typeface="Microsoft New Tai Lue"/>
+        <a:font script="Tfng" typeface="Ebrima"/>
+      </a:minorFont>
+    </a:fontScheme>
+    <a:fmtScheme name="Office">
+      <a:fillStyleLst>
+        <a:solidFill>
+          <a:schemeClr val="phClr"/>
+        </a:solidFill>
+        <a:gradFill rotWithShape="1">
+          <a:gsLst>
+            <a:gs pos="0">
+              <a:schemeClr val="phClr">
+                <a:lumMod val="110000"/>
+                <a:satMod val="105000"/>
+                <a:tint val="67000"/>
+              </a:schemeClr>
+            </a:gs>
+            <a:gs pos="50000">
+              <a:schemeClr val="phClr">
+                <a:lumMod val="105000"/>
+                <a:satMod val="103000"/>
+                <a:tint val="73000"/>
+              </a:schemeClr>
+            </a:gs>
+            <a:gs pos="100000">
+              <a:schemeClr val="phClr">
+                <a:lumMod val="105000"/>
+                <a:satMod val="109000"/>
+                <a:tint val="81000"/>
+              </a:schemeClr>
+            </a:gs>
+          </a:gsLst>
+          <a:lin ang="5400000" scaled="0"/>
+        </a:gradFill>
+        <a:gradFill rotWithShape="1">
+          <a:gsLst>
+            <a:gs pos="0">
+              <a:schemeClr val="phClr">
+                <a:satMod val="103000"/>
+                <a:lumMod val="102000"/>
+                <a:tint val="94000"/>
+              </a:schemeClr>
+            </a:gs>
+            <a:gs pos="50000">
+              <a:schemeClr val="phClr">
+                <a:satMod val="110000"/>
+                <a:lumMod val="100000"/>
+                <a:shade val="100000"/>
+              </a:schemeClr>
+            </a:gs>
+            <a:gs pos="100000">
+              <a:schemeClr val="phClr">
+                <a:lumMod val="99000"/>
+                <a:satMod val="120000"/>
+                <a:shade val="78000"/>
+              </a:schemeClr>
+            </a:gs>
+          </a:gsLst>
+          <a:lin ang="5400000" scaled="0"/>
+        </a:gradFill>
+      </a:fillStyleLst>
+      <a:lnStyleLst>
+        <a:ln w="6350" cap="flat" cmpd="sng" algn="ctr">
+          <a:solidFill>
+            <a:schemeClr val="phClr"/>
+          </a:solidFill>
+          <a:prstDash val="solid"/>
+          <a:miter lim="800000"/>
+        </a:ln>
+        <a:ln w="12700" cap="flat" cmpd="sng" algn="ctr">
+          <a:solidFill>
+            <a:schemeClr val="phClr"/>
+          </a:solidFill>
+          <a:prstDash val="solid"/>
+          <a:miter lim="800000"/>
+        </a:ln>
+        <a:ln w="19050" cap="flat" cmpd="sng" algn="ctr">
+          <a:solidFill>
+            <a:schemeClr val="phClr"/>
+          </a:solidFill>
+          <a:prstDash val="solid"/>
+          <a:miter lim="800000"/>
+        </a:ln>
+      </a:lnStyleLst>
+      <a:effectStyleLst>
+        <a:effectStyle>
+          <a:effectLst/>
+        </a:effectStyle>
+        <a:effectStyle>
+          <a:effectLst/>
+        </a:effectStyle>
+        <a:effectStyle>
+          <a:effectLst>
+            <a:outerShdw blurRad="57150" dist="19050" dir="5400000" algn="ctr" rotWithShape="0">
+              <a:srgbClr val="000000">
+                <a:alpha val="63000"/>
+              </a:srgbClr>
+            </a:outerShdw>
+          </a:effectLst>
+        </a:effectStyle>
+      </a:effectStyleLst>
+      <a:bgFillStyleLst>
+        <a:solidFill>
+          <a:schemeClr val="phClr"/>
+        </a:solidFill>
+        <a:solidFill>
+          <a:schemeClr val="phClr">
+            <a:tint val="95000"/>
+            <a:satMod val="170000"/>
+          </a:schemeClr>
+        </a:solidFill>
+        <a:gradFill rotWithShape="1">
+          <a:gsLst>
+            <a:gs pos="0">
+              <a:schemeClr val="phClr">
+                <a:tint val="93000"/>
+                <a:satMod val="150000"/>
+                <a:shade val="98000"/>
+                <a:lumMod val="102000"/>
+              </a:schemeClr>
+            </a:gs>
+            <a:gs pos="50000">
+              <a:schemeClr val="phClr">
+                <a:tint val="98000"/>
+                <a:satMod val="130000"/>
+                <a:shade val="90000"/>
+                <a:lumMod val="103000"/>
+              </a:schemeClr>
+            </a:gs>
+            <a:gs pos="100000">
+              <a:schemeClr val="phClr">
+                <a:shade val="63000"/>
+                <a:satMod val="120000"/>
+              </a:schemeClr>
+            </a:gs>
+          </a:gsLst>
+          <a:lin ang="5400000" scaled="0"/>
+        </a:gradFill>
+      </a:bgFillStyleLst>
+    </a:fmtScheme>
+  </a:themeElements>
+  <a:objectDefaults/>
+  <a:extraClrSchemeLst/>
+  <a:extLst>
+    <a:ext uri="{05A4C25C-085E-4340-85A3-A5531E510DB2}">
+      <thm15:themeFamily xmlns:thm15="http://schemas.microsoft.com/office/thememl/2012/main" name="Office Theme" id="{62F939B6-93AF-4DB8-9C6B-D6C7DFDC589F}" vid="{4A3C46E8-61CC-4603-A589-7422A47A8E4A}"/>
+    </a:ext>
+  </a:extLst>
+</a:theme>
 </file>